--- a/presentaciones/Clase 1-Introduccion a Ruby.pptx
+++ b/presentaciones/Clase 1-Introduccion a Ruby.pptx
@@ -5,7 +5,7 @@
     <p:sldMasterId id="2147483648" r:id="rId1"/>
   </p:sldMasterIdLst>
   <p:notesMasterIdLst>
-    <p:notesMasterId r:id="rId72"/>
+    <p:notesMasterId r:id="rId45"/>
   </p:notesMasterIdLst>
   <p:sldIdLst>
     <p:sldId id="256" r:id="rId2"/>
@@ -50,34 +50,7 @@
     <p:sldId id="304" r:id="rId41"/>
     <p:sldId id="305" r:id="rId42"/>
     <p:sldId id="306" r:id="rId43"/>
-    <p:sldId id="312" r:id="rId44"/>
-    <p:sldId id="320" r:id="rId45"/>
-    <p:sldId id="321" r:id="rId46"/>
-    <p:sldId id="322" r:id="rId47"/>
-    <p:sldId id="323" r:id="rId48"/>
-    <p:sldId id="307" r:id="rId49"/>
-    <p:sldId id="308" r:id="rId50"/>
-    <p:sldId id="325" r:id="rId51"/>
-    <p:sldId id="309" r:id="rId52"/>
-    <p:sldId id="310" r:id="rId53"/>
-    <p:sldId id="311" r:id="rId54"/>
-    <p:sldId id="327" r:id="rId55"/>
-    <p:sldId id="326" r:id="rId56"/>
-    <p:sldId id="328" r:id="rId57"/>
-    <p:sldId id="329" r:id="rId58"/>
-    <p:sldId id="330" r:id="rId59"/>
-    <p:sldId id="324" r:id="rId60"/>
-    <p:sldId id="331" r:id="rId61"/>
-    <p:sldId id="332" r:id="rId62"/>
-    <p:sldId id="333" r:id="rId63"/>
-    <p:sldId id="334" r:id="rId64"/>
-    <p:sldId id="301" r:id="rId65"/>
-    <p:sldId id="314" r:id="rId66"/>
-    <p:sldId id="315" r:id="rId67"/>
-    <p:sldId id="316" r:id="rId68"/>
-    <p:sldId id="317" r:id="rId69"/>
-    <p:sldId id="318" r:id="rId70"/>
-    <p:sldId id="298" r:id="rId71"/>
+    <p:sldId id="298" r:id="rId44"/>
   </p:sldIdLst>
   <p:sldSz cx="9144000" cy="6858000" type="screen4x3"/>
   <p:notesSz cx="6858000" cy="9144000"/>
@@ -302,7 +275,7 @@
             <a:fld id="{4267BE09-23C4-EA44-B3BC-248C48E87497}" type="datetimeFigureOut">
               <a:rPr lang="es-CR"/>
               <a:pPr/>
-              <a:t>4/5/15</a:t>
+              <a:t>4/6/15</a:t>
             </a:fld>
             <a:endParaRPr lang="es-CR"/>
           </a:p>
@@ -2637,7 +2610,7 @@
             <a:fld id="{70B90A40-B659-224A-80B0-5653A15AE0DA}" type="datetimeFigureOut">
               <a:rPr lang="en-US"/>
               <a:pPr/>
-              <a:t>4/5/15</a:t>
+              <a:t>4/6/15</a:t>
             </a:fld>
             <a:endParaRPr lang="en-US"/>
           </a:p>
@@ -2824,7 +2797,7 @@
             <a:fld id="{0D6C1D08-8629-9741-B74D-B129FFF6F82A}" type="datetimeFigureOut">
               <a:rPr lang="en-US"/>
               <a:pPr/>
-              <a:t>4/5/15</a:t>
+              <a:t>4/6/15</a:t>
             </a:fld>
             <a:endParaRPr lang="en-US"/>
           </a:p>
@@ -3021,7 +2994,7 @@
             <a:fld id="{BBD13895-6440-1846-867C-988EA1454632}" type="datetimeFigureOut">
               <a:rPr lang="en-US"/>
               <a:pPr/>
-              <a:t>4/5/15</a:t>
+              <a:t>4/6/15</a:t>
             </a:fld>
             <a:endParaRPr lang="en-US"/>
           </a:p>
@@ -3208,7 +3181,7 @@
             <a:fld id="{EFF7C72E-B1EA-224E-9FC7-96B80B148742}" type="datetimeFigureOut">
               <a:rPr lang="en-US"/>
               <a:pPr/>
-              <a:t>4/5/15</a:t>
+              <a:t>4/6/15</a:t>
             </a:fld>
             <a:endParaRPr lang="en-US"/>
           </a:p>
@@ -3471,7 +3444,7 @@
             <a:fld id="{290325A9-9FD2-BD42-A3AC-A784F47E1A9A}" type="datetimeFigureOut">
               <a:rPr lang="en-US"/>
               <a:pPr/>
-              <a:t>4/5/15</a:t>
+              <a:t>4/6/15</a:t>
             </a:fld>
             <a:endParaRPr lang="en-US"/>
           </a:p>
@@ -3776,7 +3749,7 @@
             <a:fld id="{5E882BC8-BB8B-6F43-A8B0-149CD86CC90B}" type="datetimeFigureOut">
               <a:rPr lang="en-US"/>
               <a:pPr/>
-              <a:t>4/5/15</a:t>
+              <a:t>4/6/15</a:t>
             </a:fld>
             <a:endParaRPr lang="en-US"/>
           </a:p>
@@ -4215,7 +4188,7 @@
             <a:fld id="{17862DB7-C18D-6E41-85D4-A46D04DDF788}" type="datetimeFigureOut">
               <a:rPr lang="en-US"/>
               <a:pPr/>
-              <a:t>4/5/15</a:t>
+              <a:t>4/6/15</a:t>
             </a:fld>
             <a:endParaRPr lang="en-US"/>
           </a:p>
@@ -4350,7 +4323,7 @@
             <a:fld id="{0ED5B260-A184-4E45-81B3-A707ABDAF358}" type="datetimeFigureOut">
               <a:rPr lang="en-US"/>
               <a:pPr/>
-              <a:t>4/5/15</a:t>
+              <a:t>4/6/15</a:t>
             </a:fld>
             <a:endParaRPr lang="en-US"/>
           </a:p>
@@ -4462,7 +4435,7 @@
             <a:fld id="{C39689B0-A911-D441-984C-17C806F4A6D2}" type="datetimeFigureOut">
               <a:rPr lang="en-US"/>
               <a:pPr/>
-              <a:t>4/5/15</a:t>
+              <a:t>4/6/15</a:t>
             </a:fld>
             <a:endParaRPr lang="en-US"/>
           </a:p>
@@ -4756,7 +4729,7 @@
             <a:fld id="{40C7C9B2-AF00-FE4B-9411-ABF43A20885D}" type="datetimeFigureOut">
               <a:rPr lang="en-US"/>
               <a:pPr/>
-              <a:t>4/5/15</a:t>
+              <a:t>4/6/15</a:t>
             </a:fld>
             <a:endParaRPr lang="en-US"/>
           </a:p>
@@ -5033,7 +5006,7 @@
             <a:fld id="{C929C2AB-758A-4D4B-B49A-AD6EEF4EFFF7}" type="datetimeFigureOut">
               <a:rPr lang="en-US"/>
               <a:pPr/>
-              <a:t>4/5/15</a:t>
+              <a:t>4/6/15</a:t>
             </a:fld>
             <a:endParaRPr lang="en-US"/>
           </a:p>
@@ -5328,7 +5301,7 @@
             <a:fld id="{D6B74E06-241F-9C44-93A8-AB6BF52B6421}" type="datetimeFigureOut">
               <a:rPr lang="en-US"/>
               <a:pPr/>
-              <a:t>4/5/15</a:t>
+              <a:t>4/6/15</a:t>
             </a:fld>
             <a:endParaRPr lang="en-US"/>
           </a:p>
@@ -5886,34 +5859,16 @@
                 </a:solidFill>
                 <a:latin typeface="Calibri" charset="0"/>
               </a:rPr>
-              <a:t>Introducci</a:t>
-            </a:r>
-            <a:r>
-              <a:rPr lang="fr-CA" sz="4200" dirty="0" err="1" smtClean="0">
+              <a:t>Introducción</a:t>
+            </a:r>
+            <a:r>
+              <a:rPr lang="fr-CA" sz="4200" dirty="0" smtClean="0">
                 <a:solidFill>
                   <a:schemeClr val="bg1"/>
                 </a:solidFill>
                 <a:latin typeface="Calibri" charset="0"/>
               </a:rPr>
-              <a:t>ón</a:t>
-            </a:r>
-            <a:r>
-              <a:rPr lang="fr-CA" sz="4200" dirty="0" smtClean="0">
-                <a:solidFill>
-                  <a:schemeClr val="bg1"/>
-                </a:solidFill>
-                <a:latin typeface="Calibri" charset="0"/>
-              </a:rPr>
-              <a:t> a </a:t>
-            </a:r>
-            <a:r>
-              <a:rPr lang="fr-CA" sz="4200" dirty="0" smtClean="0">
-                <a:solidFill>
-                  <a:schemeClr val="bg1"/>
-                </a:solidFill>
-                <a:latin typeface="Calibri" charset="0"/>
-              </a:rPr>
-              <a:t>Ruby</a:t>
+              <a:t> a Ruby</a:t>
             </a:r>
             <a:endParaRPr lang="en-US" sz="4200" dirty="0">
               <a:solidFill>
@@ -14103,6 +14058,13 @@
   <p:clrMapOvr>
     <a:masterClrMapping/>
   </p:clrMapOvr>
+  <p:timing>
+    <p:tnLst>
+      <p:par>
+        <p:cTn xmlns:p14="http://schemas.microsoft.com/office/powerpoint/2010/main" id="1" dur="indefinite" restart="never" nodeType="tmRoot"/>
+      </p:par>
+    </p:tnLst>
+  </p:timing>
 </p:sld>
 </file>
 
@@ -14763,6 +14725,13 @@
   <p:clrMapOvr>
     <a:masterClrMapping/>
   </p:clrMapOvr>
+  <p:timing>
+    <p:tnLst>
+      <p:par>
+        <p:cTn xmlns:p14="http://schemas.microsoft.com/office/powerpoint/2010/main" id="1" dur="indefinite" restart="never" nodeType="tmRoot"/>
+      </p:par>
+    </p:tnLst>
+  </p:timing>
 </p:sld>
 </file>
 
@@ -14965,6 +14934,13 @@
   <p:clrMapOvr>
     <a:masterClrMapping/>
   </p:clrMapOvr>
+  <p:timing>
+    <p:tnLst>
+      <p:par>
+        <p:cTn xmlns:p14="http://schemas.microsoft.com/office/powerpoint/2010/main" id="1" dur="indefinite" restart="never" nodeType="tmRoot"/>
+      </p:par>
+    </p:tnLst>
+  </p:timing>
 </p:sld>
 </file>
 
@@ -17176,6 +17152,13 @@
   <p:clrMapOvr>
     <a:masterClrMapping/>
   </p:clrMapOvr>
+  <p:timing>
+    <p:tnLst>
+      <p:par>
+        <p:cTn xmlns:p14="http://schemas.microsoft.com/office/powerpoint/2010/main" id="1" dur="indefinite" restart="never" nodeType="tmRoot"/>
+      </p:par>
+    </p:tnLst>
+  </p:timing>
 </p:sld>
 </file>
 
@@ -23346,6 +23329,13 @@
   <p:clrMapOvr>
     <a:masterClrMapping/>
   </p:clrMapOvr>
+  <p:timing>
+    <p:tnLst>
+      <p:par>
+        <p:cTn xmlns:p14="http://schemas.microsoft.com/office/powerpoint/2010/main" id="1" dur="indefinite" restart="never" nodeType="tmRoot"/>
+      </p:par>
+    </p:tnLst>
+  </p:timing>
 </p:sld>
 </file>
 
@@ -23368,7 +23358,7 @@
       </p:grpSpPr>
       <p:sp>
         <p:nvSpPr>
-          <p:cNvPr id="14338" name="1 Título"/>
+          <p:cNvPr id="21506" name="1 Título"/>
           <p:cNvSpPr>
             <a:spLocks noGrp="1"/>
           </p:cNvSpPr>
@@ -23378,8 +23368,8 @@
         </p:nvSpPr>
         <p:spPr>
           <a:xfrm>
-            <a:off x="457200" y="-171450"/>
-            <a:ext cx="8229600" cy="1143000"/>
+            <a:off x="457200" y="-100013"/>
+            <a:ext cx="8229600" cy="1143001"/>
           </a:xfrm>
         </p:spPr>
         <p:txBody>
@@ -23390,7 +23380,7 @@
               <a:rPr lang="es-CR" dirty="0" smtClean="0">
                 <a:latin typeface="Calibri" charset="0"/>
               </a:rPr>
-              <a:t>Símbolos</a:t>
+              <a:t>Referencias adicionales</a:t>
             </a:r>
             <a:endParaRPr lang="es-CR" dirty="0">
               <a:latin typeface="Calibri" charset="0"/>
@@ -23400,7 +23390,7 @@
       </p:sp>
       <p:sp>
         <p:nvSpPr>
-          <p:cNvPr id="14339" name="2 Marcador de contenido"/>
+          <p:cNvPr id="21507" name="2 Marcador de contenido"/>
           <p:cNvSpPr>
             <a:spLocks noGrp="1"/>
           </p:cNvSpPr>
@@ -23414,327 +23404,56 @@
           <a:lstStyle/>
           <a:p>
             <a:r>
-              <a:rPr lang="en-US" dirty="0" err="1" smtClean="0">
-                <a:latin typeface="Calibri" charset="0"/>
-              </a:rPr>
-              <a:t>Usados</a:t>
-            </a:r>
-            <a:r>
-              <a:rPr lang="en-US" dirty="0" smtClean="0">
-                <a:latin typeface="Calibri" charset="0"/>
-              </a:rPr>
-              <a:t> </a:t>
-            </a:r>
-            <a:r>
-              <a:rPr lang="en-US" dirty="0" err="1" smtClean="0">
-                <a:latin typeface="Calibri" charset="0"/>
-              </a:rPr>
-              <a:t>para</a:t>
-            </a:r>
-            <a:r>
-              <a:rPr lang="en-US" dirty="0" smtClean="0">
-                <a:latin typeface="Calibri" charset="0"/>
-              </a:rPr>
-              <a:t> </a:t>
-            </a:r>
-            <a:r>
-              <a:rPr lang="en-US" dirty="0" err="1" smtClean="0">
-                <a:latin typeface="Calibri" charset="0"/>
-              </a:rPr>
-              <a:t>identificar</a:t>
-            </a:r>
-            <a:r>
-              <a:rPr lang="en-US" dirty="0" smtClean="0">
-                <a:latin typeface="Calibri" charset="0"/>
-              </a:rPr>
-              <a:t> </a:t>
-            </a:r>
-            <a:r>
-              <a:rPr lang="en-US" dirty="0" err="1" smtClean="0">
-                <a:latin typeface="Calibri" charset="0"/>
-              </a:rPr>
-              <a:t>elementos</a:t>
-            </a:r>
-            <a:r>
-              <a:rPr lang="en-US" dirty="0" smtClean="0">
-                <a:latin typeface="Calibri" charset="0"/>
-              </a:rPr>
-              <a:t> o </a:t>
-            </a:r>
-            <a:r>
-              <a:rPr lang="en-US" dirty="0" err="1" smtClean="0">
-                <a:latin typeface="Calibri" charset="0"/>
-              </a:rPr>
-              <a:t>llaves</a:t>
-            </a:r>
-            <a:endParaRPr lang="en-US" dirty="0" smtClean="0">
+              <a:rPr lang="es-CR" dirty="0">
+                <a:latin typeface="Calibri" charset="0"/>
+                <a:hlinkClick r:id="rId2"/>
+              </a:rPr>
+              <a:t>http://en.wikipedia.org/wiki/Rake_%28software%29</a:t>
+            </a:r>
+            <a:endParaRPr lang="es-CR" dirty="0">
               <a:latin typeface="Calibri" charset="0"/>
             </a:endParaRPr>
           </a:p>
           <a:p>
             <a:r>
-              <a:rPr lang="en-US" dirty="0" err="1" smtClean="0">
-                <a:latin typeface="Calibri" charset="0"/>
-              </a:rPr>
-              <a:t>Cada</a:t>
-            </a:r>
-            <a:r>
-              <a:rPr lang="en-US" dirty="0" smtClean="0">
-                <a:latin typeface="Calibri" charset="0"/>
-              </a:rPr>
-              <a:t> </a:t>
-            </a:r>
-            <a:r>
-              <a:rPr lang="en-US" dirty="0" err="1" smtClean="0">
-                <a:latin typeface="Calibri" charset="0"/>
-              </a:rPr>
-              <a:t>símbolo</a:t>
-            </a:r>
-            <a:r>
-              <a:rPr lang="en-US" dirty="0" smtClean="0">
-                <a:latin typeface="Calibri" charset="0"/>
-              </a:rPr>
-              <a:t> </a:t>
-            </a:r>
-            <a:r>
-              <a:rPr lang="en-US" dirty="0" err="1" smtClean="0">
-                <a:latin typeface="Calibri" charset="0"/>
-              </a:rPr>
-              <a:t>tiene</a:t>
-            </a:r>
-            <a:r>
-              <a:rPr lang="en-US" dirty="0" smtClean="0">
-                <a:latin typeface="Calibri" charset="0"/>
-              </a:rPr>
-              <a:t> un </a:t>
-            </a:r>
-            <a:r>
-              <a:rPr lang="en-US" dirty="0" err="1" smtClean="0">
-                <a:latin typeface="Calibri" charset="0"/>
-              </a:rPr>
-              <a:t>nombre</a:t>
-            </a:r>
-            <a:r>
-              <a:rPr lang="en-US" dirty="0" smtClean="0">
-                <a:latin typeface="Calibri" charset="0"/>
-              </a:rPr>
-              <a:t> e ID </a:t>
-            </a:r>
-            <a:r>
-              <a:rPr lang="en-US" dirty="0" err="1" smtClean="0">
-                <a:latin typeface="Calibri" charset="0"/>
-              </a:rPr>
-              <a:t>único</a:t>
-            </a:r>
-            <a:endParaRPr lang="en-US" dirty="0">
+              <a:rPr lang="es-CR" dirty="0">
+                <a:latin typeface="Calibri" charset="0"/>
+                <a:hlinkClick r:id="rId3"/>
+              </a:rPr>
+              <a:t>http://en.wikipedia.org/wiki/Ruby_%28programming_language%29</a:t>
+            </a:r>
+            <a:endParaRPr lang="es-CR" dirty="0">
               <a:latin typeface="Calibri" charset="0"/>
             </a:endParaRPr>
           </a:p>
           <a:p>
             <a:r>
-              <a:rPr lang="en-US" dirty="0" err="1" smtClean="0">
-                <a:latin typeface="Calibri" charset="0"/>
-              </a:rPr>
-              <a:t>Símbolos</a:t>
-            </a:r>
-            <a:r>
-              <a:rPr lang="en-US" dirty="0" smtClean="0">
-                <a:latin typeface="Calibri" charset="0"/>
-              </a:rPr>
-              <a:t> no </a:t>
-            </a:r>
-            <a:r>
-              <a:rPr lang="en-US" dirty="0" err="1" smtClean="0">
-                <a:latin typeface="Calibri" charset="0"/>
-              </a:rPr>
-              <a:t>pueden</a:t>
-            </a:r>
-            <a:r>
-              <a:rPr lang="en-US" dirty="0" smtClean="0">
-                <a:latin typeface="Calibri" charset="0"/>
-              </a:rPr>
-              <a:t> </a:t>
-            </a:r>
-            <a:r>
-              <a:rPr lang="en-US" dirty="0" err="1" smtClean="0">
-                <a:latin typeface="Calibri" charset="0"/>
-              </a:rPr>
-              <a:t>contener</a:t>
-            </a:r>
-            <a:r>
-              <a:rPr lang="en-US" dirty="0" smtClean="0">
-                <a:latin typeface="Calibri" charset="0"/>
-              </a:rPr>
-              <a:t> </a:t>
-            </a:r>
-            <a:r>
-              <a:rPr lang="en-US" dirty="0" err="1" smtClean="0">
-                <a:latin typeface="Calibri" charset="0"/>
-              </a:rPr>
-              <a:t>información</a:t>
-            </a:r>
-            <a:r>
-              <a:rPr lang="en-US" dirty="0" smtClean="0">
-                <a:latin typeface="Calibri" charset="0"/>
-              </a:rPr>
-              <a:t> </a:t>
-            </a:r>
-            <a:r>
-              <a:rPr lang="en-US" dirty="0" err="1" smtClean="0">
-                <a:latin typeface="Calibri" charset="0"/>
-              </a:rPr>
-              <a:t>solamente</a:t>
-            </a:r>
-            <a:r>
-              <a:rPr lang="en-US" dirty="0" smtClean="0">
-                <a:latin typeface="Calibri" charset="0"/>
-              </a:rPr>
-              <a:t> son </a:t>
-            </a:r>
-            <a:r>
-              <a:rPr lang="en-US" dirty="0" err="1" smtClean="0">
-                <a:latin typeface="Calibri" charset="0"/>
-              </a:rPr>
-              <a:t>etiquetas</a:t>
-            </a:r>
-            <a:endParaRPr lang="en-US" dirty="0">
+              <a:rPr lang="es-CR" dirty="0">
+                <a:latin typeface="Calibri" charset="0"/>
+                <a:hlinkClick r:id="rId4"/>
+              </a:rPr>
+              <a:t>http://www.ruby-doc.org/docs/Tutorial/</a:t>
+            </a:r>
+            <a:endParaRPr lang="es-CR" dirty="0">
               <a:latin typeface="Calibri" charset="0"/>
             </a:endParaRPr>
           </a:p>
           <a:p>
             <a:r>
-              <a:rPr lang="en-US" dirty="0" err="1" smtClean="0">
-                <a:latin typeface="Calibri" charset="0"/>
-              </a:rPr>
-              <a:t>Todos</a:t>
-            </a:r>
-            <a:r>
-              <a:rPr lang="en-US" dirty="0" smtClean="0">
-                <a:latin typeface="Calibri" charset="0"/>
-              </a:rPr>
-              <a:t> los </a:t>
-            </a:r>
-            <a:r>
-              <a:rPr lang="en-US" dirty="0" err="1" smtClean="0">
-                <a:latin typeface="Calibri" charset="0"/>
-              </a:rPr>
-              <a:t>símbolos</a:t>
-            </a:r>
-            <a:r>
-              <a:rPr lang="en-US" dirty="0" smtClean="0">
-                <a:latin typeface="Calibri" charset="0"/>
-              </a:rPr>
-              <a:t> </a:t>
-            </a:r>
-            <a:r>
-              <a:rPr lang="en-US" dirty="0" err="1" smtClean="0">
-                <a:latin typeface="Calibri" charset="0"/>
-              </a:rPr>
-              <a:t>están</a:t>
-            </a:r>
-            <a:r>
-              <a:rPr lang="en-US" dirty="0" smtClean="0">
-                <a:latin typeface="Calibri" charset="0"/>
-              </a:rPr>
-              <a:t> </a:t>
-            </a:r>
-            <a:r>
-              <a:rPr lang="en-US" dirty="0" err="1" smtClean="0">
-                <a:latin typeface="Calibri" charset="0"/>
-              </a:rPr>
-              <a:t>almacenados</a:t>
-            </a:r>
-            <a:r>
-              <a:rPr lang="en-US" dirty="0" smtClean="0">
-                <a:latin typeface="Calibri" charset="0"/>
-              </a:rPr>
-              <a:t> en </a:t>
-            </a:r>
-            <a:r>
-              <a:rPr lang="en-US" dirty="0" err="1" smtClean="0">
-                <a:latin typeface="Calibri" charset="0"/>
-              </a:rPr>
-              <a:t>una</a:t>
-            </a:r>
-            <a:r>
-              <a:rPr lang="en-US" dirty="0" smtClean="0">
-                <a:latin typeface="Calibri" charset="0"/>
-              </a:rPr>
-              <a:t> “</a:t>
-            </a:r>
-            <a:r>
-              <a:rPr lang="en-US" dirty="0" err="1" smtClean="0">
-                <a:latin typeface="Calibri" charset="0"/>
-              </a:rPr>
-              <a:t>tabla</a:t>
-            </a:r>
-            <a:r>
-              <a:rPr lang="en-US" dirty="0" smtClean="0">
-                <a:latin typeface="Calibri" charset="0"/>
-              </a:rPr>
-              <a:t> de </a:t>
-            </a:r>
-            <a:r>
-              <a:rPr lang="en-US" dirty="0" err="1" smtClean="0">
-                <a:latin typeface="Calibri" charset="0"/>
-              </a:rPr>
-              <a:t>símbolos</a:t>
-            </a:r>
-            <a:r>
-              <a:rPr lang="en-US" dirty="0" smtClean="0">
-                <a:latin typeface="Calibri" charset="0"/>
-              </a:rPr>
-              <a:t>”</a:t>
-            </a:r>
-            <a:endParaRPr lang="en-US" dirty="0">
-              <a:latin typeface="Calibri" charset="0"/>
-            </a:endParaRPr>
-          </a:p>
-          <a:p>
-            <a:pPr lvl="1"/>
-            <a:r>
-              <a:rPr lang="en-US" dirty="0">
-                <a:latin typeface="Calibri" charset="0"/>
-              </a:rPr>
-              <a:t>:</a:t>
-            </a:r>
-            <a:r>
-              <a:rPr lang="en-US" dirty="0" err="1">
-                <a:latin typeface="Calibri" charset="0"/>
-              </a:rPr>
-              <a:t>symbol_example</a:t>
-            </a:r>
-            <a:r>
               <a:rPr lang="es-CR" dirty="0">
                 <a:latin typeface="Calibri" charset="0"/>
-              </a:rPr>
-              <a:t>.object_id # 132178</a:t>
-            </a:r>
-            <a:endParaRPr lang="en-US" dirty="0">
-              <a:latin typeface="Calibri" charset="0"/>
-            </a:endParaRPr>
-          </a:p>
-          <a:p>
-            <a:pPr lvl="1"/>
-            <a:r>
-              <a:rPr lang="en-US" dirty="0">
-                <a:latin typeface="Calibri" charset="0"/>
-              </a:rPr>
-              <a:t>:</a:t>
-            </a:r>
-            <a:r>
-              <a:rPr lang="en-US" dirty="0" err="1">
-                <a:latin typeface="Calibri" charset="0"/>
-              </a:rPr>
-              <a:t>symbol_example</a:t>
-            </a:r>
-            <a:r>
-              <a:rPr lang="es-CR" dirty="0">
-                <a:latin typeface="Calibri" charset="0"/>
-              </a:rPr>
-              <a:t>.object_id # 132178</a:t>
-            </a:r>
-            <a:endParaRPr lang="en-US" dirty="0">
+                <a:hlinkClick r:id="rId5"/>
+              </a:rPr>
+              <a:t>http://rubytutorial.wikidot.com</a:t>
+            </a:r>
+            <a:r>
+              <a:rPr lang="es-CR" dirty="0" smtClean="0">
+                <a:latin typeface="Calibri" charset="0"/>
+                <a:hlinkClick r:id="rId5"/>
+              </a:rPr>
+              <a:t>/</a:t>
+            </a:r>
+            <a:endParaRPr lang="es-CR" dirty="0">
               <a:latin typeface="Calibri" charset="0"/>
             </a:endParaRPr>
           </a:p>
@@ -23743,1484 +23462,7 @@
     </p:spTree>
     <p:extLst>
       <p:ext uri="{BB962C8B-B14F-4D97-AF65-F5344CB8AC3E}">
-        <p14:creationId xmlns:p14="http://schemas.microsoft.com/office/powerpoint/2010/main" val="4018877549"/>
-      </p:ext>
-    </p:extLst>
-  </p:cSld>
-  <p:clrMapOvr>
-    <a:masterClrMapping/>
-  </p:clrMapOvr>
-  <p:timing>
-    <p:tnLst>
-      <p:par>
-        <p:cTn xmlns:p14="http://schemas.microsoft.com/office/powerpoint/2010/main" id="1" dur="indefinite" restart="never" nodeType="tmRoot"/>
-      </p:par>
-    </p:tnLst>
-  </p:timing>
-</p:sld>
-</file>
-
-<file path=ppt/slides/slide44.xml><?xml version="1.0" encoding="utf-8"?>
-<p:sld xmlns:a="http://schemas.openxmlformats.org/drawingml/2006/main" xmlns:r="http://schemas.openxmlformats.org/officeDocument/2006/relationships" xmlns:p="http://schemas.openxmlformats.org/presentationml/2006/main">
-  <p:cSld>
-    <p:spTree>
-      <p:nvGrpSpPr>
-        <p:cNvPr id="1" name=""/>
-        <p:cNvGrpSpPr/>
-        <p:nvPr/>
-      </p:nvGrpSpPr>
-      <p:grpSpPr>
-        <a:xfrm>
-          <a:off x="0" y="0"/>
-          <a:ext cx="0" cy="0"/>
-          <a:chOff x="0" y="0"/>
-          <a:chExt cx="0" cy="0"/>
-        </a:xfrm>
-      </p:grpSpPr>
-      <p:sp>
-        <p:nvSpPr>
-          <p:cNvPr id="15362" name="1 Título"/>
-          <p:cNvSpPr>
-            <a:spLocks noGrp="1"/>
-          </p:cNvSpPr>
-          <p:nvPr>
-            <p:ph type="title"/>
-          </p:nvPr>
-        </p:nvSpPr>
-        <p:spPr>
-          <a:xfrm>
-            <a:off x="457200" y="-171450"/>
-            <a:ext cx="8229600" cy="1143000"/>
-          </a:xfrm>
-        </p:spPr>
-        <p:txBody>
-          <a:bodyPr/>
-          <a:lstStyle/>
-          <a:p>
-            <a:r>
-              <a:rPr lang="es-CR" dirty="0" smtClean="0">
-                <a:latin typeface="Calibri" charset="0"/>
-              </a:rPr>
-              <a:t>Hashes </a:t>
-            </a:r>
-            <a:r>
-              <a:rPr lang="es-CR" sz="2000" dirty="0" smtClean="0">
-                <a:latin typeface="Calibri" charset="0"/>
-              </a:rPr>
-              <a:t>(1/3)</a:t>
-            </a:r>
-            <a:endParaRPr lang="es-CR" dirty="0">
-              <a:latin typeface="Calibri" charset="0"/>
-            </a:endParaRPr>
-          </a:p>
-        </p:txBody>
-      </p:sp>
-      <p:sp>
-        <p:nvSpPr>
-          <p:cNvPr id="15363" name="2 Marcador de contenido"/>
-          <p:cNvSpPr>
-            <a:spLocks noGrp="1"/>
-          </p:cNvSpPr>
-          <p:nvPr>
-            <p:ph idx="1"/>
-          </p:nvPr>
-        </p:nvSpPr>
-        <p:spPr>
-          <a:xfrm>
-            <a:off x="457200" y="1268413"/>
-            <a:ext cx="8229600" cy="3413125"/>
-          </a:xfrm>
-        </p:spPr>
-        <p:txBody>
-          <a:bodyPr/>
-          <a:lstStyle/>
-          <a:p>
-            <a:r>
-              <a:rPr lang="es-CR" dirty="0" smtClean="0">
-                <a:latin typeface="Calibri" charset="0"/>
-              </a:rPr>
-              <a:t>Son arreglos asociativos que pueden usar cualquier valor como llave</a:t>
-            </a:r>
-          </a:p>
-          <a:p>
-            <a:r>
-              <a:rPr lang="es-CR" dirty="0" smtClean="0">
-                <a:latin typeface="Calibri" charset="0"/>
-              </a:rPr>
-              <a:t>Por lo general las llaves de un arreglo son símbolos o strings</a:t>
-            </a:r>
-            <a:endParaRPr lang="es-CR" dirty="0">
-              <a:latin typeface="Calibri" charset="0"/>
-            </a:endParaRPr>
-          </a:p>
-          <a:p>
-            <a:r>
-              <a:rPr lang="es-CR" dirty="0" smtClean="0">
-                <a:latin typeface="Calibri" charset="0"/>
-              </a:rPr>
-              <a:t>Los elementos de un Hash no están ordenados y dependen del orden en que se agregan</a:t>
-            </a:r>
-            <a:endParaRPr lang="es-CR" dirty="0">
-              <a:latin typeface="Calibri" charset="0"/>
-            </a:endParaRPr>
-          </a:p>
-          <a:p>
-            <a:endParaRPr lang="es-CR" dirty="0">
-              <a:latin typeface="Calibri" charset="0"/>
-            </a:endParaRPr>
-          </a:p>
-        </p:txBody>
-      </p:sp>
-      <p:sp>
-        <p:nvSpPr>
-          <p:cNvPr id="15364" name="3 CuadroTexto"/>
-          <p:cNvSpPr txBox="1">
-            <a:spLocks noChangeArrowheads="1"/>
-          </p:cNvSpPr>
-          <p:nvPr/>
-        </p:nvSpPr>
-        <p:spPr bwMode="auto">
-          <a:xfrm>
-            <a:off x="2801938" y="4508500"/>
-            <a:ext cx="3705225" cy="2555875"/>
-          </a:xfrm>
-          <a:prstGeom prst="rect">
-            <a:avLst/>
-          </a:prstGeom>
-          <a:noFill/>
-          <a:ln>
-            <a:noFill/>
-          </a:ln>
-          <a:extLst>
-            <a:ext uri="{909E8E84-426E-40dd-AFC4-6F175D3DCCD1}">
-              <a14:hiddenFill xmlns:a14="http://schemas.microsoft.com/office/drawing/2010/main">
-                <a:solidFill>
-                  <a:srgbClr val="FFFFFF"/>
-                </a:solidFill>
-              </a14:hiddenFill>
-            </a:ext>
-            <a:ext uri="{91240B29-F687-4f45-9708-019B960494DF}">
-              <a14:hiddenLine xmlns:a14="http://schemas.microsoft.com/office/drawing/2010/main" w="9525">
-                <a:solidFill>
-                  <a:srgbClr val="000000"/>
-                </a:solidFill>
-                <a:miter lim="800000"/>
-                <a:headEnd/>
-                <a:tailEnd/>
-              </a14:hiddenLine>
-            </a:ext>
-          </a:extLst>
-        </p:spPr>
-        <p:txBody>
-          <a:bodyPr wrap="none">
-            <a:spAutoFit/>
-          </a:bodyPr>
-          <a:lstStyle>
-            <a:lvl1pPr eaLnBrk="0" hangingPunct="0">
-              <a:defRPr>
-                <a:solidFill>
-                  <a:schemeClr val="tx1"/>
-                </a:solidFill>
-                <a:latin typeface="Arial" charset="0"/>
-                <a:ea typeface="ＭＳ Ｐゴシック" charset="0"/>
-              </a:defRPr>
-            </a:lvl1pPr>
-            <a:lvl2pPr marL="742950" indent="-285750" eaLnBrk="0" hangingPunct="0">
-              <a:defRPr>
-                <a:solidFill>
-                  <a:schemeClr val="tx1"/>
-                </a:solidFill>
-                <a:latin typeface="Arial" charset="0"/>
-                <a:ea typeface="ＭＳ Ｐゴシック" charset="0"/>
-              </a:defRPr>
-            </a:lvl2pPr>
-            <a:lvl3pPr marL="1143000" indent="-228600" eaLnBrk="0" hangingPunct="0">
-              <a:defRPr>
-                <a:solidFill>
-                  <a:schemeClr val="tx1"/>
-                </a:solidFill>
-                <a:latin typeface="Arial" charset="0"/>
-                <a:ea typeface="ＭＳ Ｐゴシック" charset="0"/>
-              </a:defRPr>
-            </a:lvl3pPr>
-            <a:lvl4pPr marL="1600200" indent="-228600" eaLnBrk="0" hangingPunct="0">
-              <a:defRPr>
-                <a:solidFill>
-                  <a:schemeClr val="tx1"/>
-                </a:solidFill>
-                <a:latin typeface="Arial" charset="0"/>
-                <a:ea typeface="ＭＳ Ｐゴシック" charset="0"/>
-              </a:defRPr>
-            </a:lvl4pPr>
-            <a:lvl5pPr marL="2057400" indent="-228600" eaLnBrk="0" hangingPunct="0">
-              <a:defRPr>
-                <a:solidFill>
-                  <a:schemeClr val="tx1"/>
-                </a:solidFill>
-                <a:latin typeface="Arial" charset="0"/>
-                <a:ea typeface="ＭＳ Ｐゴシック" charset="0"/>
-              </a:defRPr>
-            </a:lvl5pPr>
-            <a:lvl6pPr marL="2514600" indent="-228600" eaLnBrk="0" fontAlgn="base" hangingPunct="0">
-              <a:spcBef>
-                <a:spcPct val="0"/>
-              </a:spcBef>
-              <a:spcAft>
-                <a:spcPct val="0"/>
-              </a:spcAft>
-              <a:defRPr>
-                <a:solidFill>
-                  <a:schemeClr val="tx1"/>
-                </a:solidFill>
-                <a:latin typeface="Arial" charset="0"/>
-                <a:ea typeface="ＭＳ Ｐゴシック" charset="0"/>
-              </a:defRPr>
-            </a:lvl6pPr>
-            <a:lvl7pPr marL="2971800" indent="-228600" eaLnBrk="0" fontAlgn="base" hangingPunct="0">
-              <a:spcBef>
-                <a:spcPct val="0"/>
-              </a:spcBef>
-              <a:spcAft>
-                <a:spcPct val="0"/>
-              </a:spcAft>
-              <a:defRPr>
-                <a:solidFill>
-                  <a:schemeClr val="tx1"/>
-                </a:solidFill>
-                <a:latin typeface="Arial" charset="0"/>
-                <a:ea typeface="ＭＳ Ｐゴシック" charset="0"/>
-              </a:defRPr>
-            </a:lvl7pPr>
-            <a:lvl8pPr marL="3429000" indent="-228600" eaLnBrk="0" fontAlgn="base" hangingPunct="0">
-              <a:spcBef>
-                <a:spcPct val="0"/>
-              </a:spcBef>
-              <a:spcAft>
-                <a:spcPct val="0"/>
-              </a:spcAft>
-              <a:defRPr>
-                <a:solidFill>
-                  <a:schemeClr val="tx1"/>
-                </a:solidFill>
-                <a:latin typeface="Arial" charset="0"/>
-                <a:ea typeface="ＭＳ Ｐゴシック" charset="0"/>
-              </a:defRPr>
-            </a:lvl8pPr>
-            <a:lvl9pPr marL="3886200" indent="-228600" eaLnBrk="0" fontAlgn="base" hangingPunct="0">
-              <a:spcBef>
-                <a:spcPct val="0"/>
-              </a:spcBef>
-              <a:spcAft>
-                <a:spcPct val="0"/>
-              </a:spcAft>
-              <a:defRPr>
-                <a:solidFill>
-                  <a:schemeClr val="tx1"/>
-                </a:solidFill>
-                <a:latin typeface="Arial" charset="0"/>
-                <a:ea typeface="ＭＳ Ｐゴシック" charset="0"/>
-              </a:defRPr>
-            </a:lvl9pPr>
-          </a:lstStyle>
-          <a:p>
-            <a:pPr eaLnBrk="1" hangingPunct="1"/>
-            <a:r>
-              <a:rPr lang="es-CR" sz="2000"/>
-              <a:t>person = {}</a:t>
-            </a:r>
-          </a:p>
-          <a:p>
-            <a:pPr eaLnBrk="1" hangingPunct="1"/>
-            <a:r>
-              <a:rPr lang="es-CR" sz="2000"/>
-              <a:t>person[:name] = ‘John Connor’</a:t>
-            </a:r>
-          </a:p>
-          <a:p>
-            <a:pPr eaLnBrk="1" hangingPunct="1"/>
-            <a:r>
-              <a:rPr lang="es-CR" sz="2000"/>
-              <a:t>person.store :age, 26</a:t>
-            </a:r>
-          </a:p>
-          <a:p>
-            <a:pPr eaLnBrk="1" hangingPunct="1"/>
-            <a:r>
-              <a:rPr lang="es-CR" sz="2000"/>
-              <a:t>puts person.keys.inspect</a:t>
-            </a:r>
-          </a:p>
-          <a:p>
-            <a:pPr eaLnBrk="1" hangingPunct="1"/>
-            <a:r>
-              <a:rPr lang="es-CR" sz="2000"/>
-              <a:t>puts person.values.inspect</a:t>
-            </a:r>
-          </a:p>
-          <a:p>
-            <a:pPr eaLnBrk="1" hangingPunct="1"/>
-            <a:r>
-              <a:rPr lang="es-CR" sz="2000"/>
-              <a:t>puts person[:name]</a:t>
-            </a:r>
-          </a:p>
-          <a:p>
-            <a:pPr eaLnBrk="1" hangingPunct="1"/>
-            <a:endParaRPr lang="es-CR" sz="2000"/>
-          </a:p>
-          <a:p>
-            <a:pPr eaLnBrk="1" hangingPunct="1"/>
-            <a:endParaRPr lang="es-CR" sz="2000"/>
-          </a:p>
-        </p:txBody>
-      </p:sp>
-    </p:spTree>
-    <p:extLst>
-      <p:ext uri="{BB962C8B-B14F-4D97-AF65-F5344CB8AC3E}">
-        <p14:creationId xmlns:p14="http://schemas.microsoft.com/office/powerpoint/2010/main" val="1189013380"/>
-      </p:ext>
-    </p:extLst>
-  </p:cSld>
-  <p:clrMapOvr>
-    <a:masterClrMapping/>
-  </p:clrMapOvr>
-  <p:timing>
-    <p:tnLst>
-      <p:par>
-        <p:cTn xmlns:p14="http://schemas.microsoft.com/office/powerpoint/2010/main" id="1" dur="indefinite" restart="never" nodeType="tmRoot"/>
-      </p:par>
-    </p:tnLst>
-  </p:timing>
-</p:sld>
-</file>
-
-<file path=ppt/slides/slide45.xml><?xml version="1.0" encoding="utf-8"?>
-<p:sld xmlns:a="http://schemas.openxmlformats.org/drawingml/2006/main" xmlns:r="http://schemas.openxmlformats.org/officeDocument/2006/relationships" xmlns:p="http://schemas.openxmlformats.org/presentationml/2006/main">
-  <p:cSld>
-    <p:spTree>
-      <p:nvGrpSpPr>
-        <p:cNvPr id="1" name=""/>
-        <p:cNvGrpSpPr/>
-        <p:nvPr/>
-      </p:nvGrpSpPr>
-      <p:grpSpPr>
-        <a:xfrm>
-          <a:off x="0" y="0"/>
-          <a:ext cx="0" cy="0"/>
-          <a:chOff x="0" y="0"/>
-          <a:chExt cx="0" cy="0"/>
-        </a:xfrm>
-      </p:grpSpPr>
-      <p:sp>
-        <p:nvSpPr>
-          <p:cNvPr id="15362" name="1 Título"/>
-          <p:cNvSpPr>
-            <a:spLocks noGrp="1"/>
-          </p:cNvSpPr>
-          <p:nvPr>
-            <p:ph type="title"/>
-          </p:nvPr>
-        </p:nvSpPr>
-        <p:spPr>
-          <a:xfrm>
-            <a:off x="457200" y="-171450"/>
-            <a:ext cx="8229600" cy="1143000"/>
-          </a:xfrm>
-        </p:spPr>
-        <p:txBody>
-          <a:bodyPr/>
-          <a:lstStyle/>
-          <a:p>
-            <a:r>
-              <a:rPr lang="es-CR" dirty="0" smtClean="0">
-                <a:latin typeface="Calibri" charset="0"/>
-              </a:rPr>
-              <a:t>Hashes </a:t>
-            </a:r>
-            <a:r>
-              <a:rPr lang="es-CR" sz="2000" dirty="0" smtClean="0">
-                <a:latin typeface="Calibri" charset="0"/>
-              </a:rPr>
-              <a:t>(2/3)</a:t>
-            </a:r>
-            <a:endParaRPr lang="es-CR" dirty="0">
-              <a:latin typeface="Calibri" charset="0"/>
-            </a:endParaRPr>
-          </a:p>
-        </p:txBody>
-      </p:sp>
-      <p:sp>
-        <p:nvSpPr>
-          <p:cNvPr id="15363" name="2 Marcador de contenido"/>
-          <p:cNvSpPr>
-            <a:spLocks noGrp="1"/>
-          </p:cNvSpPr>
-          <p:nvPr>
-            <p:ph idx="1"/>
-          </p:nvPr>
-        </p:nvSpPr>
-        <p:spPr>
-          <a:xfrm>
-            <a:off x="457200" y="1268413"/>
-            <a:ext cx="8229600" cy="3413125"/>
-          </a:xfrm>
-        </p:spPr>
-        <p:txBody>
-          <a:bodyPr/>
-          <a:lstStyle/>
-          <a:p>
-            <a:r>
-              <a:rPr lang="es-CR" dirty="0">
-                <a:latin typeface="Calibri" charset="0"/>
-              </a:rPr>
-              <a:t>Los hashes son de las estructuras de datos más utilizadas en </a:t>
-            </a:r>
-            <a:r>
-              <a:rPr lang="es-CR" dirty="0" smtClean="0">
-                <a:latin typeface="Calibri" charset="0"/>
-              </a:rPr>
-              <a:t>Rails</a:t>
-            </a:r>
-          </a:p>
-          <a:p>
-            <a:r>
-              <a:rPr lang="es-CR" dirty="0" smtClean="0">
-                <a:latin typeface="Calibri" charset="0"/>
-              </a:rPr>
-              <a:t>En Rails veremos que hay 2 tipos adicionales de Hashes: Ordenados y con acceso indiferente</a:t>
-            </a:r>
-          </a:p>
-          <a:p>
-            <a:pPr lvl="1"/>
-            <a:r>
-              <a:rPr lang="es-CR" dirty="0" smtClean="0">
-                <a:latin typeface="Calibri" charset="0"/>
-              </a:rPr>
-              <a:t>Hash ordenado: se ordena a partir de la llave</a:t>
-            </a:r>
-          </a:p>
-          <a:p>
-            <a:pPr lvl="1"/>
-            <a:r>
-              <a:rPr lang="es-CR" dirty="0" smtClean="0">
-                <a:latin typeface="Calibri" charset="0"/>
-              </a:rPr>
-              <a:t>Hash de acceso indiferente: Permite accesar a sus valores tanto por la llave en string o en símbolo.</a:t>
-            </a:r>
-          </a:p>
-        </p:txBody>
-      </p:sp>
-    </p:spTree>
-    <p:extLst>
-      <p:ext uri="{BB962C8B-B14F-4D97-AF65-F5344CB8AC3E}">
-        <p14:creationId xmlns:p14="http://schemas.microsoft.com/office/powerpoint/2010/main" val="1969834729"/>
-      </p:ext>
-    </p:extLst>
-  </p:cSld>
-  <p:clrMapOvr>
-    <a:masterClrMapping/>
-  </p:clrMapOvr>
-  <p:timing>
-    <p:tnLst>
-      <p:par>
-        <p:cTn xmlns:p14="http://schemas.microsoft.com/office/powerpoint/2010/main" id="1" dur="indefinite" restart="never" nodeType="tmRoot"/>
-      </p:par>
-    </p:tnLst>
-  </p:timing>
-</p:sld>
-</file>
-
-<file path=ppt/slides/slide46.xml><?xml version="1.0" encoding="utf-8"?>
-<p:sld xmlns:a="http://schemas.openxmlformats.org/drawingml/2006/main" xmlns:r="http://schemas.openxmlformats.org/officeDocument/2006/relationships" xmlns:p="http://schemas.openxmlformats.org/presentationml/2006/main">
-  <p:cSld>
-    <p:spTree>
-      <p:nvGrpSpPr>
-        <p:cNvPr id="1" name=""/>
-        <p:cNvGrpSpPr/>
-        <p:nvPr/>
-      </p:nvGrpSpPr>
-      <p:grpSpPr>
-        <a:xfrm>
-          <a:off x="0" y="0"/>
-          <a:ext cx="0" cy="0"/>
-          <a:chOff x="0" y="0"/>
-          <a:chExt cx="0" cy="0"/>
-        </a:xfrm>
-      </p:grpSpPr>
-      <p:sp>
-        <p:nvSpPr>
-          <p:cNvPr id="15362" name="1 Título"/>
-          <p:cNvSpPr>
-            <a:spLocks noGrp="1"/>
-          </p:cNvSpPr>
-          <p:nvPr>
-            <p:ph type="title"/>
-          </p:nvPr>
-        </p:nvSpPr>
-        <p:spPr>
-          <a:xfrm>
-            <a:off x="457200" y="-171450"/>
-            <a:ext cx="8229600" cy="1143000"/>
-          </a:xfrm>
-        </p:spPr>
-        <p:txBody>
-          <a:bodyPr/>
-          <a:lstStyle/>
-          <a:p>
-            <a:r>
-              <a:rPr lang="es-CR" dirty="0" smtClean="0">
-                <a:latin typeface="Calibri" charset="0"/>
-              </a:rPr>
-              <a:t>Hashes </a:t>
-            </a:r>
-            <a:r>
-              <a:rPr lang="es-CR" sz="2000" dirty="0" smtClean="0">
-                <a:latin typeface="Calibri" charset="0"/>
-              </a:rPr>
-              <a:t>(3/3)</a:t>
-            </a:r>
-            <a:endParaRPr lang="es-CR" dirty="0">
-              <a:latin typeface="Calibri" charset="0"/>
-            </a:endParaRPr>
-          </a:p>
-        </p:txBody>
-      </p:sp>
-      <p:sp>
-        <p:nvSpPr>
-          <p:cNvPr id="15363" name="2 Marcador de contenido"/>
-          <p:cNvSpPr>
-            <a:spLocks noGrp="1"/>
-          </p:cNvSpPr>
-          <p:nvPr>
-            <p:ph idx="1"/>
-          </p:nvPr>
-        </p:nvSpPr>
-        <p:spPr>
-          <a:xfrm>
-            <a:off x="457200" y="1268413"/>
-            <a:ext cx="8229600" cy="3413125"/>
-          </a:xfrm>
-        </p:spPr>
-        <p:txBody>
-          <a:bodyPr/>
-          <a:lstStyle/>
-          <a:p>
-            <a:r>
-              <a:rPr lang="es-CR" dirty="0" smtClean="0">
-                <a:latin typeface="Calibri" charset="0"/>
-              </a:rPr>
-              <a:t>Por lo general, la generación de JSON se facilita mucho desde un hash</a:t>
-            </a:r>
-          </a:p>
-          <a:p>
-            <a:r>
-              <a:rPr lang="es-CR" dirty="0">
-                <a:latin typeface="Calibri" charset="0"/>
-              </a:rPr>
-              <a:t>Algunos métodos comunes son:</a:t>
-            </a:r>
-          </a:p>
-          <a:p>
-            <a:pPr lvl="1"/>
-            <a:r>
-              <a:rPr lang="es-CR" dirty="0">
-                <a:latin typeface="Calibri" charset="0"/>
-              </a:rPr>
-              <a:t>each_key, each_value, each_pair, each: iteradores</a:t>
-            </a:r>
-          </a:p>
-          <a:p>
-            <a:pPr lvl="1"/>
-            <a:r>
-              <a:rPr lang="es-CR" dirty="0">
-                <a:latin typeface="Calibri" charset="0"/>
-              </a:rPr>
-              <a:t>values, keys: Obtener las llaves y los valores</a:t>
-            </a:r>
-          </a:p>
-          <a:p>
-            <a:pPr lvl="1"/>
-            <a:r>
-              <a:rPr lang="es-CR" dirty="0">
-                <a:latin typeface="Calibri" charset="0"/>
-              </a:rPr>
-              <a:t> merge, merge!: mezclar 2 </a:t>
-            </a:r>
-            <a:r>
-              <a:rPr lang="es-CR" dirty="0" smtClean="0">
-                <a:latin typeface="Calibri" charset="0"/>
-              </a:rPr>
-              <a:t>hashes</a:t>
-            </a:r>
-          </a:p>
-          <a:p>
-            <a:pPr lvl="1"/>
-            <a:endParaRPr lang="es-CR" dirty="0">
-              <a:latin typeface="Calibri" charset="0"/>
-            </a:endParaRPr>
-          </a:p>
-        </p:txBody>
-      </p:sp>
-    </p:spTree>
-    <p:extLst>
-      <p:ext uri="{BB962C8B-B14F-4D97-AF65-F5344CB8AC3E}">
-        <p14:creationId xmlns:p14="http://schemas.microsoft.com/office/powerpoint/2010/main" val="473201147"/>
-      </p:ext>
-    </p:extLst>
-  </p:cSld>
-  <p:clrMapOvr>
-    <a:masterClrMapping/>
-  </p:clrMapOvr>
-  <p:timing>
-    <p:tnLst>
-      <p:par>
-        <p:cTn xmlns:p14="http://schemas.microsoft.com/office/powerpoint/2010/main" id="1" dur="indefinite" restart="never" nodeType="tmRoot"/>
-      </p:par>
-    </p:tnLst>
-  </p:timing>
-</p:sld>
-</file>
-
-<file path=ppt/slides/slide47.xml><?xml version="1.0" encoding="utf-8"?>
-<p:sld xmlns:a="http://schemas.openxmlformats.org/drawingml/2006/main" xmlns:r="http://schemas.openxmlformats.org/officeDocument/2006/relationships" xmlns:p="http://schemas.openxmlformats.org/presentationml/2006/main">
-  <p:cSld>
-    <p:spTree>
-      <p:nvGrpSpPr>
-        <p:cNvPr id="1" name=""/>
-        <p:cNvGrpSpPr/>
-        <p:nvPr/>
-      </p:nvGrpSpPr>
-      <p:grpSpPr>
-        <a:xfrm>
-          <a:off x="0" y="0"/>
-          <a:ext cx="0" cy="0"/>
-          <a:chOff x="0" y="0"/>
-          <a:chExt cx="0" cy="0"/>
-        </a:xfrm>
-      </p:grpSpPr>
-      <p:sp>
-        <p:nvSpPr>
-          <p:cNvPr id="8194" name="Title 1"/>
-          <p:cNvSpPr>
-            <a:spLocks noGrp="1"/>
-          </p:cNvSpPr>
-          <p:nvPr>
-            <p:ph type="title"/>
-          </p:nvPr>
-        </p:nvSpPr>
-        <p:spPr>
-          <a:xfrm>
-            <a:off x="457200" y="-171450"/>
-            <a:ext cx="8229600" cy="1143000"/>
-          </a:xfrm>
-        </p:spPr>
-        <p:txBody>
-          <a:bodyPr/>
-          <a:lstStyle/>
-          <a:p>
-            <a:r>
-              <a:rPr lang="es-ES" dirty="0" smtClean="0">
-                <a:latin typeface="Calibri" charset="0"/>
-              </a:rPr>
-              <a:t>Trabajo 10: Hashes</a:t>
-            </a:r>
-            <a:endParaRPr lang="en-US" dirty="0">
-              <a:latin typeface="Calibri" charset="0"/>
-            </a:endParaRPr>
-          </a:p>
-        </p:txBody>
-      </p:sp>
-      <p:sp>
-        <p:nvSpPr>
-          <p:cNvPr id="8195" name="Content Placeholder 2"/>
-          <p:cNvSpPr>
-            <a:spLocks noGrp="1"/>
-          </p:cNvSpPr>
-          <p:nvPr>
-            <p:ph idx="1"/>
-          </p:nvPr>
-        </p:nvSpPr>
-        <p:spPr>
-          <a:xfrm>
-            <a:off x="457200" y="1495425"/>
-            <a:ext cx="8229600" cy="4525963"/>
-          </a:xfrm>
-        </p:spPr>
-        <p:txBody>
-          <a:bodyPr/>
-          <a:lstStyle/>
-          <a:p>
-            <a:r>
-              <a:rPr lang="en-US" sz="2800" dirty="0" err="1" smtClean="0">
-                <a:latin typeface="Calibri" charset="0"/>
-              </a:rPr>
-              <a:t>Considerando</a:t>
-            </a:r>
-            <a:r>
-              <a:rPr lang="en-US" sz="2800" dirty="0" smtClean="0">
-                <a:latin typeface="Calibri" charset="0"/>
-              </a:rPr>
-              <a:t> el </a:t>
-            </a:r>
-            <a:r>
-              <a:rPr lang="en-US" sz="2800" dirty="0" err="1" smtClean="0">
-                <a:latin typeface="Calibri" charset="0"/>
-              </a:rPr>
-              <a:t>siguiente</a:t>
-            </a:r>
-            <a:r>
-              <a:rPr lang="en-US" sz="2800" dirty="0" smtClean="0">
-                <a:latin typeface="Calibri" charset="0"/>
-              </a:rPr>
-              <a:t> </a:t>
-            </a:r>
-            <a:r>
-              <a:rPr lang="en-US" sz="2800" dirty="0" err="1" smtClean="0">
-                <a:latin typeface="Calibri" charset="0"/>
-              </a:rPr>
-              <a:t>arreglo</a:t>
-            </a:r>
-            <a:r>
-              <a:rPr lang="en-US" sz="2800" dirty="0" smtClean="0">
-                <a:latin typeface="Calibri" charset="0"/>
-              </a:rPr>
-              <a:t>:</a:t>
-            </a:r>
-          </a:p>
-          <a:p>
-            <a:pPr lvl="1"/>
-            <a:r>
-              <a:rPr lang="en-US" sz="2400" dirty="0" smtClean="0">
-                <a:latin typeface="Calibri" charset="0"/>
-              </a:rPr>
-              <a:t>users = [{name: “</a:t>
-            </a:r>
-            <a:r>
-              <a:rPr lang="en-US" sz="2400" dirty="0">
-                <a:latin typeface="Calibri" charset="0"/>
-              </a:rPr>
-              <a:t>J</a:t>
-            </a:r>
-            <a:r>
-              <a:rPr lang="en-US" sz="2400" dirty="0" smtClean="0">
-                <a:latin typeface="Calibri" charset="0"/>
-              </a:rPr>
-              <a:t>uan”, </a:t>
-            </a:r>
-            <a:r>
-              <a:rPr lang="en-US" sz="2400" dirty="0" err="1" smtClean="0">
-                <a:latin typeface="Calibri" charset="0"/>
-              </a:rPr>
-              <a:t>last_name</a:t>
-            </a:r>
-            <a:r>
-              <a:rPr lang="en-US" sz="2400" dirty="0">
-                <a:latin typeface="Calibri" charset="0"/>
-              </a:rPr>
-              <a:t>:</a:t>
-            </a:r>
-            <a:r>
-              <a:rPr lang="en-US" sz="2400" dirty="0" smtClean="0">
-                <a:latin typeface="Calibri" charset="0"/>
-              </a:rPr>
-              <a:t> “Perez”, children: [“Ana”, “Pablo”]}</a:t>
-            </a:r>
-            <a:r>
-              <a:rPr lang="en-US" sz="2400" dirty="0">
-                <a:latin typeface="Calibri" charset="0"/>
-              </a:rPr>
-              <a:t>, {name: </a:t>
-            </a:r>
-            <a:r>
-              <a:rPr lang="en-US" sz="2400" dirty="0" smtClean="0">
-                <a:latin typeface="Calibri" charset="0"/>
-              </a:rPr>
-              <a:t>“Martina”</a:t>
-            </a:r>
-            <a:r>
-              <a:rPr lang="en-US" sz="2400" dirty="0">
-                <a:latin typeface="Calibri" charset="0"/>
-              </a:rPr>
-              <a:t>, </a:t>
-            </a:r>
-            <a:r>
-              <a:rPr lang="en-US" sz="2400" dirty="0" err="1">
-                <a:latin typeface="Calibri" charset="0"/>
-              </a:rPr>
-              <a:t>last_name</a:t>
-            </a:r>
-            <a:r>
-              <a:rPr lang="en-US" sz="2400" dirty="0">
-                <a:latin typeface="Calibri" charset="0"/>
-              </a:rPr>
-              <a:t>: </a:t>
-            </a:r>
-            <a:r>
-              <a:rPr lang="en-US" sz="2400" dirty="0" smtClean="0">
-                <a:latin typeface="Calibri" charset="0"/>
-              </a:rPr>
-              <a:t>“Juarez”</a:t>
-            </a:r>
-            <a:r>
-              <a:rPr lang="en-US" sz="2400" dirty="0">
-                <a:latin typeface="Calibri" charset="0"/>
-              </a:rPr>
-              <a:t>, children: </a:t>
-            </a:r>
-            <a:r>
-              <a:rPr lang="en-US" sz="2400" dirty="0" smtClean="0">
-                <a:latin typeface="Calibri" charset="0"/>
-              </a:rPr>
-              <a:t>nil}, …]</a:t>
-            </a:r>
-          </a:p>
-          <a:p>
-            <a:r>
-              <a:rPr lang="en-US" dirty="0" err="1" smtClean="0">
-                <a:latin typeface="Calibri" charset="0"/>
-              </a:rPr>
-              <a:t>Imprimir</a:t>
-            </a:r>
-            <a:r>
-              <a:rPr lang="en-US" dirty="0" smtClean="0">
-                <a:latin typeface="Calibri" charset="0"/>
-              </a:rPr>
-              <a:t> en </a:t>
-            </a:r>
-            <a:r>
-              <a:rPr lang="en-US" dirty="0" err="1" smtClean="0">
-                <a:latin typeface="Calibri" charset="0"/>
-              </a:rPr>
-              <a:t>pantalla</a:t>
-            </a:r>
-            <a:r>
-              <a:rPr lang="en-US" dirty="0" smtClean="0">
-                <a:latin typeface="Calibri" charset="0"/>
-              </a:rPr>
-              <a:t> los </a:t>
-            </a:r>
-            <a:r>
-              <a:rPr lang="en-US" dirty="0" err="1" smtClean="0">
-                <a:latin typeface="Calibri" charset="0"/>
-              </a:rPr>
-              <a:t>detalles</a:t>
-            </a:r>
-            <a:r>
-              <a:rPr lang="en-US" dirty="0" smtClean="0">
-                <a:latin typeface="Calibri" charset="0"/>
-              </a:rPr>
-              <a:t> de </a:t>
-            </a:r>
-            <a:r>
-              <a:rPr lang="en-US" dirty="0" err="1" smtClean="0">
-                <a:latin typeface="Calibri" charset="0"/>
-              </a:rPr>
-              <a:t>cada</a:t>
-            </a:r>
-            <a:r>
-              <a:rPr lang="en-US" dirty="0" smtClean="0">
-                <a:latin typeface="Calibri" charset="0"/>
-              </a:rPr>
-              <a:t> </a:t>
-            </a:r>
-            <a:r>
-              <a:rPr lang="en-US" dirty="0" err="1" smtClean="0">
-                <a:latin typeface="Calibri" charset="0"/>
-              </a:rPr>
-              <a:t>uno</a:t>
-            </a:r>
-            <a:r>
-              <a:rPr lang="en-US" dirty="0" smtClean="0">
-                <a:latin typeface="Calibri" charset="0"/>
-              </a:rPr>
-              <a:t> de los </a:t>
-            </a:r>
-            <a:r>
-              <a:rPr lang="en-US" dirty="0" err="1" smtClean="0">
-                <a:latin typeface="Calibri" charset="0"/>
-              </a:rPr>
-              <a:t>usuarios</a:t>
-            </a:r>
-            <a:r>
-              <a:rPr lang="en-US" dirty="0" smtClean="0">
-                <a:latin typeface="Calibri" charset="0"/>
-              </a:rPr>
-              <a:t>. En </a:t>
-            </a:r>
-            <a:r>
-              <a:rPr lang="en-US" dirty="0" err="1" smtClean="0">
-                <a:latin typeface="Calibri" charset="0"/>
-              </a:rPr>
-              <a:t>caso</a:t>
-            </a:r>
-            <a:r>
-              <a:rPr lang="en-US" dirty="0" smtClean="0">
-                <a:latin typeface="Calibri" charset="0"/>
-              </a:rPr>
-              <a:t> de </a:t>
-            </a:r>
-            <a:r>
-              <a:rPr lang="en-US" dirty="0" err="1" smtClean="0">
-                <a:latin typeface="Calibri" charset="0"/>
-              </a:rPr>
-              <a:t>que</a:t>
-            </a:r>
-            <a:r>
-              <a:rPr lang="en-US" dirty="0" smtClean="0">
-                <a:latin typeface="Calibri" charset="0"/>
-              </a:rPr>
-              <a:t> no </a:t>
-            </a:r>
-            <a:r>
-              <a:rPr lang="en-US" dirty="0" err="1" smtClean="0">
-                <a:latin typeface="Calibri" charset="0"/>
-              </a:rPr>
-              <a:t>tengan</a:t>
-            </a:r>
-            <a:r>
-              <a:rPr lang="en-US" dirty="0" smtClean="0">
-                <a:latin typeface="Calibri" charset="0"/>
-              </a:rPr>
-              <a:t> </a:t>
-            </a:r>
-            <a:r>
-              <a:rPr lang="en-US" dirty="0" err="1" smtClean="0">
-                <a:latin typeface="Calibri" charset="0"/>
-              </a:rPr>
-              <a:t>hijos</a:t>
-            </a:r>
-            <a:r>
-              <a:rPr lang="en-US" dirty="0" smtClean="0">
-                <a:latin typeface="Calibri" charset="0"/>
-              </a:rPr>
-              <a:t>, se </a:t>
-            </a:r>
-            <a:r>
-              <a:rPr lang="en-US" dirty="0" err="1" smtClean="0">
-                <a:latin typeface="Calibri" charset="0"/>
-              </a:rPr>
-              <a:t>deberá</a:t>
-            </a:r>
-            <a:r>
-              <a:rPr lang="en-US" dirty="0" smtClean="0">
-                <a:latin typeface="Calibri" charset="0"/>
-              </a:rPr>
-              <a:t> de </a:t>
-            </a:r>
-            <a:r>
-              <a:rPr lang="en-US" dirty="0" err="1" smtClean="0">
-                <a:latin typeface="Calibri" charset="0"/>
-              </a:rPr>
-              <a:t>mostrar</a:t>
-            </a:r>
-            <a:r>
-              <a:rPr lang="en-US" dirty="0" smtClean="0">
-                <a:latin typeface="Calibri" charset="0"/>
-              </a:rPr>
-              <a:t> el </a:t>
-            </a:r>
-            <a:r>
-              <a:rPr lang="en-US" dirty="0" err="1" smtClean="0">
-                <a:latin typeface="Calibri" charset="0"/>
-              </a:rPr>
-              <a:t>mensaje</a:t>
-            </a:r>
-            <a:r>
-              <a:rPr lang="en-US" dirty="0" smtClean="0">
-                <a:latin typeface="Calibri" charset="0"/>
-              </a:rPr>
-              <a:t>: “Sin </a:t>
-            </a:r>
-            <a:r>
-              <a:rPr lang="en-US" dirty="0" err="1" smtClean="0">
-                <a:latin typeface="Calibri" charset="0"/>
-              </a:rPr>
-              <a:t>hijos</a:t>
-            </a:r>
-            <a:r>
-              <a:rPr lang="en-US" dirty="0" smtClean="0">
-                <a:latin typeface="Calibri" charset="0"/>
-              </a:rPr>
-              <a:t>”.</a:t>
-            </a:r>
-          </a:p>
-        </p:txBody>
-      </p:sp>
-    </p:spTree>
-    <p:extLst>
-      <p:ext uri="{BB962C8B-B14F-4D97-AF65-F5344CB8AC3E}">
-        <p14:creationId xmlns:p14="http://schemas.microsoft.com/office/powerpoint/2010/main" val="2018555342"/>
-      </p:ext>
-    </p:extLst>
-  </p:cSld>
-  <p:clrMapOvr>
-    <a:masterClrMapping/>
-  </p:clrMapOvr>
-</p:sld>
-</file>
-
-<file path=ppt/slides/slide48.xml><?xml version="1.0" encoding="utf-8"?>
-<p:sld xmlns:a="http://schemas.openxmlformats.org/drawingml/2006/main" xmlns:r="http://schemas.openxmlformats.org/officeDocument/2006/relationships" xmlns:p="http://schemas.openxmlformats.org/presentationml/2006/main">
-  <p:cSld>
-    <p:spTree>
-      <p:nvGrpSpPr>
-        <p:cNvPr id="1" name=""/>
-        <p:cNvGrpSpPr/>
-        <p:nvPr/>
-      </p:nvGrpSpPr>
-      <p:grpSpPr>
-        <a:xfrm>
-          <a:off x="0" y="0"/>
-          <a:ext cx="0" cy="0"/>
-          <a:chOff x="0" y="0"/>
-          <a:chExt cx="0" cy="0"/>
-        </a:xfrm>
-      </p:grpSpPr>
-      <p:sp>
-        <p:nvSpPr>
-          <p:cNvPr id="9218" name="1 Título"/>
-          <p:cNvSpPr>
-            <a:spLocks noGrp="1"/>
-          </p:cNvSpPr>
-          <p:nvPr>
-            <p:ph type="title"/>
-          </p:nvPr>
-        </p:nvSpPr>
-        <p:spPr>
-          <a:xfrm>
-            <a:off x="457200" y="-171450"/>
-            <a:ext cx="8229600" cy="1143000"/>
-          </a:xfrm>
-        </p:spPr>
-        <p:txBody>
-          <a:bodyPr/>
-          <a:lstStyle/>
-          <a:p>
-            <a:r>
-              <a:rPr lang="es-CR" dirty="0" smtClean="0">
-                <a:latin typeface="Calibri" charset="0"/>
-              </a:rPr>
-              <a:t>Clases </a:t>
-            </a:r>
-            <a:r>
-              <a:rPr lang="es-CR" sz="2000" dirty="0" smtClean="0">
-                <a:latin typeface="Calibri" charset="0"/>
-              </a:rPr>
-              <a:t>(1/3)</a:t>
-            </a:r>
-            <a:endParaRPr lang="es-CR" dirty="0">
-              <a:latin typeface="Calibri" charset="0"/>
-            </a:endParaRPr>
-          </a:p>
-        </p:txBody>
-      </p:sp>
-      <p:sp>
-        <p:nvSpPr>
-          <p:cNvPr id="9219" name="2 Marcador de contenido"/>
-          <p:cNvSpPr>
-            <a:spLocks noGrp="1"/>
-          </p:cNvSpPr>
-          <p:nvPr>
-            <p:ph idx="1"/>
-          </p:nvPr>
-        </p:nvSpPr>
-        <p:spPr>
-          <a:xfrm>
-            <a:off x="457200" y="1341438"/>
-            <a:ext cx="8229600" cy="5257800"/>
-          </a:xfrm>
-        </p:spPr>
-        <p:txBody>
-          <a:bodyPr/>
-          <a:lstStyle/>
-          <a:p>
-            <a:r>
-              <a:rPr lang="es-CR" sz="2800" dirty="0" smtClean="0">
-                <a:latin typeface="Calibri" charset="0"/>
-              </a:rPr>
-              <a:t>Todas las clases en Ruby heredan de Object</a:t>
-            </a:r>
-            <a:endParaRPr lang="es-CR" sz="2800" dirty="0">
-              <a:latin typeface="Calibri" charset="0"/>
-            </a:endParaRPr>
-          </a:p>
-          <a:p>
-            <a:endParaRPr lang="es-CR" sz="2800" dirty="0">
-              <a:latin typeface="Calibri" charset="0"/>
-            </a:endParaRPr>
-          </a:p>
-          <a:p>
-            <a:r>
-              <a:rPr lang="es-CR" sz="2800" dirty="0" smtClean="0">
-                <a:latin typeface="Calibri" charset="0"/>
-              </a:rPr>
-              <a:t>Definir una clase en Ruby es simple, solamente es necesario agregar “class” seguido del nombre de la clase en formato CamelCase.</a:t>
-            </a:r>
-            <a:endParaRPr lang="es-CR" sz="2800" dirty="0">
-              <a:latin typeface="Calibri" charset="0"/>
-            </a:endParaRPr>
-          </a:p>
-          <a:p>
-            <a:endParaRPr lang="es-CR" sz="2800" dirty="0">
-              <a:latin typeface="Calibri" charset="0"/>
-            </a:endParaRPr>
-          </a:p>
-          <a:p>
-            <a:r>
-              <a:rPr lang="es-CR" sz="2800" dirty="0" smtClean="0">
-                <a:latin typeface="Calibri" charset="0"/>
-              </a:rPr>
-              <a:t>El método inicializador de la clase es llamado “initialize”</a:t>
-            </a:r>
-            <a:endParaRPr lang="es-CR" sz="2800" dirty="0">
-              <a:latin typeface="Calibri" charset="0"/>
-            </a:endParaRPr>
-          </a:p>
-          <a:p>
-            <a:endParaRPr lang="es-CR" sz="2800" dirty="0">
-              <a:latin typeface="Calibri" charset="0"/>
-            </a:endParaRPr>
-          </a:p>
-          <a:p>
-            <a:r>
-              <a:rPr lang="es-CR" sz="2800" dirty="0" smtClean="0">
-                <a:latin typeface="Calibri" charset="0"/>
-              </a:rPr>
-              <a:t>Para crear una nueva instancia de una clase se utiliza: Class.new</a:t>
-            </a:r>
-            <a:r>
-              <a:rPr lang="es-CR" sz="2800" dirty="0">
-                <a:latin typeface="Calibri" charset="0"/>
-              </a:rPr>
-              <a:t>(PARAMS)</a:t>
-            </a:r>
-          </a:p>
-        </p:txBody>
-      </p:sp>
-    </p:spTree>
-    <p:extLst>
-      <p:ext uri="{BB962C8B-B14F-4D97-AF65-F5344CB8AC3E}">
-        <p14:creationId xmlns:p14="http://schemas.microsoft.com/office/powerpoint/2010/main" val="2638676583"/>
-      </p:ext>
-    </p:extLst>
-  </p:cSld>
-  <p:clrMapOvr>
-    <a:masterClrMapping/>
-  </p:clrMapOvr>
-  <p:timing>
-    <p:tnLst>
-      <p:par>
-        <p:cTn xmlns:p14="http://schemas.microsoft.com/office/powerpoint/2010/main" id="1" dur="indefinite" restart="never" nodeType="tmRoot"/>
-      </p:par>
-    </p:tnLst>
-  </p:timing>
-</p:sld>
-</file>
-
-<file path=ppt/slides/slide49.xml><?xml version="1.0" encoding="utf-8"?>
-<p:sld xmlns:a="http://schemas.openxmlformats.org/drawingml/2006/main" xmlns:r="http://schemas.openxmlformats.org/officeDocument/2006/relationships" xmlns:p="http://schemas.openxmlformats.org/presentationml/2006/main">
-  <p:cSld>
-    <p:spTree>
-      <p:nvGrpSpPr>
-        <p:cNvPr id="1" name=""/>
-        <p:cNvGrpSpPr/>
-        <p:nvPr/>
-      </p:nvGrpSpPr>
-      <p:grpSpPr>
-        <a:xfrm>
-          <a:off x="0" y="0"/>
-          <a:ext cx="0" cy="0"/>
-          <a:chOff x="0" y="0"/>
-          <a:chExt cx="0" cy="0"/>
-        </a:xfrm>
-      </p:grpSpPr>
-      <p:sp>
-        <p:nvSpPr>
-          <p:cNvPr id="10242" name="1 Título"/>
-          <p:cNvSpPr>
-            <a:spLocks noGrp="1"/>
-          </p:cNvSpPr>
-          <p:nvPr>
-            <p:ph type="title"/>
-          </p:nvPr>
-        </p:nvSpPr>
-        <p:spPr>
-          <a:xfrm>
-            <a:off x="457200" y="-171450"/>
-            <a:ext cx="8229600" cy="1143000"/>
-          </a:xfrm>
-        </p:spPr>
-        <p:txBody>
-          <a:bodyPr/>
-          <a:lstStyle/>
-          <a:p>
-            <a:r>
-              <a:rPr lang="es-CR" dirty="0" smtClean="0">
-                <a:latin typeface="Calibri" charset="0"/>
-              </a:rPr>
-              <a:t>Clases </a:t>
-            </a:r>
-            <a:r>
-              <a:rPr lang="es-CR" sz="2000" dirty="0" smtClean="0">
-                <a:latin typeface="Calibri" charset="0"/>
-              </a:rPr>
-              <a:t>(2/3)</a:t>
-            </a:r>
-            <a:endParaRPr lang="es-CR" dirty="0">
-              <a:latin typeface="Calibri" charset="0"/>
-            </a:endParaRPr>
-          </a:p>
-        </p:txBody>
-      </p:sp>
-      <p:sp>
-        <p:nvSpPr>
-          <p:cNvPr id="10243" name="3 Marcador de contenido"/>
-          <p:cNvSpPr>
-            <a:spLocks noGrp="1"/>
-          </p:cNvSpPr>
-          <p:nvPr>
-            <p:ph idx="1"/>
-          </p:nvPr>
-        </p:nvSpPr>
-        <p:spPr>
-          <a:xfrm>
-            <a:off x="1835150" y="1169988"/>
-            <a:ext cx="5188477" cy="5022915"/>
-          </a:xfrm>
-        </p:spPr>
-        <p:txBody>
-          <a:bodyPr wrap="none">
-            <a:spAutoFit/>
-          </a:bodyPr>
-          <a:lstStyle/>
-          <a:p>
-            <a:pPr>
-              <a:buFont typeface="Arial" charset="0"/>
-              <a:buNone/>
-            </a:pPr>
-            <a:r>
-              <a:rPr lang="es-CR" sz="1800" dirty="0">
-                <a:latin typeface="Calibri" charset="0"/>
-              </a:rPr>
-              <a:t>class Dog </a:t>
-            </a:r>
-          </a:p>
-          <a:p>
-            <a:pPr>
-              <a:buFont typeface="Arial" charset="0"/>
-              <a:buNone/>
-            </a:pPr>
-            <a:r>
-              <a:rPr lang="es-CR" sz="1800" dirty="0" smtClean="0">
-                <a:latin typeface="Calibri" charset="0"/>
-              </a:rPr>
-              <a:t>def </a:t>
-            </a:r>
-            <a:r>
-              <a:rPr lang="es-CR" sz="1800" dirty="0">
-                <a:latin typeface="Calibri" charset="0"/>
-              </a:rPr>
-              <a:t>initialize(breed, name) </a:t>
-            </a:r>
-          </a:p>
-          <a:p>
-            <a:pPr>
-              <a:buFont typeface="Arial" charset="0"/>
-              <a:buNone/>
-            </a:pPr>
-            <a:r>
-              <a:rPr lang="es-CR" sz="1800" dirty="0">
-                <a:latin typeface="Calibri" charset="0"/>
-              </a:rPr>
-              <a:t>    @breed = breed </a:t>
-            </a:r>
-          </a:p>
-          <a:p>
-            <a:pPr>
-              <a:buFont typeface="Arial" charset="0"/>
-              <a:buNone/>
-            </a:pPr>
-            <a:r>
-              <a:rPr lang="es-CR" sz="1800" dirty="0">
-                <a:latin typeface="Calibri" charset="0"/>
-              </a:rPr>
-              <a:t>    @name = name</a:t>
-            </a:r>
-          </a:p>
-          <a:p>
-            <a:pPr>
-              <a:buFont typeface="Arial" charset="0"/>
-              <a:buNone/>
-            </a:pPr>
-            <a:r>
-              <a:rPr lang="es-CR" sz="1800" dirty="0">
-                <a:latin typeface="Calibri" charset="0"/>
-              </a:rPr>
-              <a:t>  end </a:t>
-            </a:r>
-          </a:p>
-          <a:p>
-            <a:pPr>
-              <a:buFont typeface="Arial" charset="0"/>
-              <a:buNone/>
-            </a:pPr>
-            <a:r>
-              <a:rPr lang="es-CR" sz="1800" dirty="0">
-                <a:latin typeface="Calibri" charset="0"/>
-              </a:rPr>
-              <a:t>  def bark </a:t>
-            </a:r>
-          </a:p>
-          <a:p>
-            <a:pPr>
-              <a:buFont typeface="Arial" charset="0"/>
-              <a:buNone/>
-            </a:pPr>
-            <a:r>
-              <a:rPr lang="es-CR" sz="1800" dirty="0">
-                <a:latin typeface="Calibri" charset="0"/>
-              </a:rPr>
-              <a:t>     puts </a:t>
-            </a:r>
-            <a:r>
-              <a:rPr lang="es-CR" sz="1800" dirty="0" smtClean="0">
-                <a:latin typeface="Calibri" charset="0"/>
-              </a:rPr>
-              <a:t>‘guau! guau!</a:t>
-            </a:r>
-            <a:r>
-              <a:rPr lang="es-CR" sz="1800" dirty="0">
-                <a:latin typeface="Calibri" charset="0"/>
-              </a:rPr>
-              <a:t>' </a:t>
-            </a:r>
-          </a:p>
-          <a:p>
-            <a:pPr>
-              <a:buFont typeface="Arial" charset="0"/>
-              <a:buNone/>
-            </a:pPr>
-            <a:r>
-              <a:rPr lang="es-CR" sz="1800" dirty="0">
-                <a:latin typeface="Calibri" charset="0"/>
-              </a:rPr>
-              <a:t>  end </a:t>
-            </a:r>
-          </a:p>
-          <a:p>
-            <a:pPr>
-              <a:buFont typeface="Arial" charset="0"/>
-              <a:buNone/>
-            </a:pPr>
-            <a:r>
-              <a:rPr lang="es-CR" sz="1800" dirty="0">
-                <a:latin typeface="Calibri" charset="0"/>
-              </a:rPr>
-              <a:t>  def greed </a:t>
-            </a:r>
-          </a:p>
-          <a:p>
-            <a:pPr>
-              <a:buFont typeface="Arial" charset="0"/>
-              <a:buNone/>
-            </a:pPr>
-            <a:r>
-              <a:rPr lang="es-CR" sz="1800" dirty="0">
-                <a:latin typeface="Calibri" charset="0"/>
-              </a:rPr>
-              <a:t>  puts </a:t>
-            </a:r>
-            <a:r>
-              <a:rPr lang="es-CR" sz="1800" dirty="0" smtClean="0">
-                <a:latin typeface="Calibri" charset="0"/>
-              </a:rPr>
-              <a:t>“Soy un #</a:t>
-            </a:r>
-            <a:r>
-              <a:rPr lang="es-CR" sz="1800" dirty="0">
-                <a:latin typeface="Calibri" charset="0"/>
-              </a:rPr>
-              <a:t>{@breed</a:t>
-            </a:r>
-            <a:r>
-              <a:rPr lang="es-CR" sz="1800" dirty="0" smtClean="0">
-                <a:latin typeface="Calibri" charset="0"/>
-              </a:rPr>
-              <a:t>} y mi nombre es #</a:t>
-            </a:r>
-            <a:r>
-              <a:rPr lang="es-CR" sz="1800" dirty="0">
-                <a:latin typeface="Calibri" charset="0"/>
-              </a:rPr>
-              <a:t>{@name}" </a:t>
-            </a:r>
-          </a:p>
-          <a:p>
-            <a:pPr>
-              <a:buFont typeface="Arial" charset="0"/>
-              <a:buNone/>
-            </a:pPr>
-            <a:r>
-              <a:rPr lang="es-CR" sz="1800" dirty="0">
-                <a:latin typeface="Calibri" charset="0"/>
-              </a:rPr>
-              <a:t>  end </a:t>
-            </a:r>
-          </a:p>
-          <a:p>
-            <a:pPr>
-              <a:buFont typeface="Arial" charset="0"/>
-              <a:buNone/>
-            </a:pPr>
-            <a:r>
-              <a:rPr lang="es-CR" sz="1800" dirty="0">
-                <a:latin typeface="Calibri" charset="0"/>
-              </a:rPr>
-              <a:t>end </a:t>
-            </a:r>
-          </a:p>
-          <a:p>
-            <a:pPr>
-              <a:buFont typeface="Arial" charset="0"/>
-              <a:buNone/>
-            </a:pPr>
-            <a:r>
-              <a:rPr lang="es-CR" sz="1800" dirty="0">
-                <a:latin typeface="Calibri" charset="0"/>
-              </a:rPr>
-              <a:t>d = dog.new(‘Collie', ‘Lassie') </a:t>
-            </a:r>
-          </a:p>
-          <a:p>
-            <a:pPr>
-              <a:buFont typeface="Arial" charset="0"/>
-              <a:buNone/>
-            </a:pPr>
-            <a:r>
-              <a:rPr lang="es-CR" sz="1800" dirty="0">
-                <a:latin typeface="Calibri" charset="0"/>
-              </a:rPr>
-              <a:t>puts d.greed</a:t>
-            </a:r>
-          </a:p>
-          <a:p>
-            <a:pPr>
-              <a:buFont typeface="Arial" charset="0"/>
-              <a:buNone/>
-            </a:pPr>
-            <a:r>
-              <a:rPr lang="es-CR" sz="1800" dirty="0">
-                <a:latin typeface="Calibri" charset="0"/>
-              </a:rPr>
-              <a:t>puts d.bark</a:t>
-            </a:r>
-          </a:p>
-        </p:txBody>
-      </p:sp>
-    </p:spTree>
-    <p:extLst>
-      <p:ext uri="{BB962C8B-B14F-4D97-AF65-F5344CB8AC3E}">
-        <p14:creationId xmlns:p14="http://schemas.microsoft.com/office/powerpoint/2010/main" val="3147689986"/>
+        <p14:creationId xmlns:p14="http://schemas.microsoft.com/office/powerpoint/2010/main" val="4122584895"/>
       </p:ext>
     </p:extLst>
   </p:cSld>
@@ -25378,180 +23620,6 @@
   <p:clrMapOvr>
     <a:masterClrMapping/>
   </p:clrMapOvr>
-</p:sld>
-</file>
-
-<file path=ppt/slides/slide50.xml><?xml version="1.0" encoding="utf-8"?>
-<p:sld xmlns:a="http://schemas.openxmlformats.org/drawingml/2006/main" xmlns:r="http://schemas.openxmlformats.org/officeDocument/2006/relationships" xmlns:p="http://schemas.openxmlformats.org/presentationml/2006/main">
-  <p:cSld>
-    <p:spTree>
-      <p:nvGrpSpPr>
-        <p:cNvPr id="1" name=""/>
-        <p:cNvGrpSpPr/>
-        <p:nvPr/>
-      </p:nvGrpSpPr>
-      <p:grpSpPr>
-        <a:xfrm>
-          <a:off x="0" y="0"/>
-          <a:ext cx="0" cy="0"/>
-          <a:chOff x="0" y="0"/>
-          <a:chExt cx="0" cy="0"/>
-        </a:xfrm>
-      </p:grpSpPr>
-      <p:sp>
-        <p:nvSpPr>
-          <p:cNvPr id="9218" name="1 Título"/>
-          <p:cNvSpPr>
-            <a:spLocks noGrp="1"/>
-          </p:cNvSpPr>
-          <p:nvPr>
-            <p:ph type="title"/>
-          </p:nvPr>
-        </p:nvSpPr>
-        <p:spPr>
-          <a:xfrm>
-            <a:off x="457200" y="-171450"/>
-            <a:ext cx="8229600" cy="1143000"/>
-          </a:xfrm>
-        </p:spPr>
-        <p:txBody>
-          <a:bodyPr/>
-          <a:lstStyle/>
-          <a:p>
-            <a:r>
-              <a:rPr lang="es-CR" dirty="0" smtClean="0">
-                <a:latin typeface="Calibri" charset="0"/>
-              </a:rPr>
-              <a:t>Clases </a:t>
-            </a:r>
-            <a:r>
-              <a:rPr lang="es-CR" sz="2000" dirty="0" smtClean="0">
-                <a:latin typeface="Calibri" charset="0"/>
-              </a:rPr>
-              <a:t>(3/</a:t>
-            </a:r>
-            <a:r>
-              <a:rPr lang="es-CR" sz="2000" dirty="0">
-                <a:latin typeface="Calibri" charset="0"/>
-              </a:rPr>
-              <a:t>3</a:t>
-            </a:r>
-            <a:r>
-              <a:rPr lang="es-CR" sz="2000" dirty="0" smtClean="0">
-                <a:latin typeface="Calibri" charset="0"/>
-              </a:rPr>
-              <a:t>)</a:t>
-            </a:r>
-            <a:endParaRPr lang="es-CR" dirty="0">
-              <a:latin typeface="Calibri" charset="0"/>
-            </a:endParaRPr>
-          </a:p>
-        </p:txBody>
-      </p:sp>
-      <p:sp>
-        <p:nvSpPr>
-          <p:cNvPr id="9219" name="2 Marcador de contenido"/>
-          <p:cNvSpPr>
-            <a:spLocks noGrp="1"/>
-          </p:cNvSpPr>
-          <p:nvPr>
-            <p:ph idx="1"/>
-          </p:nvPr>
-        </p:nvSpPr>
-        <p:spPr>
-          <a:xfrm>
-            <a:off x="457200" y="1341438"/>
-            <a:ext cx="8229600" cy="5257800"/>
-          </a:xfrm>
-        </p:spPr>
-        <p:txBody>
-          <a:bodyPr/>
-          <a:lstStyle/>
-          <a:p>
-            <a:r>
-              <a:rPr lang="es-CR" sz="2800" dirty="0" smtClean="0">
-                <a:latin typeface="Calibri" charset="0"/>
-              </a:rPr>
-              <a:t>Se pueden declarar métodos de clase utilizando la palabra ‘self’ antes de la declaración del método. Ej:</a:t>
-            </a:r>
-          </a:p>
-          <a:p>
-            <a:pPr lvl="1"/>
-            <a:r>
-              <a:rPr lang="es-CR" sz="2400" dirty="0" smtClean="0">
-                <a:latin typeface="Calibri" charset="0"/>
-              </a:rPr>
-              <a:t>“def self.list_all”</a:t>
-            </a:r>
-          </a:p>
-          <a:p>
-            <a:r>
-              <a:rPr lang="es-CR" sz="2800" dirty="0" smtClean="0">
-                <a:latin typeface="Calibri" charset="0"/>
-              </a:rPr>
-              <a:t>Algunos métodos interesantes para todo objeto:</a:t>
-            </a:r>
-          </a:p>
-          <a:p>
-            <a:pPr lvl="1"/>
-            <a:r>
-              <a:rPr lang="es-CR" sz="2400" dirty="0" smtClean="0">
-                <a:latin typeface="Calibri" charset="0"/>
-              </a:rPr>
-              <a:t>respond_to?: verifica si el método tiene un método específico. Ej: string.respond_to?(“patito”)</a:t>
-            </a:r>
-          </a:p>
-          <a:p>
-            <a:pPr lvl="1"/>
-            <a:r>
-              <a:rPr lang="es-CR" sz="2400" dirty="0">
-                <a:latin typeface="Calibri" charset="0"/>
-              </a:rPr>
-              <a:t>i</a:t>
-            </a:r>
-            <a:r>
-              <a:rPr lang="es-CR" sz="2400" dirty="0" smtClean="0">
-                <a:latin typeface="Calibri" charset="0"/>
-              </a:rPr>
-              <a:t>nstance_of? </a:t>
-            </a:r>
-            <a:r>
-              <a:rPr lang="es-CR" sz="2400" dirty="0">
-                <a:latin typeface="Calibri" charset="0"/>
-              </a:rPr>
-              <a:t>i</a:t>
-            </a:r>
-            <a:r>
-              <a:rPr lang="es-CR" sz="2400" dirty="0" smtClean="0">
-                <a:latin typeface="Calibri" charset="0"/>
-              </a:rPr>
-              <a:t>s_a? Verifica si la instancia es de una clase determinada. Ej: num = 10; num.is_a? Fixnum</a:t>
-            </a:r>
-          </a:p>
-          <a:p>
-            <a:pPr lvl="1"/>
-            <a:r>
-              <a:rPr lang="es-CR" sz="2400" dirty="0" smtClean="0">
-                <a:latin typeface="Calibri" charset="0"/>
-              </a:rPr>
-              <a:t>object_id: Permite ver el identificador el objeto</a:t>
-            </a:r>
-            <a:endParaRPr lang="es-CR" sz="2400" dirty="0">
-              <a:latin typeface="Calibri" charset="0"/>
-            </a:endParaRPr>
-          </a:p>
-        </p:txBody>
-      </p:sp>
-    </p:spTree>
-    <p:extLst>
-      <p:ext uri="{BB962C8B-B14F-4D97-AF65-F5344CB8AC3E}">
-        <p14:creationId xmlns:p14="http://schemas.microsoft.com/office/powerpoint/2010/main" val="1500542285"/>
-      </p:ext>
-    </p:extLst>
-  </p:cSld>
-  <p:clrMapOvr>
-    <a:masterClrMapping/>
-  </p:clrMapOvr>
   <p:timing>
     <p:tnLst>
       <p:par>
@@ -25559,2495 +23627,6 @@
       </p:par>
     </p:tnLst>
   </p:timing>
-</p:sld>
-</file>
-
-<file path=ppt/slides/slide51.xml><?xml version="1.0" encoding="utf-8"?>
-<p:sld xmlns:a="http://schemas.openxmlformats.org/drawingml/2006/main" xmlns:r="http://schemas.openxmlformats.org/officeDocument/2006/relationships" xmlns:p="http://schemas.openxmlformats.org/presentationml/2006/main">
-  <p:cSld>
-    <p:spTree>
-      <p:nvGrpSpPr>
-        <p:cNvPr id="1" name=""/>
-        <p:cNvGrpSpPr/>
-        <p:nvPr/>
-      </p:nvGrpSpPr>
-      <p:grpSpPr>
-        <a:xfrm>
-          <a:off x="0" y="0"/>
-          <a:ext cx="0" cy="0"/>
-          <a:chOff x="0" y="0"/>
-          <a:chExt cx="0" cy="0"/>
-        </a:xfrm>
-      </p:grpSpPr>
-      <p:sp>
-        <p:nvSpPr>
-          <p:cNvPr id="11266" name="1 Título"/>
-          <p:cNvSpPr>
-            <a:spLocks noGrp="1"/>
-          </p:cNvSpPr>
-          <p:nvPr>
-            <p:ph type="title"/>
-          </p:nvPr>
-        </p:nvSpPr>
-        <p:spPr>
-          <a:xfrm>
-            <a:off x="457200" y="-90488"/>
-            <a:ext cx="8229600" cy="1143001"/>
-          </a:xfrm>
-        </p:spPr>
-        <p:txBody>
-          <a:bodyPr/>
-          <a:lstStyle/>
-          <a:p>
-            <a:r>
-              <a:rPr lang="es-CR" dirty="0" smtClean="0">
-                <a:latin typeface="Calibri" charset="0"/>
-              </a:rPr>
-              <a:t>Clases: Accessors</a:t>
-            </a:r>
-            <a:endParaRPr lang="es-CR" dirty="0">
-              <a:latin typeface="Calibri" charset="0"/>
-            </a:endParaRPr>
-          </a:p>
-        </p:txBody>
-      </p:sp>
-      <p:sp>
-        <p:nvSpPr>
-          <p:cNvPr id="11267" name="2 Marcador de contenido"/>
-          <p:cNvSpPr>
-            <a:spLocks noGrp="1"/>
-          </p:cNvSpPr>
-          <p:nvPr>
-            <p:ph idx="1"/>
-          </p:nvPr>
-        </p:nvSpPr>
-        <p:spPr>
-          <a:xfrm>
-            <a:off x="457200" y="1600200"/>
-            <a:ext cx="8229600" cy="2692896"/>
-          </a:xfrm>
-        </p:spPr>
-        <p:txBody>
-          <a:bodyPr/>
-          <a:lstStyle/>
-          <a:p>
-            <a:r>
-              <a:rPr lang="es-CR" dirty="0" smtClean="0">
-                <a:latin typeface="Calibri" charset="0"/>
-              </a:rPr>
-              <a:t>Permiten accesar a las variables de la clase desde fuera del objeto</a:t>
-            </a:r>
-            <a:endParaRPr lang="es-CR" dirty="0">
-              <a:latin typeface="Calibri" charset="0"/>
-            </a:endParaRPr>
-          </a:p>
-          <a:p>
-            <a:endParaRPr lang="es-CR" dirty="0">
-              <a:latin typeface="Calibri" charset="0"/>
-            </a:endParaRPr>
-          </a:p>
-          <a:p>
-            <a:r>
-              <a:rPr lang="es-CR" dirty="0" smtClean="0">
-                <a:latin typeface="Calibri" charset="0"/>
-              </a:rPr>
-              <a:t>Se puede permitir la lectura, escritura o ambas</a:t>
-            </a:r>
-            <a:endParaRPr lang="es-CR" dirty="0">
-              <a:latin typeface="Calibri" charset="0"/>
-            </a:endParaRPr>
-          </a:p>
-        </p:txBody>
-      </p:sp>
-      <p:sp>
-        <p:nvSpPr>
-          <p:cNvPr id="11268" name="3 CuadroTexto"/>
-          <p:cNvSpPr txBox="1">
-            <a:spLocks noChangeArrowheads="1"/>
-          </p:cNvSpPr>
-          <p:nvPr/>
-        </p:nvSpPr>
-        <p:spPr bwMode="auto">
-          <a:xfrm>
-            <a:off x="2843808" y="3861048"/>
-            <a:ext cx="3507503" cy="2585323"/>
-          </a:xfrm>
-          <a:prstGeom prst="rect">
-            <a:avLst/>
-          </a:prstGeom>
-          <a:noFill/>
-          <a:ln>
-            <a:noFill/>
-          </a:ln>
-          <a:extLst>
-            <a:ext uri="{909E8E84-426E-40dd-AFC4-6F175D3DCCD1}">
-              <a14:hiddenFill xmlns:a14="http://schemas.microsoft.com/office/drawing/2010/main">
-                <a:solidFill>
-                  <a:srgbClr val="FFFFFF"/>
-                </a:solidFill>
-              </a14:hiddenFill>
-            </a:ext>
-            <a:ext uri="{91240B29-F687-4f45-9708-019B960494DF}">
-              <a14:hiddenLine xmlns:a14="http://schemas.microsoft.com/office/drawing/2010/main" w="9525">
-                <a:solidFill>
-                  <a:srgbClr val="000000"/>
-                </a:solidFill>
-                <a:miter lim="800000"/>
-                <a:headEnd/>
-                <a:tailEnd/>
-              </a14:hiddenLine>
-            </a:ext>
-          </a:extLst>
-        </p:spPr>
-        <p:txBody>
-          <a:bodyPr wrap="none">
-            <a:spAutoFit/>
-          </a:bodyPr>
-          <a:lstStyle>
-            <a:lvl1pPr eaLnBrk="0" hangingPunct="0">
-              <a:defRPr>
-                <a:solidFill>
-                  <a:schemeClr val="tx1"/>
-                </a:solidFill>
-                <a:latin typeface="Arial" charset="0"/>
-                <a:ea typeface="ＭＳ Ｐゴシック" charset="0"/>
-              </a:defRPr>
-            </a:lvl1pPr>
-            <a:lvl2pPr marL="742950" indent="-285750" eaLnBrk="0" hangingPunct="0">
-              <a:defRPr>
-                <a:solidFill>
-                  <a:schemeClr val="tx1"/>
-                </a:solidFill>
-                <a:latin typeface="Arial" charset="0"/>
-                <a:ea typeface="ＭＳ Ｐゴシック" charset="0"/>
-              </a:defRPr>
-            </a:lvl2pPr>
-            <a:lvl3pPr marL="1143000" indent="-228600" eaLnBrk="0" hangingPunct="0">
-              <a:defRPr>
-                <a:solidFill>
-                  <a:schemeClr val="tx1"/>
-                </a:solidFill>
-                <a:latin typeface="Arial" charset="0"/>
-                <a:ea typeface="ＭＳ Ｐゴシック" charset="0"/>
-              </a:defRPr>
-            </a:lvl3pPr>
-            <a:lvl4pPr marL="1600200" indent="-228600" eaLnBrk="0" hangingPunct="0">
-              <a:defRPr>
-                <a:solidFill>
-                  <a:schemeClr val="tx1"/>
-                </a:solidFill>
-                <a:latin typeface="Arial" charset="0"/>
-                <a:ea typeface="ＭＳ Ｐゴシック" charset="0"/>
-              </a:defRPr>
-            </a:lvl4pPr>
-            <a:lvl5pPr marL="2057400" indent="-228600" eaLnBrk="0" hangingPunct="0">
-              <a:defRPr>
-                <a:solidFill>
-                  <a:schemeClr val="tx1"/>
-                </a:solidFill>
-                <a:latin typeface="Arial" charset="0"/>
-                <a:ea typeface="ＭＳ Ｐゴシック" charset="0"/>
-              </a:defRPr>
-            </a:lvl5pPr>
-            <a:lvl6pPr marL="2514600" indent="-228600" eaLnBrk="0" fontAlgn="base" hangingPunct="0">
-              <a:spcBef>
-                <a:spcPct val="0"/>
-              </a:spcBef>
-              <a:spcAft>
-                <a:spcPct val="0"/>
-              </a:spcAft>
-              <a:defRPr>
-                <a:solidFill>
-                  <a:schemeClr val="tx1"/>
-                </a:solidFill>
-                <a:latin typeface="Arial" charset="0"/>
-                <a:ea typeface="ＭＳ Ｐゴシック" charset="0"/>
-              </a:defRPr>
-            </a:lvl6pPr>
-            <a:lvl7pPr marL="2971800" indent="-228600" eaLnBrk="0" fontAlgn="base" hangingPunct="0">
-              <a:spcBef>
-                <a:spcPct val="0"/>
-              </a:spcBef>
-              <a:spcAft>
-                <a:spcPct val="0"/>
-              </a:spcAft>
-              <a:defRPr>
-                <a:solidFill>
-                  <a:schemeClr val="tx1"/>
-                </a:solidFill>
-                <a:latin typeface="Arial" charset="0"/>
-                <a:ea typeface="ＭＳ Ｐゴシック" charset="0"/>
-              </a:defRPr>
-            </a:lvl7pPr>
-            <a:lvl8pPr marL="3429000" indent="-228600" eaLnBrk="0" fontAlgn="base" hangingPunct="0">
-              <a:spcBef>
-                <a:spcPct val="0"/>
-              </a:spcBef>
-              <a:spcAft>
-                <a:spcPct val="0"/>
-              </a:spcAft>
-              <a:defRPr>
-                <a:solidFill>
-                  <a:schemeClr val="tx1"/>
-                </a:solidFill>
-                <a:latin typeface="Arial" charset="0"/>
-                <a:ea typeface="ＭＳ Ｐゴシック" charset="0"/>
-              </a:defRPr>
-            </a:lvl8pPr>
-            <a:lvl9pPr marL="3886200" indent="-228600" eaLnBrk="0" fontAlgn="base" hangingPunct="0">
-              <a:spcBef>
-                <a:spcPct val="0"/>
-              </a:spcBef>
-              <a:spcAft>
-                <a:spcPct val="0"/>
-              </a:spcAft>
-              <a:defRPr>
-                <a:solidFill>
-                  <a:schemeClr val="tx1"/>
-                </a:solidFill>
-                <a:latin typeface="Arial" charset="0"/>
-                <a:ea typeface="ＭＳ Ｐゴシック" charset="0"/>
-              </a:defRPr>
-            </a:lvl9pPr>
-          </a:lstStyle>
-          <a:p>
-            <a:pPr eaLnBrk="1" hangingPunct="1"/>
-            <a:r>
-              <a:rPr lang="es-CR" dirty="0"/>
-              <a:t># </a:t>
-            </a:r>
-            <a:r>
-              <a:rPr lang="es-CR" dirty="0" smtClean="0"/>
-              <a:t>accesor de lectura</a:t>
-            </a:r>
-            <a:endParaRPr lang="es-CR" dirty="0"/>
-          </a:p>
-          <a:p>
-            <a:pPr eaLnBrk="1" hangingPunct="1"/>
-            <a:r>
-              <a:rPr lang="es-CR" dirty="0"/>
-              <a:t>attr_reader :title, :artist </a:t>
-            </a:r>
-          </a:p>
-          <a:p>
-            <a:pPr eaLnBrk="1" hangingPunct="1"/>
-            <a:endParaRPr lang="es-CR" dirty="0"/>
-          </a:p>
-          <a:p>
-            <a:pPr eaLnBrk="1" hangingPunct="1"/>
-            <a:r>
-              <a:rPr lang="es-CR" dirty="0"/>
-              <a:t># </a:t>
-            </a:r>
-            <a:r>
-              <a:rPr lang="es-CR" dirty="0" smtClean="0"/>
-              <a:t>accesor de escritura</a:t>
-            </a:r>
-            <a:endParaRPr lang="es-CR" dirty="0"/>
-          </a:p>
-          <a:p>
-            <a:pPr eaLnBrk="1" hangingPunct="1"/>
-            <a:r>
-              <a:rPr lang="es-CR" dirty="0"/>
-              <a:t>attr_writer :title</a:t>
-            </a:r>
-          </a:p>
-          <a:p>
-            <a:pPr eaLnBrk="1" hangingPunct="1"/>
-            <a:endParaRPr lang="es-CR" dirty="0"/>
-          </a:p>
-          <a:p>
-            <a:pPr eaLnBrk="1" hangingPunct="1"/>
-            <a:r>
-              <a:rPr lang="es-CR" dirty="0"/>
-              <a:t># </a:t>
-            </a:r>
-            <a:r>
-              <a:rPr lang="es-CR" dirty="0" smtClean="0"/>
-              <a:t>accessor de lectura y escritura</a:t>
-            </a:r>
-          </a:p>
-          <a:p>
-            <a:pPr eaLnBrk="1" hangingPunct="1"/>
-            <a:r>
-              <a:rPr lang="es-CR" dirty="0" smtClean="0"/>
-              <a:t>attr_accessor </a:t>
-            </a:r>
-            <a:r>
-              <a:rPr lang="es-CR" dirty="0"/>
-              <a:t>:name</a:t>
-            </a:r>
-          </a:p>
-          <a:p>
-            <a:pPr eaLnBrk="1" hangingPunct="1"/>
-            <a:endParaRPr lang="es-CR" dirty="0"/>
-          </a:p>
-        </p:txBody>
-      </p:sp>
-    </p:spTree>
-    <p:extLst>
-      <p:ext uri="{BB962C8B-B14F-4D97-AF65-F5344CB8AC3E}">
-        <p14:creationId xmlns:p14="http://schemas.microsoft.com/office/powerpoint/2010/main" val="766916568"/>
-      </p:ext>
-    </p:extLst>
-  </p:cSld>
-  <p:clrMapOvr>
-    <a:masterClrMapping/>
-  </p:clrMapOvr>
-  <p:timing>
-    <p:tnLst>
-      <p:par>
-        <p:cTn xmlns:p14="http://schemas.microsoft.com/office/powerpoint/2010/main" id="1" dur="indefinite" restart="never" nodeType="tmRoot"/>
-      </p:par>
-    </p:tnLst>
-  </p:timing>
-</p:sld>
-</file>
-
-<file path=ppt/slides/slide52.xml><?xml version="1.0" encoding="utf-8"?>
-<p:sld xmlns:a="http://schemas.openxmlformats.org/drawingml/2006/main" xmlns:r="http://schemas.openxmlformats.org/officeDocument/2006/relationships" xmlns:p="http://schemas.openxmlformats.org/presentationml/2006/main">
-  <p:cSld>
-    <p:spTree>
-      <p:nvGrpSpPr>
-        <p:cNvPr id="1" name=""/>
-        <p:cNvGrpSpPr/>
-        <p:nvPr/>
-      </p:nvGrpSpPr>
-      <p:grpSpPr>
-        <a:xfrm>
-          <a:off x="0" y="0"/>
-          <a:ext cx="0" cy="0"/>
-          <a:chOff x="0" y="0"/>
-          <a:chExt cx="0" cy="0"/>
-        </a:xfrm>
-      </p:grpSpPr>
-      <p:sp>
-        <p:nvSpPr>
-          <p:cNvPr id="12290" name="1 Título"/>
-          <p:cNvSpPr>
-            <a:spLocks noGrp="1"/>
-          </p:cNvSpPr>
-          <p:nvPr>
-            <p:ph type="title"/>
-          </p:nvPr>
-        </p:nvSpPr>
-        <p:spPr>
-          <a:xfrm>
-            <a:off x="457200" y="-90488"/>
-            <a:ext cx="8229600" cy="1143001"/>
-          </a:xfrm>
-        </p:spPr>
-        <p:txBody>
-          <a:bodyPr/>
-          <a:lstStyle/>
-          <a:p>
-            <a:r>
-              <a:rPr lang="es-CR" dirty="0" smtClean="0">
-                <a:latin typeface="Calibri" charset="0"/>
-              </a:rPr>
-              <a:t>Clases: Control de Acceso</a:t>
-            </a:r>
-            <a:endParaRPr lang="es-CR" dirty="0">
-              <a:latin typeface="Calibri" charset="0"/>
-            </a:endParaRPr>
-          </a:p>
-        </p:txBody>
-      </p:sp>
-      <p:sp>
-        <p:nvSpPr>
-          <p:cNvPr id="12291" name="2 Marcador de contenido"/>
-          <p:cNvSpPr>
-            <a:spLocks noGrp="1"/>
-          </p:cNvSpPr>
-          <p:nvPr>
-            <p:ph idx="1"/>
-          </p:nvPr>
-        </p:nvSpPr>
-        <p:spPr/>
-        <p:txBody>
-          <a:bodyPr/>
-          <a:lstStyle/>
-          <a:p>
-            <a:r>
-              <a:rPr lang="es-CR" dirty="0">
-                <a:latin typeface="Calibri" charset="0"/>
-              </a:rPr>
-              <a:t>Ruby </a:t>
-            </a:r>
-            <a:r>
-              <a:rPr lang="es-CR" dirty="0" smtClean="0">
-                <a:latin typeface="Calibri" charset="0"/>
-              </a:rPr>
-              <a:t>permite 3 niveles de acceso en las clases:</a:t>
-            </a:r>
-            <a:endParaRPr lang="es-CR" dirty="0">
-              <a:latin typeface="Calibri" charset="0"/>
-            </a:endParaRPr>
-          </a:p>
-          <a:p>
-            <a:pPr lvl="1"/>
-            <a:r>
-              <a:rPr lang="es-CR" b="1" dirty="0">
-                <a:latin typeface="Calibri" charset="0"/>
-              </a:rPr>
-              <a:t>Public</a:t>
-            </a:r>
-            <a:r>
-              <a:rPr lang="es-CR" b="1" dirty="0" smtClean="0">
-                <a:latin typeface="Calibri" charset="0"/>
-              </a:rPr>
-              <a:t>: </a:t>
-            </a:r>
-            <a:r>
-              <a:rPr lang="es-CR" dirty="0" smtClean="0">
-                <a:latin typeface="Calibri" charset="0"/>
-              </a:rPr>
-              <a:t>cualquiera puede accesar esos métodos. Este es el valor por defecto en las clases nuevas.</a:t>
-            </a:r>
-            <a:endParaRPr lang="es-CR" dirty="0">
-              <a:latin typeface="Calibri" charset="0"/>
-            </a:endParaRPr>
-          </a:p>
-          <a:p>
-            <a:pPr lvl="1"/>
-            <a:r>
-              <a:rPr lang="es-CR" b="1" dirty="0">
-                <a:latin typeface="Calibri" charset="0"/>
-              </a:rPr>
-              <a:t>Protected: </a:t>
-            </a:r>
-            <a:r>
-              <a:rPr lang="es-CR" dirty="0" smtClean="0">
-                <a:latin typeface="Calibri" charset="0"/>
-              </a:rPr>
-              <a:t>Estos métodos solo puede ser accesados por instancias de la clase y sus subclases.</a:t>
-            </a:r>
-            <a:endParaRPr lang="es-CR" dirty="0">
-              <a:latin typeface="Calibri" charset="0"/>
-            </a:endParaRPr>
-          </a:p>
-          <a:p>
-            <a:pPr lvl="1"/>
-            <a:r>
-              <a:rPr lang="es-CR" b="1" dirty="0">
-                <a:latin typeface="Calibri" charset="0"/>
-              </a:rPr>
-              <a:t>Private: </a:t>
-            </a:r>
-            <a:r>
-              <a:rPr lang="es-CR" dirty="0" smtClean="0">
-                <a:latin typeface="Calibri" charset="0"/>
-              </a:rPr>
-              <a:t>Estos métodos solo pueden ser utilizados por el mismo objeto (self)</a:t>
-            </a:r>
-            <a:endParaRPr lang="es-CR" dirty="0">
-              <a:latin typeface="Calibri" charset="0"/>
-            </a:endParaRPr>
-          </a:p>
-          <a:p>
-            <a:pPr lvl="1"/>
-            <a:endParaRPr lang="es-CR" dirty="0">
-              <a:latin typeface="Calibri" charset="0"/>
-            </a:endParaRPr>
-          </a:p>
-        </p:txBody>
-      </p:sp>
-    </p:spTree>
-    <p:extLst>
-      <p:ext uri="{BB962C8B-B14F-4D97-AF65-F5344CB8AC3E}">
-        <p14:creationId xmlns:p14="http://schemas.microsoft.com/office/powerpoint/2010/main" val="1854797640"/>
-      </p:ext>
-    </p:extLst>
-  </p:cSld>
-  <p:clrMapOvr>
-    <a:masterClrMapping/>
-  </p:clrMapOvr>
-  <p:timing>
-    <p:tnLst>
-      <p:par>
-        <p:cTn xmlns:p14="http://schemas.microsoft.com/office/powerpoint/2010/main" id="1" dur="indefinite" restart="never" nodeType="tmRoot"/>
-      </p:par>
-    </p:tnLst>
-  </p:timing>
-</p:sld>
-</file>
-
-<file path=ppt/slides/slide53.xml><?xml version="1.0" encoding="utf-8"?>
-<p:sld xmlns:a="http://schemas.openxmlformats.org/drawingml/2006/main" xmlns:r="http://schemas.openxmlformats.org/officeDocument/2006/relationships" xmlns:p="http://schemas.openxmlformats.org/presentationml/2006/main">
-  <p:cSld>
-    <p:spTree>
-      <p:nvGrpSpPr>
-        <p:cNvPr id="1" name=""/>
-        <p:cNvGrpSpPr/>
-        <p:nvPr/>
-      </p:nvGrpSpPr>
-      <p:grpSpPr>
-        <a:xfrm>
-          <a:off x="0" y="0"/>
-          <a:ext cx="0" cy="0"/>
-          <a:chOff x="0" y="0"/>
-          <a:chExt cx="0" cy="0"/>
-        </a:xfrm>
-      </p:grpSpPr>
-      <p:sp>
-        <p:nvSpPr>
-          <p:cNvPr id="13314" name="1 Título"/>
-          <p:cNvSpPr>
-            <a:spLocks noGrp="1"/>
-          </p:cNvSpPr>
-          <p:nvPr>
-            <p:ph type="title"/>
-          </p:nvPr>
-        </p:nvSpPr>
-        <p:spPr>
-          <a:xfrm>
-            <a:off x="457200" y="-171450"/>
-            <a:ext cx="8229600" cy="1143000"/>
-          </a:xfrm>
-        </p:spPr>
-        <p:txBody>
-          <a:bodyPr/>
-          <a:lstStyle/>
-          <a:p>
-            <a:r>
-              <a:rPr lang="es-CR" dirty="0" smtClean="0">
-                <a:latin typeface="Calibri" charset="0"/>
-              </a:rPr>
-              <a:t>Clases: Herencia </a:t>
-            </a:r>
-            <a:r>
-              <a:rPr lang="es-CR" sz="2000" dirty="0" smtClean="0">
-                <a:latin typeface="Calibri" charset="0"/>
-              </a:rPr>
-              <a:t>(1/2)</a:t>
-            </a:r>
-            <a:endParaRPr lang="es-CR" dirty="0">
-              <a:latin typeface="Calibri" charset="0"/>
-            </a:endParaRPr>
-          </a:p>
-        </p:txBody>
-      </p:sp>
-      <p:sp>
-        <p:nvSpPr>
-          <p:cNvPr id="13315" name="2 Marcador de contenido"/>
-          <p:cNvSpPr>
-            <a:spLocks noGrp="1"/>
-          </p:cNvSpPr>
-          <p:nvPr>
-            <p:ph idx="1"/>
-          </p:nvPr>
-        </p:nvSpPr>
-        <p:spPr>
-          <a:xfrm>
-            <a:off x="457200" y="1268413"/>
-            <a:ext cx="8229600" cy="4525962"/>
-          </a:xfrm>
-        </p:spPr>
-        <p:txBody>
-          <a:bodyPr/>
-          <a:lstStyle/>
-          <a:p>
-            <a:r>
-              <a:rPr lang="es-CR" dirty="0" smtClean="0">
-                <a:latin typeface="Calibri" charset="0"/>
-              </a:rPr>
-              <a:t>Las clases heredan los métodos y características que tienen  sus padres</a:t>
-            </a:r>
-            <a:endParaRPr lang="es-CR" dirty="0">
-              <a:latin typeface="Calibri" charset="0"/>
-            </a:endParaRPr>
-          </a:p>
-          <a:p>
-            <a:r>
-              <a:rPr lang="es-CR" dirty="0" smtClean="0">
-                <a:latin typeface="Calibri" charset="0"/>
-              </a:rPr>
-              <a:t>La herencia es declarada con el uso de “</a:t>
-            </a:r>
-            <a:r>
-              <a:rPr lang="es-CR" dirty="0">
-                <a:latin typeface="Calibri" charset="0"/>
-              </a:rPr>
-              <a:t>&lt;” </a:t>
-            </a:r>
-            <a:r>
-              <a:rPr lang="es-CR" dirty="0" smtClean="0">
-                <a:latin typeface="Calibri" charset="0"/>
-              </a:rPr>
-              <a:t>en la declaración de la clase. Ej.:</a:t>
-            </a:r>
-            <a:endParaRPr lang="es-CR" dirty="0">
-              <a:latin typeface="Calibri" charset="0"/>
-            </a:endParaRPr>
-          </a:p>
-          <a:p>
-            <a:pPr lvl="1"/>
-            <a:r>
-              <a:rPr lang="es-CR" dirty="0">
-                <a:latin typeface="Calibri" charset="0"/>
-              </a:rPr>
-              <a:t>Class Cat &lt; Animal </a:t>
-            </a:r>
-          </a:p>
-          <a:p>
-            <a:r>
-              <a:rPr lang="es-CR" dirty="0" smtClean="0">
-                <a:latin typeface="Calibri" charset="0"/>
-              </a:rPr>
-              <a:t>Es posible sobreescribir todos los métodos de la clase padre</a:t>
-            </a:r>
-          </a:p>
-          <a:p>
-            <a:r>
-              <a:rPr lang="es-CR" dirty="0" smtClean="0">
-                <a:latin typeface="Calibri" charset="0"/>
-              </a:rPr>
-              <a:t>El método “super” busca por un método con el mismo nombre y la misma cantidad de parámetros en la clase padre.</a:t>
-            </a:r>
-            <a:endParaRPr lang="es-CR" dirty="0">
-              <a:latin typeface="Calibri" charset="0"/>
-            </a:endParaRPr>
-          </a:p>
-        </p:txBody>
-      </p:sp>
-    </p:spTree>
-    <p:extLst>
-      <p:ext uri="{BB962C8B-B14F-4D97-AF65-F5344CB8AC3E}">
-        <p14:creationId xmlns:p14="http://schemas.microsoft.com/office/powerpoint/2010/main" val="815999069"/>
-      </p:ext>
-    </p:extLst>
-  </p:cSld>
-  <p:clrMapOvr>
-    <a:masterClrMapping/>
-  </p:clrMapOvr>
-  <p:timing>
-    <p:tnLst>
-      <p:par>
-        <p:cTn xmlns:p14="http://schemas.microsoft.com/office/powerpoint/2010/main" id="1" dur="indefinite" restart="never" nodeType="tmRoot"/>
-      </p:par>
-    </p:tnLst>
-  </p:timing>
-</p:sld>
-</file>
-
-<file path=ppt/slides/slide54.xml><?xml version="1.0" encoding="utf-8"?>
-<p:sld xmlns:a="http://schemas.openxmlformats.org/drawingml/2006/main" xmlns:r="http://schemas.openxmlformats.org/officeDocument/2006/relationships" xmlns:p="http://schemas.openxmlformats.org/presentationml/2006/main">
-  <p:cSld>
-    <p:spTree>
-      <p:nvGrpSpPr>
-        <p:cNvPr id="1" name=""/>
-        <p:cNvGrpSpPr/>
-        <p:nvPr/>
-      </p:nvGrpSpPr>
-      <p:grpSpPr>
-        <a:xfrm>
-          <a:off x="0" y="0"/>
-          <a:ext cx="0" cy="0"/>
-          <a:chOff x="0" y="0"/>
-          <a:chExt cx="0" cy="0"/>
-        </a:xfrm>
-      </p:grpSpPr>
-      <p:sp>
-        <p:nvSpPr>
-          <p:cNvPr id="3" name="Marcador de contenido 2"/>
-          <p:cNvSpPr>
-            <a:spLocks noGrp="1"/>
-          </p:cNvSpPr>
-          <p:nvPr>
-            <p:ph idx="1"/>
-          </p:nvPr>
-        </p:nvSpPr>
-        <p:spPr>
-          <a:xfrm>
-            <a:off x="395536" y="1052736"/>
-            <a:ext cx="4320480" cy="4525963"/>
-          </a:xfrm>
-        </p:spPr>
-        <p:txBody>
-          <a:bodyPr/>
-          <a:lstStyle/>
-          <a:p>
-            <a:pPr marL="0" indent="0">
-              <a:buNone/>
-            </a:pPr>
-            <a:r>
-              <a:rPr lang="es-ES_tradnl" sz="2000" dirty="0" err="1"/>
-              <a:t>class</a:t>
-            </a:r>
-            <a:r>
-              <a:rPr lang="es-ES_tradnl" sz="2000" dirty="0"/>
-              <a:t> Bicicleta</a:t>
-            </a:r>
-          </a:p>
-          <a:p>
-            <a:pPr marL="0" indent="0">
-              <a:buNone/>
-            </a:pPr>
-            <a:r>
-              <a:rPr lang="es-ES_tradnl" sz="2000" dirty="0" err="1" smtClean="0"/>
-              <a:t>attr_reader</a:t>
-            </a:r>
-            <a:r>
-              <a:rPr lang="es-ES_tradnl" sz="2000" dirty="0" smtClean="0"/>
-              <a:t> </a:t>
-            </a:r>
-            <a:r>
-              <a:rPr lang="es-ES_tradnl" sz="2000" dirty="0"/>
-              <a:t>:marchas, :ruedas, :</a:t>
-            </a:r>
-            <a:r>
-              <a:rPr lang="es-ES_tradnl" sz="2000" dirty="0" smtClean="0"/>
-              <a:t>asientos</a:t>
-            </a:r>
-            <a:endParaRPr lang="es-ES_tradnl" sz="2000" dirty="0"/>
-          </a:p>
-          <a:p>
-            <a:pPr marL="0" indent="0">
-              <a:buNone/>
-            </a:pPr>
-            <a:r>
-              <a:rPr lang="es-ES_tradnl" sz="2000" dirty="0"/>
-              <a:t>  </a:t>
-            </a:r>
-            <a:r>
-              <a:rPr lang="es-ES_tradnl" sz="2000" dirty="0" err="1"/>
-              <a:t>def</a:t>
-            </a:r>
-            <a:r>
-              <a:rPr lang="es-ES_tradnl" sz="2000" dirty="0"/>
-              <a:t> </a:t>
-            </a:r>
-            <a:r>
-              <a:rPr lang="es-ES_tradnl" sz="2000" dirty="0" err="1"/>
-              <a:t>initialize</a:t>
-            </a:r>
-            <a:r>
-              <a:rPr lang="es-ES_tradnl" sz="2000" dirty="0"/>
-              <a:t>(marchas = 1)</a:t>
-            </a:r>
-          </a:p>
-          <a:p>
-            <a:pPr marL="0" indent="0">
-              <a:buNone/>
-            </a:pPr>
-            <a:r>
-              <a:rPr lang="es-ES_tradnl" sz="2000" dirty="0"/>
-              <a:t>    @ruedas = 2</a:t>
-            </a:r>
-          </a:p>
-          <a:p>
-            <a:pPr marL="0" indent="0">
-              <a:buNone/>
-            </a:pPr>
-            <a:r>
-              <a:rPr lang="es-ES_tradnl" sz="2000" dirty="0"/>
-              <a:t>    @asientos = 1</a:t>
-            </a:r>
-          </a:p>
-          <a:p>
-            <a:pPr marL="0" indent="0">
-              <a:buNone/>
-            </a:pPr>
-            <a:r>
-              <a:rPr lang="es-ES_tradnl" sz="2000" dirty="0"/>
-              <a:t>    @marchas = marchas</a:t>
-            </a:r>
-          </a:p>
-          <a:p>
-            <a:pPr marL="0" indent="0">
-              <a:buNone/>
-            </a:pPr>
-            <a:r>
-              <a:rPr lang="es-ES_tradnl" sz="2000" dirty="0"/>
-              <a:t>  </a:t>
-            </a:r>
-            <a:r>
-              <a:rPr lang="es-ES_tradnl" sz="2000" dirty="0" err="1"/>
-              <a:t>end</a:t>
-            </a:r>
-            <a:endParaRPr lang="es-ES_tradnl" sz="2000" dirty="0"/>
-          </a:p>
-          <a:p>
-            <a:pPr marL="0" indent="0">
-              <a:buNone/>
-            </a:pPr>
-            <a:r>
-              <a:rPr lang="es-ES_tradnl" sz="2000" dirty="0" err="1"/>
-              <a:t>end</a:t>
-            </a:r>
-            <a:endParaRPr lang="es-ES_tradnl" sz="2000" dirty="0"/>
-          </a:p>
-          <a:p>
-            <a:pPr marL="0" indent="0">
-              <a:buNone/>
-            </a:pPr>
-            <a:r>
-              <a:rPr lang="es-ES_tradnl" sz="2000" dirty="0"/>
-              <a:t> </a:t>
-            </a:r>
-          </a:p>
-          <a:p>
-            <a:pPr marL="0" indent="0">
-              <a:buNone/>
-            </a:pPr>
-            <a:r>
-              <a:rPr lang="es-ES_tradnl" sz="2000" dirty="0" err="1"/>
-              <a:t>class</a:t>
-            </a:r>
-            <a:r>
-              <a:rPr lang="es-ES_tradnl" sz="2000" dirty="0"/>
-              <a:t> </a:t>
-            </a:r>
-            <a:r>
-              <a:rPr lang="es-ES_tradnl" sz="2000" dirty="0" err="1"/>
-              <a:t>Tandem</a:t>
-            </a:r>
-            <a:r>
-              <a:rPr lang="es-ES_tradnl" sz="2000" dirty="0"/>
-              <a:t> &lt; Bicicleta</a:t>
-            </a:r>
-          </a:p>
-          <a:p>
-            <a:pPr marL="0" indent="0">
-              <a:buNone/>
-            </a:pPr>
-            <a:r>
-              <a:rPr lang="es-ES_tradnl" sz="2000" dirty="0"/>
-              <a:t>  </a:t>
-            </a:r>
-            <a:r>
-              <a:rPr lang="es-ES_tradnl" sz="2000" dirty="0" err="1"/>
-              <a:t>def</a:t>
-            </a:r>
-            <a:r>
-              <a:rPr lang="es-ES_tradnl" sz="2000" dirty="0"/>
-              <a:t> </a:t>
-            </a:r>
-            <a:r>
-              <a:rPr lang="es-ES_tradnl" sz="2000" dirty="0" err="1"/>
-              <a:t>initialize</a:t>
-            </a:r>
-            <a:r>
-              <a:rPr lang="es-ES_tradnl" sz="2000" dirty="0"/>
-              <a:t>(marchas)</a:t>
-            </a:r>
-          </a:p>
-          <a:p>
-            <a:pPr marL="0" indent="0">
-              <a:buNone/>
-            </a:pPr>
-            <a:r>
-              <a:rPr lang="es-ES_tradnl" sz="2000" dirty="0"/>
-              <a:t>    </a:t>
-            </a:r>
-            <a:r>
-              <a:rPr lang="es-ES_tradnl" sz="2000" dirty="0" err="1"/>
-              <a:t>super</a:t>
-            </a:r>
-            <a:endParaRPr lang="es-ES_tradnl" sz="2000" dirty="0"/>
-          </a:p>
-          <a:p>
-            <a:pPr marL="0" indent="0">
-              <a:buNone/>
-            </a:pPr>
-            <a:r>
-              <a:rPr lang="es-ES_tradnl" sz="2000" dirty="0"/>
-              <a:t>    @asientos = 2</a:t>
-            </a:r>
-          </a:p>
-          <a:p>
-            <a:pPr marL="0" indent="0">
-              <a:buNone/>
-            </a:pPr>
-            <a:r>
-              <a:rPr lang="es-ES_tradnl" sz="2000" dirty="0"/>
-              <a:t>  </a:t>
-            </a:r>
-            <a:r>
-              <a:rPr lang="es-ES_tradnl" sz="2000" dirty="0" err="1"/>
-              <a:t>end</a:t>
-            </a:r>
-            <a:endParaRPr lang="es-ES_tradnl" sz="2000" dirty="0"/>
-          </a:p>
-          <a:p>
-            <a:pPr marL="0" indent="0">
-              <a:buNone/>
-            </a:pPr>
-            <a:r>
-              <a:rPr lang="es-ES_tradnl" sz="2000" dirty="0" err="1" smtClean="0"/>
-              <a:t>end</a:t>
-            </a:r>
-            <a:endParaRPr lang="es-ES_tradnl" sz="2000" dirty="0"/>
-          </a:p>
-        </p:txBody>
-      </p:sp>
-      <p:sp>
-        <p:nvSpPr>
-          <p:cNvPr id="4" name="1 Título"/>
-          <p:cNvSpPr txBox="1">
-            <a:spLocks/>
-          </p:cNvSpPr>
-          <p:nvPr/>
-        </p:nvSpPr>
-        <p:spPr bwMode="auto">
-          <a:xfrm>
-            <a:off x="457200" y="-171450"/>
-            <a:ext cx="8229600" cy="1143000"/>
-          </a:xfrm>
-          <a:prstGeom prst="rect">
-            <a:avLst/>
-          </a:prstGeom>
-          <a:noFill/>
-          <a:ln>
-            <a:noFill/>
-          </a:ln>
-          <a:extLst>
-            <a:ext uri="{909E8E84-426E-40dd-AFC4-6F175D3DCCD1}">
-              <a14:hiddenFill xmlns:a14="http://schemas.microsoft.com/office/drawing/2010/main">
-                <a:solidFill>
-                  <a:srgbClr val="FFFFFF"/>
-                </a:solidFill>
-              </a14:hiddenFill>
-            </a:ext>
-            <a:ext uri="{91240B29-F687-4f45-9708-019B960494DF}">
-              <a14:hiddenLine xmlns:a14="http://schemas.microsoft.com/office/drawing/2010/main" w="9525">
-                <a:solidFill>
-                  <a:srgbClr val="000000"/>
-                </a:solidFill>
-                <a:miter lim="800000"/>
-                <a:headEnd/>
-                <a:tailEnd/>
-              </a14:hiddenLine>
-            </a:ext>
-            <a:ext uri="{FAA26D3D-D897-4be2-8F04-BA451C77F1D7}">
-              <ma14:placeholderFlag xmlns:ma14="http://schemas.microsoft.com/office/mac/drawingml/2011/main" val="1"/>
-            </a:ext>
-          </a:extLst>
-        </p:spPr>
-        <p:txBody>
-          <a:bodyPr vert="horz" wrap="square" lIns="91440" tIns="45720" rIns="91440" bIns="45720" numCol="1" anchor="ctr" anchorCtr="0" compatLnSpc="1">
-            <a:prstTxWarp prst="textNoShape">
-              <a:avLst/>
-            </a:prstTxWarp>
-          </a:bodyPr>
-          <a:lstStyle>
-            <a:lvl1pPr algn="ctr" rtl="0" fontAlgn="base">
-              <a:spcBef>
-                <a:spcPct val="0"/>
-              </a:spcBef>
-              <a:spcAft>
-                <a:spcPct val="0"/>
-              </a:spcAft>
-              <a:defRPr sz="4400" kern="1200">
-                <a:solidFill>
-                  <a:schemeClr val="tx1"/>
-                </a:solidFill>
-                <a:latin typeface="+mj-lt"/>
-                <a:ea typeface="ＭＳ Ｐゴシック" charset="0"/>
-                <a:cs typeface="+mj-cs"/>
-              </a:defRPr>
-            </a:lvl1pPr>
-            <a:lvl2pPr algn="ctr" rtl="0" fontAlgn="base">
-              <a:spcBef>
-                <a:spcPct val="0"/>
-              </a:spcBef>
-              <a:spcAft>
-                <a:spcPct val="0"/>
-              </a:spcAft>
-              <a:defRPr sz="4400">
-                <a:solidFill>
-                  <a:schemeClr val="tx1"/>
-                </a:solidFill>
-                <a:latin typeface="Calibri" pitchFamily="34" charset="0"/>
-                <a:ea typeface="ＭＳ Ｐゴシック" charset="0"/>
-              </a:defRPr>
-            </a:lvl2pPr>
-            <a:lvl3pPr algn="ctr" rtl="0" fontAlgn="base">
-              <a:spcBef>
-                <a:spcPct val="0"/>
-              </a:spcBef>
-              <a:spcAft>
-                <a:spcPct val="0"/>
-              </a:spcAft>
-              <a:defRPr sz="4400">
-                <a:solidFill>
-                  <a:schemeClr val="tx1"/>
-                </a:solidFill>
-                <a:latin typeface="Calibri" pitchFamily="34" charset="0"/>
-                <a:ea typeface="ＭＳ Ｐゴシック" charset="0"/>
-              </a:defRPr>
-            </a:lvl3pPr>
-            <a:lvl4pPr algn="ctr" rtl="0" fontAlgn="base">
-              <a:spcBef>
-                <a:spcPct val="0"/>
-              </a:spcBef>
-              <a:spcAft>
-                <a:spcPct val="0"/>
-              </a:spcAft>
-              <a:defRPr sz="4400">
-                <a:solidFill>
-                  <a:schemeClr val="tx1"/>
-                </a:solidFill>
-                <a:latin typeface="Calibri" pitchFamily="34" charset="0"/>
-                <a:ea typeface="ＭＳ Ｐゴシック" charset="0"/>
-              </a:defRPr>
-            </a:lvl4pPr>
-            <a:lvl5pPr algn="ctr" rtl="0" fontAlgn="base">
-              <a:spcBef>
-                <a:spcPct val="0"/>
-              </a:spcBef>
-              <a:spcAft>
-                <a:spcPct val="0"/>
-              </a:spcAft>
-              <a:defRPr sz="4400">
-                <a:solidFill>
-                  <a:schemeClr val="tx1"/>
-                </a:solidFill>
-                <a:latin typeface="Calibri" pitchFamily="34" charset="0"/>
-                <a:ea typeface="ＭＳ Ｐゴシック" charset="0"/>
-              </a:defRPr>
-            </a:lvl5pPr>
-            <a:lvl6pPr marL="457200" algn="ctr" rtl="0" eaLnBrk="1" fontAlgn="base" hangingPunct="1">
-              <a:spcBef>
-                <a:spcPct val="0"/>
-              </a:spcBef>
-              <a:spcAft>
-                <a:spcPct val="0"/>
-              </a:spcAft>
-              <a:defRPr sz="4400">
-                <a:solidFill>
-                  <a:schemeClr val="tx1"/>
-                </a:solidFill>
-                <a:latin typeface="Calibri" pitchFamily="34" charset="0"/>
-              </a:defRPr>
-            </a:lvl6pPr>
-            <a:lvl7pPr marL="914400" algn="ctr" rtl="0" eaLnBrk="1" fontAlgn="base" hangingPunct="1">
-              <a:spcBef>
-                <a:spcPct val="0"/>
-              </a:spcBef>
-              <a:spcAft>
-                <a:spcPct val="0"/>
-              </a:spcAft>
-              <a:defRPr sz="4400">
-                <a:solidFill>
-                  <a:schemeClr val="tx1"/>
-                </a:solidFill>
-                <a:latin typeface="Calibri" pitchFamily="34" charset="0"/>
-              </a:defRPr>
-            </a:lvl7pPr>
-            <a:lvl8pPr marL="1371600" algn="ctr" rtl="0" eaLnBrk="1" fontAlgn="base" hangingPunct="1">
-              <a:spcBef>
-                <a:spcPct val="0"/>
-              </a:spcBef>
-              <a:spcAft>
-                <a:spcPct val="0"/>
-              </a:spcAft>
-              <a:defRPr sz="4400">
-                <a:solidFill>
-                  <a:schemeClr val="tx1"/>
-                </a:solidFill>
-                <a:latin typeface="Calibri" pitchFamily="34" charset="0"/>
-              </a:defRPr>
-            </a:lvl8pPr>
-            <a:lvl9pPr marL="1828800" algn="ctr" rtl="0" eaLnBrk="1" fontAlgn="base" hangingPunct="1">
-              <a:spcBef>
-                <a:spcPct val="0"/>
-              </a:spcBef>
-              <a:spcAft>
-                <a:spcPct val="0"/>
-              </a:spcAft>
-              <a:defRPr sz="4400">
-                <a:solidFill>
-                  <a:schemeClr val="tx1"/>
-                </a:solidFill>
-                <a:latin typeface="Calibri" pitchFamily="34" charset="0"/>
-              </a:defRPr>
-            </a:lvl9pPr>
-          </a:lstStyle>
-          <a:p>
-            <a:r>
-              <a:rPr lang="es-CR" dirty="0" smtClean="0">
-                <a:latin typeface="Calibri" charset="0"/>
-              </a:rPr>
-              <a:t>Clases: Herencia </a:t>
-            </a:r>
-            <a:r>
-              <a:rPr lang="es-CR" sz="2000" dirty="0" smtClean="0">
-                <a:latin typeface="Calibri" charset="0"/>
-              </a:rPr>
-              <a:t>(2/2)</a:t>
-            </a:r>
-            <a:endParaRPr lang="es-CR" dirty="0">
-              <a:latin typeface="Calibri" charset="0"/>
-            </a:endParaRPr>
-          </a:p>
-        </p:txBody>
-      </p:sp>
-      <p:sp>
-        <p:nvSpPr>
-          <p:cNvPr id="5" name="Rectángulo 4"/>
-          <p:cNvSpPr/>
-          <p:nvPr/>
-        </p:nvSpPr>
-        <p:spPr>
-          <a:xfrm>
-            <a:off x="5220072" y="1196752"/>
-            <a:ext cx="2376264" cy="3277820"/>
-          </a:xfrm>
-          <a:prstGeom prst="rect">
-            <a:avLst/>
-          </a:prstGeom>
-        </p:spPr>
-        <p:txBody>
-          <a:bodyPr wrap="square">
-            <a:spAutoFit/>
-          </a:bodyPr>
-          <a:lstStyle/>
-          <a:p>
-            <a:pPr>
-              <a:lnSpc>
-                <a:spcPct val="130000"/>
-              </a:lnSpc>
-            </a:pPr>
-            <a:r>
-              <a:rPr lang="es-ES_tradnl" sz="2000" dirty="0"/>
-              <a:t> </a:t>
-            </a:r>
-            <a:r>
-              <a:rPr lang="es-ES_tradnl" sz="2000" dirty="0" smtClean="0"/>
-              <a:t>t </a:t>
-            </a:r>
-            <a:r>
-              <a:rPr lang="es-ES_tradnl" sz="2000" dirty="0"/>
-              <a:t>= </a:t>
-            </a:r>
-            <a:r>
-              <a:rPr lang="es-ES_tradnl" sz="2000" dirty="0" err="1"/>
-              <a:t>Tandem.new</a:t>
-            </a:r>
-            <a:r>
-              <a:rPr lang="es-ES_tradnl" sz="2000" dirty="0"/>
-              <a:t>(2)</a:t>
-            </a:r>
-          </a:p>
-          <a:p>
-            <a:pPr>
-              <a:lnSpc>
-                <a:spcPct val="130000"/>
-              </a:lnSpc>
-            </a:pPr>
-            <a:r>
-              <a:rPr lang="es-ES_tradnl" sz="2000" dirty="0" err="1"/>
-              <a:t>puts</a:t>
-            </a:r>
-            <a:r>
-              <a:rPr lang="es-ES_tradnl" sz="2000" dirty="0"/>
-              <a:t> </a:t>
-            </a:r>
-            <a:r>
-              <a:rPr lang="es-ES_tradnl" sz="2000" dirty="0" err="1"/>
-              <a:t>t.marchas</a:t>
-            </a:r>
-            <a:endParaRPr lang="es-ES_tradnl" sz="2000" dirty="0"/>
-          </a:p>
-          <a:p>
-            <a:pPr>
-              <a:lnSpc>
-                <a:spcPct val="130000"/>
-              </a:lnSpc>
-            </a:pPr>
-            <a:r>
-              <a:rPr lang="es-ES_tradnl" sz="2000" dirty="0" err="1"/>
-              <a:t>puts</a:t>
-            </a:r>
-            <a:r>
-              <a:rPr lang="es-ES_tradnl" sz="2000" dirty="0"/>
-              <a:t> </a:t>
-            </a:r>
-            <a:r>
-              <a:rPr lang="es-ES_tradnl" sz="2000" dirty="0" err="1"/>
-              <a:t>t.ruedas</a:t>
-            </a:r>
-            <a:endParaRPr lang="es-ES_tradnl" sz="2000" dirty="0"/>
-          </a:p>
-          <a:p>
-            <a:pPr>
-              <a:lnSpc>
-                <a:spcPct val="130000"/>
-              </a:lnSpc>
-            </a:pPr>
-            <a:r>
-              <a:rPr lang="es-ES_tradnl" sz="2000" dirty="0" err="1"/>
-              <a:t>puts</a:t>
-            </a:r>
-            <a:r>
-              <a:rPr lang="es-ES_tradnl" sz="2000" dirty="0"/>
-              <a:t> </a:t>
-            </a:r>
-            <a:r>
-              <a:rPr lang="es-ES_tradnl" sz="2000" dirty="0" err="1"/>
-              <a:t>t.asientos</a:t>
-            </a:r>
-            <a:endParaRPr lang="es-ES_tradnl" sz="2000" dirty="0"/>
-          </a:p>
-          <a:p>
-            <a:pPr>
-              <a:lnSpc>
-                <a:spcPct val="130000"/>
-              </a:lnSpc>
-            </a:pPr>
-            <a:r>
-              <a:rPr lang="es-ES_tradnl" sz="2000" dirty="0"/>
-              <a:t>b = </a:t>
-            </a:r>
-            <a:r>
-              <a:rPr lang="es-ES_tradnl" sz="2000" dirty="0" err="1"/>
-              <a:t>Bicicleta.new</a:t>
-            </a:r>
-            <a:endParaRPr lang="es-ES_tradnl" sz="2000" dirty="0"/>
-          </a:p>
-          <a:p>
-            <a:pPr>
-              <a:lnSpc>
-                <a:spcPct val="130000"/>
-              </a:lnSpc>
-            </a:pPr>
-            <a:r>
-              <a:rPr lang="es-ES_tradnl" sz="2000" dirty="0" err="1"/>
-              <a:t>puts</a:t>
-            </a:r>
-            <a:r>
-              <a:rPr lang="es-ES_tradnl" sz="2000" dirty="0"/>
-              <a:t> </a:t>
-            </a:r>
-            <a:r>
-              <a:rPr lang="es-ES_tradnl" sz="2000" dirty="0" err="1"/>
-              <a:t>b.marchas</a:t>
-            </a:r>
-            <a:endParaRPr lang="es-ES_tradnl" sz="2000" dirty="0"/>
-          </a:p>
-          <a:p>
-            <a:pPr>
-              <a:lnSpc>
-                <a:spcPct val="130000"/>
-              </a:lnSpc>
-            </a:pPr>
-            <a:r>
-              <a:rPr lang="es-ES_tradnl" sz="2000" dirty="0" err="1"/>
-              <a:t>puts</a:t>
-            </a:r>
-            <a:r>
-              <a:rPr lang="es-ES_tradnl" sz="2000" dirty="0"/>
-              <a:t> </a:t>
-            </a:r>
-            <a:r>
-              <a:rPr lang="es-ES_tradnl" sz="2000" dirty="0" err="1"/>
-              <a:t>b.ruedas</a:t>
-            </a:r>
-            <a:endParaRPr lang="es-ES_tradnl" sz="2000" dirty="0"/>
-          </a:p>
-          <a:p>
-            <a:pPr>
-              <a:lnSpc>
-                <a:spcPct val="130000"/>
-              </a:lnSpc>
-            </a:pPr>
-            <a:r>
-              <a:rPr lang="es-ES_tradnl" sz="2000" dirty="0" err="1"/>
-              <a:t>puts</a:t>
-            </a:r>
-            <a:r>
-              <a:rPr lang="es-ES_tradnl" sz="2000" dirty="0"/>
-              <a:t> </a:t>
-            </a:r>
-            <a:r>
-              <a:rPr lang="es-ES_tradnl" sz="2000" dirty="0" err="1"/>
-              <a:t>b.asientos</a:t>
-            </a:r>
-            <a:endParaRPr lang="es-ES_tradnl" sz="2000" dirty="0"/>
-          </a:p>
-        </p:txBody>
-      </p:sp>
-    </p:spTree>
-    <p:extLst>
-      <p:ext uri="{BB962C8B-B14F-4D97-AF65-F5344CB8AC3E}">
-        <p14:creationId xmlns:p14="http://schemas.microsoft.com/office/powerpoint/2010/main" val="2445069484"/>
-      </p:ext>
-    </p:extLst>
-  </p:cSld>
-  <p:clrMapOvr>
-    <a:masterClrMapping/>
-  </p:clrMapOvr>
-</p:sld>
-</file>
-
-<file path=ppt/slides/slide55.xml><?xml version="1.0" encoding="utf-8"?>
-<p:sld xmlns:a="http://schemas.openxmlformats.org/drawingml/2006/main" xmlns:r="http://schemas.openxmlformats.org/officeDocument/2006/relationships" xmlns:p="http://schemas.openxmlformats.org/presentationml/2006/main">
-  <p:cSld>
-    <p:spTree>
-      <p:nvGrpSpPr>
-        <p:cNvPr id="1" name=""/>
-        <p:cNvGrpSpPr/>
-        <p:nvPr/>
-      </p:nvGrpSpPr>
-      <p:grpSpPr>
-        <a:xfrm>
-          <a:off x="0" y="0"/>
-          <a:ext cx="0" cy="0"/>
-          <a:chOff x="0" y="0"/>
-          <a:chExt cx="0" cy="0"/>
-        </a:xfrm>
-      </p:grpSpPr>
-      <p:sp>
-        <p:nvSpPr>
-          <p:cNvPr id="13314" name="1 Título"/>
-          <p:cNvSpPr>
-            <a:spLocks noGrp="1"/>
-          </p:cNvSpPr>
-          <p:nvPr>
-            <p:ph type="title"/>
-          </p:nvPr>
-        </p:nvSpPr>
-        <p:spPr>
-          <a:xfrm>
-            <a:off x="457200" y="-171450"/>
-            <a:ext cx="8229600" cy="1143000"/>
-          </a:xfrm>
-        </p:spPr>
-        <p:txBody>
-          <a:bodyPr/>
-          <a:lstStyle/>
-          <a:p>
-            <a:r>
-              <a:rPr lang="es-CR" dirty="0" smtClean="0">
-                <a:latin typeface="Calibri" charset="0"/>
-              </a:rPr>
-              <a:t>Clases: Modificar clase</a:t>
-            </a:r>
-            <a:endParaRPr lang="es-CR" dirty="0">
-              <a:latin typeface="Calibri" charset="0"/>
-            </a:endParaRPr>
-          </a:p>
-        </p:txBody>
-      </p:sp>
-      <p:sp>
-        <p:nvSpPr>
-          <p:cNvPr id="13315" name="2 Marcador de contenido"/>
-          <p:cNvSpPr>
-            <a:spLocks noGrp="1"/>
-          </p:cNvSpPr>
-          <p:nvPr>
-            <p:ph idx="1"/>
-          </p:nvPr>
-        </p:nvSpPr>
-        <p:spPr>
-          <a:xfrm>
-            <a:off x="457200" y="1268413"/>
-            <a:ext cx="8229600" cy="2736651"/>
-          </a:xfrm>
-        </p:spPr>
-        <p:txBody>
-          <a:bodyPr/>
-          <a:lstStyle/>
-          <a:p>
-            <a:r>
-              <a:rPr lang="es-CR" dirty="0">
-                <a:latin typeface="Calibri" charset="0"/>
-              </a:rPr>
-              <a:t>En Ruby, las clases nunca están cerradas: siempre se pueden añadir </a:t>
-            </a:r>
-            <a:r>
-              <a:rPr lang="es-CR" dirty="0" smtClean="0">
-                <a:latin typeface="Calibri" charset="0"/>
-              </a:rPr>
-              <a:t>métodos.</a:t>
-            </a:r>
-          </a:p>
-          <a:p>
-            <a:r>
-              <a:rPr lang="es-CR" dirty="0" smtClean="0">
-                <a:latin typeface="Calibri" charset="0"/>
-              </a:rPr>
-              <a:t>Nada más hay q continuar con la declaración de la clase.</a:t>
-            </a:r>
-          </a:p>
-          <a:p>
-            <a:pPr marL="0" indent="0">
-              <a:buNone/>
-            </a:pPr>
-            <a:endParaRPr lang="es-CR" dirty="0" smtClean="0">
-              <a:latin typeface="Calibri" charset="0"/>
-            </a:endParaRPr>
-          </a:p>
-        </p:txBody>
-      </p:sp>
-      <p:sp>
-        <p:nvSpPr>
-          <p:cNvPr id="2" name="Rectángulo 1"/>
-          <p:cNvSpPr/>
-          <p:nvPr/>
-        </p:nvSpPr>
-        <p:spPr>
-          <a:xfrm>
-            <a:off x="2843808" y="3645024"/>
-            <a:ext cx="4572000" cy="2862322"/>
-          </a:xfrm>
-          <a:prstGeom prst="rect">
-            <a:avLst/>
-          </a:prstGeom>
-        </p:spPr>
-        <p:txBody>
-          <a:bodyPr>
-            <a:spAutoFit/>
-          </a:bodyPr>
-          <a:lstStyle/>
-          <a:p>
-            <a:r>
-              <a:rPr lang="es-ES_tradnl" sz="2000" dirty="0" err="1"/>
-              <a:t>class</a:t>
-            </a:r>
-            <a:r>
-              <a:rPr lang="es-ES_tradnl" sz="2000" dirty="0"/>
-              <a:t> </a:t>
-            </a:r>
-            <a:r>
-              <a:rPr lang="es-ES_tradnl" sz="2000" dirty="0" err="1"/>
-              <a:t>String</a:t>
-            </a:r>
-            <a:r>
-              <a:rPr lang="es-ES_tradnl" sz="2000" dirty="0"/>
-              <a:t>  </a:t>
-            </a:r>
-          </a:p>
-          <a:p>
-            <a:r>
-              <a:rPr lang="es-ES_tradnl" sz="2000" dirty="0"/>
-              <a:t>  </a:t>
-            </a:r>
-            <a:r>
-              <a:rPr lang="es-ES_tradnl" sz="2000" dirty="0" err="1"/>
-              <a:t>def</a:t>
-            </a:r>
-            <a:r>
-              <a:rPr lang="es-ES_tradnl" sz="2000" dirty="0"/>
-              <a:t> </a:t>
-            </a:r>
-            <a:r>
-              <a:rPr lang="es-ES_tradnl" sz="2000" dirty="0" err="1"/>
-              <a:t>num_caracteres</a:t>
-            </a:r>
-            <a:endParaRPr lang="es-ES_tradnl" sz="2000" dirty="0"/>
-          </a:p>
-          <a:p>
-            <a:r>
-              <a:rPr lang="es-ES_tradnl" sz="2000" dirty="0"/>
-              <a:t>    </a:t>
-            </a:r>
-            <a:r>
-              <a:rPr lang="es-ES_tradnl" sz="2000" dirty="0" err="1"/>
-              <a:t>puts</a:t>
-            </a:r>
-            <a:r>
-              <a:rPr lang="es-ES_tradnl" sz="2000" dirty="0"/>
-              <a:t> </a:t>
-            </a:r>
-            <a:r>
-              <a:rPr lang="es-ES_tradnl" sz="2000" dirty="0" err="1"/>
-              <a:t>self.size</a:t>
-            </a:r>
-            <a:r>
-              <a:rPr lang="es-ES_tradnl" sz="2000" dirty="0"/>
-              <a:t>  </a:t>
-            </a:r>
-          </a:p>
-          <a:p>
-            <a:r>
-              <a:rPr lang="es-ES_tradnl" sz="2000" dirty="0"/>
-              <a:t>  </a:t>
-            </a:r>
-            <a:r>
-              <a:rPr lang="es-ES_tradnl" sz="2000" dirty="0" err="1"/>
-              <a:t>end</a:t>
-            </a:r>
-            <a:r>
-              <a:rPr lang="es-ES_tradnl" sz="2000" dirty="0"/>
-              <a:t>  </a:t>
-            </a:r>
-          </a:p>
-          <a:p>
-            <a:r>
-              <a:rPr lang="es-ES_tradnl" sz="2000" dirty="0" err="1"/>
-              <a:t>end</a:t>
-            </a:r>
-            <a:r>
-              <a:rPr lang="es-ES_tradnl" sz="2000" dirty="0"/>
-              <a:t>  </a:t>
-            </a:r>
-          </a:p>
-          <a:p>
-            <a:r>
-              <a:rPr lang="es-ES_tradnl" sz="2000" dirty="0"/>
-              <a:t> </a:t>
-            </a:r>
-          </a:p>
-          <a:p>
-            <a:r>
-              <a:rPr lang="es-ES_tradnl" sz="2000" dirty="0"/>
-              <a:t>texto = 'Cielo empedrado, suelo mojado'</a:t>
-            </a:r>
-          </a:p>
-          <a:p>
-            <a:r>
-              <a:rPr lang="es-ES_tradnl" sz="2000" dirty="0" err="1"/>
-              <a:t>texto.num_caracteres</a:t>
-            </a:r>
-            <a:endParaRPr lang="es-ES_tradnl" sz="2000" dirty="0"/>
-          </a:p>
-        </p:txBody>
-      </p:sp>
-    </p:spTree>
-    <p:extLst>
-      <p:ext uri="{BB962C8B-B14F-4D97-AF65-F5344CB8AC3E}">
-        <p14:creationId xmlns:p14="http://schemas.microsoft.com/office/powerpoint/2010/main" val="2354428667"/>
-      </p:ext>
-    </p:extLst>
-  </p:cSld>
-  <p:clrMapOvr>
-    <a:masterClrMapping/>
-  </p:clrMapOvr>
-  <p:timing>
-    <p:tnLst>
-      <p:par>
-        <p:cTn xmlns:p14="http://schemas.microsoft.com/office/powerpoint/2010/main" id="1" dur="indefinite" restart="never" nodeType="tmRoot"/>
-      </p:par>
-    </p:tnLst>
-  </p:timing>
-</p:sld>
-</file>
-
-<file path=ppt/slides/slide56.xml><?xml version="1.0" encoding="utf-8"?>
-<p:sld xmlns:a="http://schemas.openxmlformats.org/drawingml/2006/main" xmlns:r="http://schemas.openxmlformats.org/officeDocument/2006/relationships" xmlns:p="http://schemas.openxmlformats.org/presentationml/2006/main">
-  <p:cSld>
-    <p:spTree>
-      <p:nvGrpSpPr>
-        <p:cNvPr id="1" name=""/>
-        <p:cNvGrpSpPr/>
-        <p:nvPr/>
-      </p:nvGrpSpPr>
-      <p:grpSpPr>
-        <a:xfrm>
-          <a:off x="0" y="0"/>
-          <a:ext cx="0" cy="0"/>
-          <a:chOff x="0" y="0"/>
-          <a:chExt cx="0" cy="0"/>
-        </a:xfrm>
-      </p:grpSpPr>
-      <p:sp>
-        <p:nvSpPr>
-          <p:cNvPr id="13314" name="1 Título"/>
-          <p:cNvSpPr>
-            <a:spLocks noGrp="1"/>
-          </p:cNvSpPr>
-          <p:nvPr>
-            <p:ph type="title"/>
-          </p:nvPr>
-        </p:nvSpPr>
-        <p:spPr>
-          <a:xfrm>
-            <a:off x="457200" y="-171450"/>
-            <a:ext cx="8229600" cy="1143000"/>
-          </a:xfrm>
-        </p:spPr>
-        <p:txBody>
-          <a:bodyPr/>
-          <a:lstStyle/>
-          <a:p>
-            <a:r>
-              <a:rPr lang="es-CR" dirty="0" smtClean="0">
-                <a:latin typeface="Calibri" charset="0"/>
-              </a:rPr>
-              <a:t>Clases: Sobrecarga de métodos</a:t>
-            </a:r>
-            <a:endParaRPr lang="es-CR" dirty="0">
-              <a:latin typeface="Calibri" charset="0"/>
-            </a:endParaRPr>
-          </a:p>
-        </p:txBody>
-      </p:sp>
-      <p:sp>
-        <p:nvSpPr>
-          <p:cNvPr id="13315" name="2 Marcador de contenido"/>
-          <p:cNvSpPr>
-            <a:spLocks noGrp="1"/>
-          </p:cNvSpPr>
-          <p:nvPr>
-            <p:ph idx="1"/>
-          </p:nvPr>
-        </p:nvSpPr>
-        <p:spPr>
-          <a:xfrm>
-            <a:off x="457200" y="1268413"/>
-            <a:ext cx="8229600" cy="4525962"/>
-          </a:xfrm>
-        </p:spPr>
-        <p:txBody>
-          <a:bodyPr/>
-          <a:lstStyle/>
-          <a:p>
-            <a:r>
-              <a:rPr lang="es-CR" dirty="0" smtClean="0">
-                <a:latin typeface="Calibri" charset="0"/>
-              </a:rPr>
-              <a:t>En Ruby la sobrecarga no es tan fácil de hacer pues sólo se puede </a:t>
-            </a:r>
-            <a:r>
-              <a:rPr lang="es-CR" dirty="0">
-                <a:latin typeface="Calibri" charset="0"/>
-              </a:rPr>
-              <a:t>tener un método con un nombre dado. </a:t>
-            </a:r>
-            <a:endParaRPr lang="es-CR" dirty="0" smtClean="0">
-              <a:latin typeface="Calibri" charset="0"/>
-            </a:endParaRPr>
-          </a:p>
-          <a:p>
-            <a:r>
-              <a:rPr lang="es-CR" dirty="0" smtClean="0">
-                <a:latin typeface="Calibri" charset="0"/>
-              </a:rPr>
-              <a:t>Para </a:t>
-            </a:r>
-            <a:r>
-              <a:rPr lang="es-CR" dirty="0">
-                <a:latin typeface="Calibri" charset="0"/>
-              </a:rPr>
-              <a:t>tener métodos "distintos" con el mismo nombre, se puede jugar con el número de </a:t>
-            </a:r>
-            <a:r>
-              <a:rPr lang="es-CR" dirty="0" smtClean="0">
-                <a:latin typeface="Calibri" charset="0"/>
-              </a:rPr>
-              <a:t>argumentos o utilizar la técnica de “Duck Typing”.</a:t>
-            </a:r>
-          </a:p>
-        </p:txBody>
-      </p:sp>
-    </p:spTree>
-    <p:extLst>
-      <p:ext uri="{BB962C8B-B14F-4D97-AF65-F5344CB8AC3E}">
-        <p14:creationId xmlns:p14="http://schemas.microsoft.com/office/powerpoint/2010/main" val="3744184976"/>
-      </p:ext>
-    </p:extLst>
-  </p:cSld>
-  <p:clrMapOvr>
-    <a:masterClrMapping/>
-  </p:clrMapOvr>
-  <p:timing>
-    <p:tnLst>
-      <p:par>
-        <p:cTn xmlns:p14="http://schemas.microsoft.com/office/powerpoint/2010/main" id="1" dur="indefinite" restart="never" nodeType="tmRoot"/>
-      </p:par>
-    </p:tnLst>
-  </p:timing>
-</p:sld>
-</file>
-
-<file path=ppt/slides/slide57.xml><?xml version="1.0" encoding="utf-8"?>
-<p:sld xmlns:a="http://schemas.openxmlformats.org/drawingml/2006/main" xmlns:r="http://schemas.openxmlformats.org/officeDocument/2006/relationships" xmlns:p="http://schemas.openxmlformats.org/presentationml/2006/main">
-  <p:cSld>
-    <p:spTree>
-      <p:nvGrpSpPr>
-        <p:cNvPr id="1" name=""/>
-        <p:cNvGrpSpPr/>
-        <p:nvPr/>
-      </p:nvGrpSpPr>
-      <p:grpSpPr>
-        <a:xfrm>
-          <a:off x="0" y="0"/>
-          <a:ext cx="0" cy="0"/>
-          <a:chOff x="0" y="0"/>
-          <a:chExt cx="0" cy="0"/>
-        </a:xfrm>
-      </p:grpSpPr>
-      <p:sp>
-        <p:nvSpPr>
-          <p:cNvPr id="13314" name="1 Título"/>
-          <p:cNvSpPr>
-            <a:spLocks noGrp="1"/>
-          </p:cNvSpPr>
-          <p:nvPr>
-            <p:ph type="title"/>
-          </p:nvPr>
-        </p:nvSpPr>
-        <p:spPr>
-          <a:xfrm>
-            <a:off x="457200" y="-171450"/>
-            <a:ext cx="8229600" cy="1143000"/>
-          </a:xfrm>
-        </p:spPr>
-        <p:txBody>
-          <a:bodyPr/>
-          <a:lstStyle/>
-          <a:p>
-            <a:r>
-              <a:rPr lang="es-CR" dirty="0" smtClean="0">
-                <a:latin typeface="Calibri" charset="0"/>
-              </a:rPr>
-              <a:t>Clases: Congelar un objeto</a:t>
-            </a:r>
-            <a:endParaRPr lang="es-CR" dirty="0">
-              <a:latin typeface="Calibri" charset="0"/>
-            </a:endParaRPr>
-          </a:p>
-        </p:txBody>
-      </p:sp>
-      <p:sp>
-        <p:nvSpPr>
-          <p:cNvPr id="13315" name="2 Marcador de contenido"/>
-          <p:cNvSpPr>
-            <a:spLocks noGrp="1"/>
-          </p:cNvSpPr>
-          <p:nvPr>
-            <p:ph idx="1"/>
-          </p:nvPr>
-        </p:nvSpPr>
-        <p:spPr>
-          <a:xfrm>
-            <a:off x="457200" y="1268413"/>
-            <a:ext cx="8229600" cy="4525962"/>
-          </a:xfrm>
-        </p:spPr>
-        <p:txBody>
-          <a:bodyPr/>
-          <a:lstStyle/>
-          <a:p>
-            <a:r>
-              <a:rPr lang="es-CR" dirty="0" smtClean="0">
-                <a:latin typeface="Calibri" charset="0"/>
-              </a:rPr>
-              <a:t>En Ruby se puede “congelar” un objeto, de modo que éste no pueda ser modificado posteriormente.</a:t>
-            </a:r>
-          </a:p>
-          <a:p>
-            <a:r>
-              <a:rPr lang="es-CR" dirty="0" smtClean="0">
-                <a:latin typeface="Calibri" charset="0"/>
-              </a:rPr>
-              <a:t>Para ello se usa “freeze”, lo que lo deja en el estado inmutable, siendo la única forma de quitar ese estado re-crear el objeto o duplicarlo (puede ser en el mismo nombre de variable).</a:t>
-            </a:r>
-          </a:p>
-          <a:p>
-            <a:r>
-              <a:rPr lang="es-CR" dirty="0" smtClean="0">
-                <a:latin typeface="Calibri" charset="0"/>
-              </a:rPr>
-              <a:t>Si se intenta modificar el objeto, se obtiene una excepción</a:t>
-            </a:r>
-          </a:p>
-        </p:txBody>
-      </p:sp>
-    </p:spTree>
-    <p:extLst>
-      <p:ext uri="{BB962C8B-B14F-4D97-AF65-F5344CB8AC3E}">
-        <p14:creationId xmlns:p14="http://schemas.microsoft.com/office/powerpoint/2010/main" val="217696223"/>
-      </p:ext>
-    </p:extLst>
-  </p:cSld>
-  <p:clrMapOvr>
-    <a:masterClrMapping/>
-  </p:clrMapOvr>
-  <p:timing>
-    <p:tnLst>
-      <p:par>
-        <p:cTn xmlns:p14="http://schemas.microsoft.com/office/powerpoint/2010/main" id="1" dur="indefinite" restart="never" nodeType="tmRoot"/>
-      </p:par>
-    </p:tnLst>
-  </p:timing>
-</p:sld>
-</file>
-
-<file path=ppt/slides/slide58.xml><?xml version="1.0" encoding="utf-8"?>
-<p:sld xmlns:a="http://schemas.openxmlformats.org/drawingml/2006/main" xmlns:r="http://schemas.openxmlformats.org/officeDocument/2006/relationships" xmlns:p="http://schemas.openxmlformats.org/presentationml/2006/main">
-  <p:cSld>
-    <p:spTree>
-      <p:nvGrpSpPr>
-        <p:cNvPr id="1" name=""/>
-        <p:cNvGrpSpPr/>
-        <p:nvPr/>
-      </p:nvGrpSpPr>
-      <p:grpSpPr>
-        <a:xfrm>
-          <a:off x="0" y="0"/>
-          <a:ext cx="0" cy="0"/>
-          <a:chOff x="0" y="0"/>
-          <a:chExt cx="0" cy="0"/>
-        </a:xfrm>
-      </p:grpSpPr>
-      <p:sp>
-        <p:nvSpPr>
-          <p:cNvPr id="13314" name="1 Título"/>
-          <p:cNvSpPr>
-            <a:spLocks noGrp="1"/>
-          </p:cNvSpPr>
-          <p:nvPr>
-            <p:ph type="title"/>
-          </p:nvPr>
-        </p:nvSpPr>
-        <p:spPr>
-          <a:xfrm>
-            <a:off x="457200" y="-171450"/>
-            <a:ext cx="8229600" cy="1143000"/>
-          </a:xfrm>
-        </p:spPr>
-        <p:txBody>
-          <a:bodyPr/>
-          <a:lstStyle/>
-          <a:p>
-            <a:r>
-              <a:rPr lang="es-CR" dirty="0" smtClean="0">
-                <a:latin typeface="Calibri" charset="0"/>
-              </a:rPr>
-              <a:t>Clases: Duplicar un objeto</a:t>
-            </a:r>
-            <a:endParaRPr lang="es-CR" dirty="0">
-              <a:latin typeface="Calibri" charset="0"/>
-            </a:endParaRPr>
-          </a:p>
-        </p:txBody>
-      </p:sp>
-      <p:sp>
-        <p:nvSpPr>
-          <p:cNvPr id="13315" name="2 Marcador de contenido"/>
-          <p:cNvSpPr>
-            <a:spLocks noGrp="1"/>
-          </p:cNvSpPr>
-          <p:nvPr>
-            <p:ph idx="1"/>
-          </p:nvPr>
-        </p:nvSpPr>
-        <p:spPr>
-          <a:xfrm>
-            <a:off x="457200" y="1268413"/>
-            <a:ext cx="8229600" cy="4525962"/>
-          </a:xfrm>
-        </p:spPr>
-        <p:txBody>
-          <a:bodyPr/>
-          <a:lstStyle/>
-          <a:p>
-            <a:r>
-              <a:rPr lang="es-CR" dirty="0" smtClean="0">
-                <a:latin typeface="Calibri" charset="0"/>
-              </a:rPr>
-              <a:t>En Ruby se pueden ducplicar objetos utilizando 2 métodos:</a:t>
-            </a:r>
-          </a:p>
-          <a:p>
-            <a:pPr lvl="1"/>
-            <a:r>
-              <a:rPr lang="es-CR" b="1" dirty="0">
-                <a:latin typeface="Calibri" charset="0"/>
-              </a:rPr>
-              <a:t>c</a:t>
-            </a:r>
-            <a:r>
-              <a:rPr lang="es-CR" b="1" dirty="0" smtClean="0">
-                <a:latin typeface="Calibri" charset="0"/>
-              </a:rPr>
-              <a:t>lone</a:t>
-            </a:r>
-            <a:r>
-              <a:rPr lang="es-CR" dirty="0" smtClean="0">
-                <a:latin typeface="Calibri" charset="0"/>
-              </a:rPr>
-              <a:t>: literalmente clona el objeto, incluyendo los estados que tenga el objeto (por ejemplo el freeze), así como métodos agregados específicamente a la instancia del objeto.</a:t>
-            </a:r>
-          </a:p>
-          <a:p>
-            <a:pPr lvl="1"/>
-            <a:r>
-              <a:rPr lang="es-CR" b="1" dirty="0">
-                <a:latin typeface="Calibri" charset="0"/>
-              </a:rPr>
-              <a:t>d</a:t>
-            </a:r>
-            <a:r>
-              <a:rPr lang="es-CR" b="1" dirty="0" smtClean="0">
-                <a:latin typeface="Calibri" charset="0"/>
-              </a:rPr>
-              <a:t>up</a:t>
-            </a:r>
-            <a:r>
-              <a:rPr lang="es-CR" dirty="0" smtClean="0">
-                <a:latin typeface="Calibri" charset="0"/>
-              </a:rPr>
-              <a:t>: crea un objeto nuevo y comparte los valores de cada uno de los atributos existentes. Es decir, si se modifica el “duplicado”, se va  ver afectado el original.</a:t>
-            </a:r>
-          </a:p>
-        </p:txBody>
-      </p:sp>
-    </p:spTree>
-    <p:extLst>
-      <p:ext uri="{BB962C8B-B14F-4D97-AF65-F5344CB8AC3E}">
-        <p14:creationId xmlns:p14="http://schemas.microsoft.com/office/powerpoint/2010/main" val="691227138"/>
-      </p:ext>
-    </p:extLst>
-  </p:cSld>
-  <p:clrMapOvr>
-    <a:masterClrMapping/>
-  </p:clrMapOvr>
-  <p:timing>
-    <p:tnLst>
-      <p:par>
-        <p:cTn xmlns:p14="http://schemas.microsoft.com/office/powerpoint/2010/main" id="1" dur="indefinite" restart="never" nodeType="tmRoot"/>
-      </p:par>
-    </p:tnLst>
-  </p:timing>
-</p:sld>
-</file>
-
-<file path=ppt/slides/slide59.xml><?xml version="1.0" encoding="utf-8"?>
-<p:sld xmlns:a="http://schemas.openxmlformats.org/drawingml/2006/main" xmlns:r="http://schemas.openxmlformats.org/officeDocument/2006/relationships" xmlns:p="http://schemas.openxmlformats.org/presentationml/2006/main">
-  <p:cSld>
-    <p:spTree>
-      <p:nvGrpSpPr>
-        <p:cNvPr id="1" name=""/>
-        <p:cNvGrpSpPr/>
-        <p:nvPr/>
-      </p:nvGrpSpPr>
-      <p:grpSpPr>
-        <a:xfrm>
-          <a:off x="0" y="0"/>
-          <a:ext cx="0" cy="0"/>
-          <a:chOff x="0" y="0"/>
-          <a:chExt cx="0" cy="0"/>
-        </a:xfrm>
-      </p:grpSpPr>
-      <p:sp>
-        <p:nvSpPr>
-          <p:cNvPr id="8194" name="Title 1"/>
-          <p:cNvSpPr>
-            <a:spLocks noGrp="1"/>
-          </p:cNvSpPr>
-          <p:nvPr>
-            <p:ph type="title"/>
-          </p:nvPr>
-        </p:nvSpPr>
-        <p:spPr>
-          <a:xfrm>
-            <a:off x="457200" y="-171450"/>
-            <a:ext cx="8229600" cy="1143000"/>
-          </a:xfrm>
-        </p:spPr>
-        <p:txBody>
-          <a:bodyPr/>
-          <a:lstStyle/>
-          <a:p>
-            <a:r>
-              <a:rPr lang="es-ES" dirty="0" smtClean="0">
-                <a:latin typeface="Calibri" charset="0"/>
-              </a:rPr>
-              <a:t>Trabajo 11: Clases</a:t>
-            </a:r>
-            <a:endParaRPr lang="en-US" dirty="0">
-              <a:latin typeface="Calibri" charset="0"/>
-            </a:endParaRPr>
-          </a:p>
-        </p:txBody>
-      </p:sp>
-      <p:sp>
-        <p:nvSpPr>
-          <p:cNvPr id="8195" name="Content Placeholder 2"/>
-          <p:cNvSpPr>
-            <a:spLocks noGrp="1"/>
-          </p:cNvSpPr>
-          <p:nvPr>
-            <p:ph idx="1"/>
-          </p:nvPr>
-        </p:nvSpPr>
-        <p:spPr>
-          <a:xfrm>
-            <a:off x="457200" y="1495425"/>
-            <a:ext cx="8229600" cy="4525963"/>
-          </a:xfrm>
-        </p:spPr>
-        <p:txBody>
-          <a:bodyPr/>
-          <a:lstStyle/>
-          <a:p>
-            <a:pPr marL="514350" indent="-514350">
-              <a:buFont typeface="+mj-lt"/>
-              <a:buAutoNum type="arabicPeriod"/>
-            </a:pPr>
-            <a:r>
-              <a:rPr lang="en-US" sz="2800" dirty="0" err="1" smtClean="0">
-                <a:latin typeface="Calibri" charset="0"/>
-              </a:rPr>
-              <a:t>Crear</a:t>
-            </a:r>
-            <a:r>
-              <a:rPr lang="en-US" sz="2800" dirty="0" smtClean="0">
-                <a:latin typeface="Calibri" charset="0"/>
-              </a:rPr>
-              <a:t> </a:t>
-            </a:r>
-            <a:r>
-              <a:rPr lang="en-US" sz="2800" dirty="0" err="1" smtClean="0">
-                <a:latin typeface="Calibri" charset="0"/>
-              </a:rPr>
-              <a:t>una</a:t>
-            </a:r>
-            <a:r>
-              <a:rPr lang="en-US" sz="2800" dirty="0" smtClean="0">
-                <a:latin typeface="Calibri" charset="0"/>
-              </a:rPr>
-              <a:t> </a:t>
-            </a:r>
-            <a:r>
-              <a:rPr lang="en-US" sz="2800" dirty="0" err="1" smtClean="0">
-                <a:latin typeface="Calibri" charset="0"/>
-              </a:rPr>
-              <a:t>clase</a:t>
-            </a:r>
-            <a:r>
-              <a:rPr lang="en-US" sz="2800" dirty="0" smtClean="0">
-                <a:latin typeface="Calibri" charset="0"/>
-              </a:rPr>
-              <a:t> </a:t>
-            </a:r>
-            <a:r>
-              <a:rPr lang="en-US" sz="2800" dirty="0" err="1" smtClean="0">
-                <a:latin typeface="Calibri" charset="0"/>
-              </a:rPr>
-              <a:t>llamada</a:t>
-            </a:r>
-            <a:r>
-              <a:rPr lang="en-US" sz="2800" dirty="0" smtClean="0">
-                <a:latin typeface="Calibri" charset="0"/>
-              </a:rPr>
-              <a:t> </a:t>
-            </a:r>
-            <a:r>
-              <a:rPr lang="en-US" sz="2800" dirty="0" err="1" smtClean="0">
-                <a:latin typeface="Calibri" charset="0"/>
-              </a:rPr>
-              <a:t>MyCar</a:t>
-            </a:r>
-            <a:r>
-              <a:rPr lang="en-US" sz="2800" dirty="0" smtClean="0">
-                <a:latin typeface="Calibri" charset="0"/>
-              </a:rPr>
-              <a:t>. </a:t>
-            </a:r>
-            <a:r>
-              <a:rPr lang="en-US" sz="2800" dirty="0" err="1" smtClean="0">
-                <a:latin typeface="Calibri" charset="0"/>
-              </a:rPr>
-              <a:t>Cuando</a:t>
-            </a:r>
-            <a:r>
-              <a:rPr lang="en-US" sz="2800" dirty="0" smtClean="0">
-                <a:latin typeface="Calibri" charset="0"/>
-              </a:rPr>
-              <a:t> se </a:t>
-            </a:r>
-            <a:r>
-              <a:rPr lang="en-US" sz="2800" dirty="0" err="1" smtClean="0">
-                <a:latin typeface="Calibri" charset="0"/>
-              </a:rPr>
-              <a:t>inicializa</a:t>
-            </a:r>
-            <a:r>
-              <a:rPr lang="en-US" sz="2800" dirty="0" smtClean="0">
-                <a:latin typeface="Calibri" charset="0"/>
-              </a:rPr>
-              <a:t> </a:t>
-            </a:r>
-            <a:r>
-              <a:rPr lang="en-US" sz="2800" dirty="0" err="1" smtClean="0">
-                <a:latin typeface="Calibri" charset="0"/>
-              </a:rPr>
-              <a:t>una</a:t>
-            </a:r>
-            <a:r>
-              <a:rPr lang="en-US" sz="2800" dirty="0" smtClean="0">
-                <a:latin typeface="Calibri" charset="0"/>
-              </a:rPr>
-              <a:t> </a:t>
-            </a:r>
-            <a:r>
-              <a:rPr lang="en-US" sz="2800" dirty="0" err="1" smtClean="0">
-                <a:latin typeface="Calibri" charset="0"/>
-              </a:rPr>
-              <a:t>nueva</a:t>
-            </a:r>
-            <a:r>
-              <a:rPr lang="en-US" sz="2800" dirty="0" smtClean="0">
-                <a:latin typeface="Calibri" charset="0"/>
-              </a:rPr>
-              <a:t> </a:t>
-            </a:r>
-            <a:r>
-              <a:rPr lang="en-US" sz="2800" dirty="0" err="1" smtClean="0">
-                <a:latin typeface="Calibri" charset="0"/>
-              </a:rPr>
-              <a:t>instancia</a:t>
-            </a:r>
-            <a:r>
-              <a:rPr lang="en-US" sz="2800" dirty="0" smtClean="0">
-                <a:latin typeface="Calibri" charset="0"/>
-              </a:rPr>
-              <a:t> de la </a:t>
-            </a:r>
-            <a:r>
-              <a:rPr lang="en-US" sz="2800" dirty="0" err="1" smtClean="0">
-                <a:latin typeface="Calibri" charset="0"/>
-              </a:rPr>
-              <a:t>clase</a:t>
-            </a:r>
-            <a:r>
-              <a:rPr lang="en-US" sz="2800" dirty="0" smtClean="0">
-                <a:latin typeface="Calibri" charset="0"/>
-              </a:rPr>
-              <a:t>, </a:t>
-            </a:r>
-            <a:r>
-              <a:rPr lang="en-US" sz="2800" dirty="0" err="1" smtClean="0">
-                <a:latin typeface="Calibri" charset="0"/>
-              </a:rPr>
-              <a:t>permitir</a:t>
-            </a:r>
-            <a:r>
-              <a:rPr lang="en-US" sz="2800" dirty="0" smtClean="0">
-                <a:latin typeface="Calibri" charset="0"/>
-              </a:rPr>
-              <a:t> al </a:t>
-            </a:r>
-            <a:r>
-              <a:rPr lang="en-US" sz="2800" dirty="0" err="1" smtClean="0">
-                <a:latin typeface="Calibri" charset="0"/>
-              </a:rPr>
-              <a:t>usuario</a:t>
-            </a:r>
-            <a:r>
-              <a:rPr lang="en-US" sz="2800" dirty="0" smtClean="0">
-                <a:latin typeface="Calibri" charset="0"/>
-              </a:rPr>
-              <a:t> </a:t>
-            </a:r>
-            <a:r>
-              <a:rPr lang="en-US" sz="2800" dirty="0" err="1" smtClean="0">
-                <a:latin typeface="Calibri" charset="0"/>
-              </a:rPr>
-              <a:t>definir</a:t>
-            </a:r>
-            <a:r>
-              <a:rPr lang="en-US" sz="2800" dirty="0" smtClean="0">
-                <a:latin typeface="Calibri" charset="0"/>
-              </a:rPr>
-              <a:t> </a:t>
-            </a:r>
-            <a:r>
-              <a:rPr lang="en-US" sz="2800" dirty="0" err="1" smtClean="0">
-                <a:latin typeface="Calibri" charset="0"/>
-              </a:rPr>
-              <a:t>algunas</a:t>
-            </a:r>
-            <a:r>
-              <a:rPr lang="en-US" sz="2800" dirty="0" smtClean="0">
-                <a:latin typeface="Calibri" charset="0"/>
-              </a:rPr>
-              <a:t> variables de </a:t>
-            </a:r>
-            <a:r>
-              <a:rPr lang="en-US" sz="2800" dirty="0" err="1" smtClean="0">
-                <a:latin typeface="Calibri" charset="0"/>
-              </a:rPr>
-              <a:t>instancia</a:t>
-            </a:r>
-            <a:r>
-              <a:rPr lang="en-US" sz="2800" dirty="0" smtClean="0">
-                <a:latin typeface="Calibri" charset="0"/>
-              </a:rPr>
-              <a:t>, </a:t>
-            </a:r>
-            <a:r>
-              <a:rPr lang="en-US" sz="2800" dirty="0" err="1" smtClean="0">
-                <a:latin typeface="Calibri" charset="0"/>
-              </a:rPr>
-              <a:t>para</a:t>
-            </a:r>
-            <a:r>
-              <a:rPr lang="en-US" sz="2800" dirty="0" smtClean="0">
-                <a:latin typeface="Calibri" charset="0"/>
-              </a:rPr>
-              <a:t> </a:t>
-            </a:r>
-            <a:r>
-              <a:rPr lang="en-US" sz="2800" dirty="0" err="1" smtClean="0">
-                <a:latin typeface="Calibri" charset="0"/>
-              </a:rPr>
-              <a:t>poder</a:t>
-            </a:r>
-            <a:r>
-              <a:rPr lang="en-US" sz="2800" dirty="0" smtClean="0">
-                <a:latin typeface="Calibri" charset="0"/>
-              </a:rPr>
-              <a:t> </a:t>
-            </a:r>
-            <a:r>
-              <a:rPr lang="en-US" sz="2800" dirty="0" err="1" smtClean="0">
-                <a:latin typeface="Calibri" charset="0"/>
-              </a:rPr>
-              <a:t>acceder</a:t>
-            </a:r>
-            <a:r>
-              <a:rPr lang="en-US" sz="2800" dirty="0" smtClean="0">
-                <a:latin typeface="Calibri" charset="0"/>
-              </a:rPr>
-              <a:t> al </a:t>
-            </a:r>
-            <a:r>
-              <a:rPr lang="en-US" sz="2800" dirty="0" err="1" smtClean="0">
-                <a:latin typeface="Calibri" charset="0"/>
-              </a:rPr>
-              <a:t>año</a:t>
-            </a:r>
-            <a:r>
-              <a:rPr lang="en-US" sz="2800" dirty="0" smtClean="0">
-                <a:latin typeface="Calibri" charset="0"/>
-              </a:rPr>
-              <a:t>, color y </a:t>
-            </a:r>
-            <a:r>
-              <a:rPr lang="en-US" sz="2800" dirty="0" err="1" smtClean="0">
-                <a:latin typeface="Calibri" charset="0"/>
-              </a:rPr>
-              <a:t>modelo</a:t>
-            </a:r>
-            <a:r>
-              <a:rPr lang="en-US" sz="2800" dirty="0" smtClean="0">
-                <a:latin typeface="Calibri" charset="0"/>
-              </a:rPr>
-              <a:t> del </a:t>
-            </a:r>
-            <a:r>
-              <a:rPr lang="en-US" sz="2800" dirty="0" err="1" smtClean="0">
-                <a:latin typeface="Calibri" charset="0"/>
-              </a:rPr>
-              <a:t>carro</a:t>
-            </a:r>
-            <a:r>
-              <a:rPr lang="en-US" sz="2800" dirty="0" smtClean="0">
-                <a:latin typeface="Calibri" charset="0"/>
-              </a:rPr>
-              <a:t>. </a:t>
-            </a:r>
-            <a:r>
-              <a:rPr lang="en-US" sz="2800" dirty="0" err="1" smtClean="0">
-                <a:latin typeface="Calibri" charset="0"/>
-              </a:rPr>
-              <a:t>Además</a:t>
-            </a:r>
-            <a:r>
-              <a:rPr lang="en-US" sz="2800" dirty="0" smtClean="0">
-                <a:latin typeface="Calibri" charset="0"/>
-              </a:rPr>
-              <a:t> </a:t>
-            </a:r>
-            <a:r>
-              <a:rPr lang="en-US" sz="2800" dirty="0" err="1" smtClean="0">
-                <a:latin typeface="Calibri" charset="0"/>
-              </a:rPr>
-              <a:t>establecer</a:t>
-            </a:r>
-            <a:r>
-              <a:rPr lang="en-US" sz="2800" dirty="0" smtClean="0">
-                <a:latin typeface="Calibri" charset="0"/>
-              </a:rPr>
-              <a:t> en 0 la </a:t>
-            </a:r>
-            <a:r>
-              <a:rPr lang="en-US" sz="2800" dirty="0" err="1" smtClean="0">
-                <a:latin typeface="Calibri" charset="0"/>
-              </a:rPr>
-              <a:t>velocidad</a:t>
-            </a:r>
-            <a:r>
-              <a:rPr lang="en-US" sz="2800" dirty="0" smtClean="0">
-                <a:latin typeface="Calibri" charset="0"/>
-              </a:rPr>
-              <a:t> actual. </a:t>
-            </a:r>
-            <a:r>
-              <a:rPr lang="en-US" sz="2800" dirty="0" err="1" smtClean="0">
-                <a:latin typeface="Calibri" charset="0"/>
-              </a:rPr>
-              <a:t>Por</a:t>
-            </a:r>
-            <a:r>
-              <a:rPr lang="en-US" sz="2800" dirty="0" smtClean="0">
-                <a:latin typeface="Calibri" charset="0"/>
-              </a:rPr>
-              <a:t> </a:t>
-            </a:r>
-            <a:r>
-              <a:rPr lang="en-US" sz="2800" dirty="0" err="1" smtClean="0">
-                <a:latin typeface="Calibri" charset="0"/>
-              </a:rPr>
-              <a:t>otro</a:t>
-            </a:r>
-            <a:r>
-              <a:rPr lang="en-US" sz="2800" dirty="0" smtClean="0">
-                <a:latin typeface="Calibri" charset="0"/>
-              </a:rPr>
-              <a:t> </a:t>
-            </a:r>
-            <a:r>
-              <a:rPr lang="en-US" sz="2800" dirty="0" err="1" smtClean="0">
-                <a:latin typeface="Calibri" charset="0"/>
-              </a:rPr>
-              <a:t>lado</a:t>
-            </a:r>
-            <a:r>
-              <a:rPr lang="en-US" sz="2800" dirty="0" smtClean="0">
-                <a:latin typeface="Calibri" charset="0"/>
-              </a:rPr>
-              <a:t>, </a:t>
-            </a:r>
-            <a:r>
-              <a:rPr lang="en-US" sz="2800" dirty="0" err="1" smtClean="0">
-                <a:latin typeface="Calibri" charset="0"/>
-              </a:rPr>
-              <a:t>tienen</a:t>
-            </a:r>
-            <a:r>
-              <a:rPr lang="en-US" sz="2800" dirty="0" smtClean="0">
-                <a:latin typeface="Calibri" charset="0"/>
-              </a:rPr>
-              <a:t> </a:t>
-            </a:r>
-            <a:r>
-              <a:rPr lang="en-US" sz="2800" dirty="0" err="1" smtClean="0">
-                <a:latin typeface="Calibri" charset="0"/>
-              </a:rPr>
-              <a:t>que</a:t>
-            </a:r>
-            <a:r>
-              <a:rPr lang="en-US" sz="2800" dirty="0" smtClean="0">
-                <a:latin typeface="Calibri" charset="0"/>
-              </a:rPr>
-              <a:t> </a:t>
-            </a:r>
-            <a:r>
-              <a:rPr lang="en-US" sz="2800" dirty="0" err="1" smtClean="0">
-                <a:latin typeface="Calibri" charset="0"/>
-              </a:rPr>
-              <a:t>existir</a:t>
-            </a:r>
-            <a:r>
-              <a:rPr lang="en-US" sz="2800" dirty="0" smtClean="0">
-                <a:latin typeface="Calibri" charset="0"/>
-              </a:rPr>
-              <a:t> </a:t>
-            </a:r>
-            <a:r>
-              <a:rPr lang="en-US" sz="2800" dirty="0" err="1" smtClean="0">
-                <a:latin typeface="Calibri" charset="0"/>
-              </a:rPr>
-              <a:t>métodos</a:t>
-            </a:r>
-            <a:r>
-              <a:rPr lang="en-US" sz="2800" dirty="0" smtClean="0">
-                <a:latin typeface="Calibri" charset="0"/>
-              </a:rPr>
-              <a:t> de </a:t>
-            </a:r>
-            <a:r>
-              <a:rPr lang="en-US" sz="2800" dirty="0" err="1" smtClean="0">
-                <a:latin typeface="Calibri" charset="0"/>
-              </a:rPr>
-              <a:t>instancia</a:t>
-            </a:r>
-            <a:r>
-              <a:rPr lang="en-US" sz="2800" dirty="0" smtClean="0">
-                <a:latin typeface="Calibri" charset="0"/>
-              </a:rPr>
-              <a:t> </a:t>
-            </a:r>
-            <a:r>
-              <a:rPr lang="en-US" sz="2800" dirty="0" err="1" smtClean="0">
-                <a:latin typeface="Calibri" charset="0"/>
-              </a:rPr>
-              <a:t>para</a:t>
-            </a:r>
-            <a:r>
-              <a:rPr lang="en-US" sz="2800" dirty="0" smtClean="0">
-                <a:latin typeface="Calibri" charset="0"/>
-              </a:rPr>
-              <a:t> </a:t>
-            </a:r>
-            <a:r>
-              <a:rPr lang="en-US" sz="2800" dirty="0" err="1">
-                <a:latin typeface="Calibri" charset="0"/>
-              </a:rPr>
-              <a:t>acelerar</a:t>
-            </a:r>
-            <a:r>
-              <a:rPr lang="en-US" sz="2800" dirty="0">
-                <a:latin typeface="Calibri" charset="0"/>
-              </a:rPr>
-              <a:t>, </a:t>
-            </a:r>
-            <a:r>
-              <a:rPr lang="en-US" sz="2800" dirty="0" err="1">
-                <a:latin typeface="Calibri" charset="0"/>
-              </a:rPr>
-              <a:t>frenar</a:t>
-            </a:r>
-            <a:r>
-              <a:rPr lang="en-US" sz="2800" dirty="0">
-                <a:latin typeface="Calibri" charset="0"/>
-              </a:rPr>
-              <a:t> y </a:t>
-            </a:r>
-            <a:r>
-              <a:rPr lang="en-US" sz="2800" dirty="0" err="1">
-                <a:latin typeface="Calibri" charset="0"/>
-              </a:rPr>
-              <a:t>apagar</a:t>
-            </a:r>
-            <a:r>
-              <a:rPr lang="en-US" sz="2800" dirty="0">
-                <a:latin typeface="Calibri" charset="0"/>
-              </a:rPr>
-              <a:t> el </a:t>
-            </a:r>
-            <a:r>
-              <a:rPr lang="en-US" sz="2800" dirty="0" err="1">
-                <a:latin typeface="Calibri" charset="0"/>
-              </a:rPr>
-              <a:t>carro</a:t>
-            </a:r>
-            <a:r>
-              <a:rPr lang="en-US" sz="2800" dirty="0">
-                <a:latin typeface="Calibri" charset="0"/>
-              </a:rPr>
-              <a:t> </a:t>
-            </a:r>
-          </a:p>
-        </p:txBody>
-      </p:sp>
-    </p:spTree>
-    <p:extLst>
-      <p:ext uri="{BB962C8B-B14F-4D97-AF65-F5344CB8AC3E}">
-        <p14:creationId xmlns:p14="http://schemas.microsoft.com/office/powerpoint/2010/main" val="3208083041"/>
-      </p:ext>
-    </p:extLst>
-  </p:cSld>
-  <p:clrMapOvr>
-    <a:masterClrMapping/>
-  </p:clrMapOvr>
 </p:sld>
 </file>
 
@@ -28143,3083 +23722,6 @@
         </p:spPr>
       </p:pic>
     </p:spTree>
-  </p:cSld>
-  <p:clrMapOvr>
-    <a:masterClrMapping/>
-  </p:clrMapOvr>
-</p:sld>
-</file>
-
-<file path=ppt/slides/slide60.xml><?xml version="1.0" encoding="utf-8"?>
-<p:sld xmlns:a="http://schemas.openxmlformats.org/drawingml/2006/main" xmlns:r="http://schemas.openxmlformats.org/officeDocument/2006/relationships" xmlns:p="http://schemas.openxmlformats.org/presentationml/2006/main">
-  <p:cSld>
-    <p:spTree>
-      <p:nvGrpSpPr>
-        <p:cNvPr id="1" name=""/>
-        <p:cNvGrpSpPr/>
-        <p:nvPr/>
-      </p:nvGrpSpPr>
-      <p:grpSpPr>
-        <a:xfrm>
-          <a:off x="0" y="0"/>
-          <a:ext cx="0" cy="0"/>
-          <a:chOff x="0" y="0"/>
-          <a:chExt cx="0" cy="0"/>
-        </a:xfrm>
-      </p:grpSpPr>
-      <p:sp>
-        <p:nvSpPr>
-          <p:cNvPr id="8194" name="Title 1"/>
-          <p:cNvSpPr>
-            <a:spLocks noGrp="1"/>
-          </p:cNvSpPr>
-          <p:nvPr>
-            <p:ph type="title"/>
-          </p:nvPr>
-        </p:nvSpPr>
-        <p:spPr>
-          <a:xfrm>
-            <a:off x="457200" y="-171450"/>
-            <a:ext cx="8229600" cy="1143000"/>
-          </a:xfrm>
-        </p:spPr>
-        <p:txBody>
-          <a:bodyPr/>
-          <a:lstStyle/>
-          <a:p>
-            <a:r>
-              <a:rPr lang="es-ES" dirty="0" smtClean="0">
-                <a:latin typeface="Calibri" charset="0"/>
-              </a:rPr>
-              <a:t>Trabajo 11: Clases</a:t>
-            </a:r>
-            <a:endParaRPr lang="en-US" dirty="0">
-              <a:latin typeface="Calibri" charset="0"/>
-            </a:endParaRPr>
-          </a:p>
-        </p:txBody>
-      </p:sp>
-      <p:sp>
-        <p:nvSpPr>
-          <p:cNvPr id="8195" name="Content Placeholder 2"/>
-          <p:cNvSpPr>
-            <a:spLocks noGrp="1"/>
-          </p:cNvSpPr>
-          <p:nvPr>
-            <p:ph idx="1"/>
-          </p:nvPr>
-        </p:nvSpPr>
-        <p:spPr>
-          <a:xfrm>
-            <a:off x="467544" y="1124744"/>
-            <a:ext cx="8229600" cy="4525963"/>
-          </a:xfrm>
-        </p:spPr>
-        <p:txBody>
-          <a:bodyPr/>
-          <a:lstStyle/>
-          <a:p>
-            <a:pPr marL="514350" indent="-514350">
-              <a:buFont typeface="+mj-lt"/>
-              <a:buAutoNum type="arabicPeriod" startAt="2"/>
-            </a:pPr>
-            <a:r>
-              <a:rPr lang="en-US" sz="2800" dirty="0" smtClean="0">
-                <a:latin typeface="Calibri" charset="0"/>
-              </a:rPr>
-              <a:t> </a:t>
-            </a:r>
-            <a:r>
-              <a:rPr lang="en-US" sz="2800" dirty="0" err="1" smtClean="0">
-                <a:latin typeface="Calibri" charset="0"/>
-              </a:rPr>
-              <a:t>Agregar</a:t>
-            </a:r>
-            <a:r>
-              <a:rPr lang="en-US" sz="2800" dirty="0" smtClean="0">
-                <a:latin typeface="Calibri" charset="0"/>
-              </a:rPr>
-              <a:t> a la </a:t>
-            </a:r>
-            <a:r>
-              <a:rPr lang="en-US" sz="2800" dirty="0" err="1" smtClean="0">
-                <a:latin typeface="Calibri" charset="0"/>
-              </a:rPr>
-              <a:t>clase</a:t>
-            </a:r>
-            <a:r>
-              <a:rPr lang="en-US" sz="2800" dirty="0" smtClean="0">
-                <a:latin typeface="Calibri" charset="0"/>
-              </a:rPr>
-              <a:t> </a:t>
-            </a:r>
-            <a:r>
-              <a:rPr lang="en-US" sz="2800" dirty="0" err="1" smtClean="0">
-                <a:latin typeface="Calibri" charset="0"/>
-              </a:rPr>
-              <a:t>MyCar</a:t>
-            </a:r>
-            <a:r>
-              <a:rPr lang="en-US" sz="2800" dirty="0" smtClean="0">
-                <a:latin typeface="Calibri" charset="0"/>
-              </a:rPr>
-              <a:t>, un </a:t>
-            </a:r>
-            <a:r>
-              <a:rPr lang="en-US" sz="2800" dirty="0" err="1" smtClean="0">
-                <a:latin typeface="Calibri" charset="0"/>
-              </a:rPr>
-              <a:t>método</a:t>
-            </a:r>
-            <a:r>
-              <a:rPr lang="en-US" sz="2800" dirty="0" smtClean="0">
-                <a:latin typeface="Calibri" charset="0"/>
-              </a:rPr>
-              <a:t> de </a:t>
-            </a:r>
-            <a:r>
-              <a:rPr lang="en-US" sz="2800" dirty="0" err="1" smtClean="0">
-                <a:latin typeface="Calibri" charset="0"/>
-              </a:rPr>
-              <a:t>clase</a:t>
-            </a:r>
-            <a:r>
-              <a:rPr lang="en-US" sz="2800" dirty="0" smtClean="0">
-                <a:latin typeface="Calibri" charset="0"/>
-              </a:rPr>
-              <a:t> </a:t>
-            </a:r>
-            <a:r>
-              <a:rPr lang="en-US" sz="2800" dirty="0" err="1" smtClean="0">
-                <a:latin typeface="Calibri" charset="0"/>
-              </a:rPr>
-              <a:t>que</a:t>
-            </a:r>
-            <a:r>
-              <a:rPr lang="en-US" sz="2800" dirty="0" smtClean="0">
-                <a:latin typeface="Calibri" charset="0"/>
-              </a:rPr>
-              <a:t> </a:t>
-            </a:r>
-            <a:r>
-              <a:rPr lang="en-US" sz="2800" dirty="0" err="1" smtClean="0">
-                <a:latin typeface="Calibri" charset="0"/>
-              </a:rPr>
-              <a:t>permita</a:t>
-            </a:r>
-            <a:r>
-              <a:rPr lang="en-US" sz="2800" dirty="0" smtClean="0">
-                <a:latin typeface="Calibri" charset="0"/>
-              </a:rPr>
-              <a:t> </a:t>
-            </a:r>
-            <a:r>
-              <a:rPr lang="en-US" sz="2800" dirty="0" err="1" smtClean="0">
-                <a:latin typeface="Calibri" charset="0"/>
-              </a:rPr>
-              <a:t>calcular</a:t>
-            </a:r>
-            <a:r>
-              <a:rPr lang="en-US" sz="2800" dirty="0" smtClean="0">
-                <a:latin typeface="Calibri" charset="0"/>
-              </a:rPr>
-              <a:t> el </a:t>
-            </a:r>
-            <a:r>
-              <a:rPr lang="en-US" sz="2800" dirty="0" err="1" smtClean="0">
-                <a:latin typeface="Calibri" charset="0"/>
-              </a:rPr>
-              <a:t>gasto</a:t>
-            </a:r>
-            <a:r>
-              <a:rPr lang="en-US" sz="2800" dirty="0" smtClean="0">
-                <a:latin typeface="Calibri" charset="0"/>
-              </a:rPr>
-              <a:t> de </a:t>
-            </a:r>
-            <a:r>
-              <a:rPr lang="en-US" sz="2800" dirty="0" err="1" smtClean="0">
-                <a:latin typeface="Calibri" charset="0"/>
-              </a:rPr>
-              <a:t>gasolina</a:t>
-            </a:r>
-            <a:r>
-              <a:rPr lang="en-US" sz="2800" dirty="0" smtClean="0">
-                <a:latin typeface="Calibri" charset="0"/>
-              </a:rPr>
-              <a:t> </a:t>
-            </a:r>
-            <a:r>
-              <a:rPr lang="en-US" sz="2800" dirty="0" err="1" smtClean="0">
-                <a:latin typeface="Calibri" charset="0"/>
-              </a:rPr>
-              <a:t>por</a:t>
-            </a:r>
-            <a:r>
-              <a:rPr lang="en-US" sz="2800" dirty="0" smtClean="0">
-                <a:latin typeface="Calibri" charset="0"/>
-              </a:rPr>
-              <a:t> </a:t>
-            </a:r>
-            <a:r>
-              <a:rPr lang="en-US" sz="2800" dirty="0" err="1" smtClean="0">
-                <a:latin typeface="Calibri" charset="0"/>
-              </a:rPr>
-              <a:t>kilómetro</a:t>
-            </a:r>
-            <a:r>
-              <a:rPr lang="en-US" sz="2800" dirty="0" smtClean="0">
-                <a:latin typeface="Calibri" charset="0"/>
-              </a:rPr>
-              <a:t> de </a:t>
-            </a:r>
-            <a:r>
-              <a:rPr lang="en-US" sz="2800" dirty="0" err="1" smtClean="0">
-                <a:latin typeface="Calibri" charset="0"/>
-              </a:rPr>
-              <a:t>cualquier</a:t>
-            </a:r>
-            <a:r>
-              <a:rPr lang="en-US" sz="2800" dirty="0" smtClean="0">
-                <a:latin typeface="Calibri" charset="0"/>
-              </a:rPr>
-              <a:t> </a:t>
-            </a:r>
-            <a:r>
-              <a:rPr lang="en-US" sz="2800" dirty="0" err="1" smtClean="0">
-                <a:latin typeface="Calibri" charset="0"/>
-              </a:rPr>
-              <a:t>carro</a:t>
-            </a:r>
-            <a:r>
-              <a:rPr lang="en-US" sz="2800" dirty="0" smtClean="0">
-                <a:latin typeface="Calibri" charset="0"/>
-              </a:rPr>
-              <a:t> (</a:t>
-            </a:r>
-            <a:r>
-              <a:rPr lang="en-US" sz="2800" dirty="0" err="1" smtClean="0">
-                <a:latin typeface="Calibri" charset="0"/>
-              </a:rPr>
-              <a:t>recibe</a:t>
-            </a:r>
-            <a:r>
-              <a:rPr lang="en-US" sz="2800" dirty="0" smtClean="0">
-                <a:latin typeface="Calibri" charset="0"/>
-              </a:rPr>
-              <a:t> 2 </a:t>
-            </a:r>
-            <a:r>
-              <a:rPr lang="en-US" sz="2800" dirty="0" err="1" smtClean="0">
-                <a:latin typeface="Calibri" charset="0"/>
-              </a:rPr>
-              <a:t>parámetros</a:t>
-            </a:r>
-            <a:r>
-              <a:rPr lang="en-US" sz="2800" dirty="0" smtClean="0">
-                <a:latin typeface="Calibri" charset="0"/>
-              </a:rPr>
-              <a:t>: </a:t>
-            </a:r>
-            <a:r>
-              <a:rPr lang="en-US" sz="2800" dirty="0" err="1" smtClean="0">
-                <a:latin typeface="Calibri" charset="0"/>
-              </a:rPr>
-              <a:t>kilometraje</a:t>
-            </a:r>
-            <a:r>
-              <a:rPr lang="en-US" sz="2800" dirty="0" smtClean="0">
-                <a:latin typeface="Calibri" charset="0"/>
-              </a:rPr>
-              <a:t> </a:t>
-            </a:r>
-            <a:r>
-              <a:rPr lang="en-US" sz="2800" dirty="0" err="1" smtClean="0">
-                <a:latin typeface="Calibri" charset="0"/>
-              </a:rPr>
-              <a:t>realizado</a:t>
-            </a:r>
-            <a:r>
-              <a:rPr lang="en-US" sz="2800" dirty="0" smtClean="0">
-                <a:latin typeface="Calibri" charset="0"/>
-              </a:rPr>
-              <a:t> y </a:t>
-            </a:r>
-            <a:r>
-              <a:rPr lang="en-US" sz="2800" dirty="0" err="1" smtClean="0">
-                <a:latin typeface="Calibri" charset="0"/>
-              </a:rPr>
-              <a:t>litros</a:t>
-            </a:r>
-            <a:r>
-              <a:rPr lang="en-US" sz="2800" dirty="0" smtClean="0">
-                <a:latin typeface="Calibri" charset="0"/>
-              </a:rPr>
-              <a:t> de </a:t>
-            </a:r>
-            <a:r>
-              <a:rPr lang="en-US" sz="2800" dirty="0" err="1" smtClean="0">
-                <a:latin typeface="Calibri" charset="0"/>
-              </a:rPr>
-              <a:t>gasolina</a:t>
-            </a:r>
-            <a:r>
-              <a:rPr lang="en-US" sz="2800" dirty="0" smtClean="0">
-                <a:latin typeface="Calibri" charset="0"/>
-              </a:rPr>
-              <a:t> </a:t>
-            </a:r>
-            <a:r>
-              <a:rPr lang="en-US" sz="2800" dirty="0" err="1" smtClean="0">
-                <a:latin typeface="Calibri" charset="0"/>
-              </a:rPr>
-              <a:t>gastados</a:t>
-            </a:r>
-            <a:r>
-              <a:rPr lang="en-US" sz="2800" dirty="0" smtClean="0">
-                <a:latin typeface="Calibri" charset="0"/>
-              </a:rPr>
-              <a:t>)</a:t>
-            </a:r>
-          </a:p>
-          <a:p>
-            <a:pPr marL="514350" indent="-514350">
-              <a:buFont typeface="+mj-lt"/>
-              <a:buAutoNum type="arabicPeriod" startAt="2"/>
-            </a:pPr>
-            <a:r>
-              <a:rPr lang="en-US" sz="2800" dirty="0" smtClean="0">
-                <a:latin typeface="Calibri" charset="0"/>
-              </a:rPr>
-              <a:t> </a:t>
-            </a:r>
-            <a:r>
-              <a:rPr lang="en-US" sz="2800" dirty="0" err="1" smtClean="0">
-                <a:latin typeface="Calibri" charset="0"/>
-              </a:rPr>
-              <a:t>Crear</a:t>
-            </a:r>
-            <a:r>
-              <a:rPr lang="en-US" sz="2800" dirty="0" smtClean="0">
-                <a:latin typeface="Calibri" charset="0"/>
-              </a:rPr>
-              <a:t> </a:t>
-            </a:r>
-            <a:r>
-              <a:rPr lang="en-US" sz="2800" dirty="0" err="1" smtClean="0">
-                <a:latin typeface="Calibri" charset="0"/>
-              </a:rPr>
-              <a:t>una</a:t>
-            </a:r>
-            <a:r>
-              <a:rPr lang="en-US" sz="2800" dirty="0" smtClean="0">
-                <a:latin typeface="Calibri" charset="0"/>
-              </a:rPr>
-              <a:t> super </a:t>
-            </a:r>
-            <a:r>
-              <a:rPr lang="en-US" sz="2800" dirty="0" err="1" smtClean="0">
-                <a:latin typeface="Calibri" charset="0"/>
-              </a:rPr>
-              <a:t>clase</a:t>
-            </a:r>
-            <a:r>
-              <a:rPr lang="en-US" sz="2800" dirty="0" smtClean="0">
-                <a:latin typeface="Calibri" charset="0"/>
-              </a:rPr>
-              <a:t> </a:t>
-            </a:r>
-            <a:r>
-              <a:rPr lang="en-US" sz="2800" dirty="0" err="1" smtClean="0">
-                <a:latin typeface="Calibri" charset="0"/>
-              </a:rPr>
-              <a:t>llamada</a:t>
-            </a:r>
-            <a:r>
-              <a:rPr lang="en-US" sz="2800" dirty="0" smtClean="0">
-                <a:latin typeface="Calibri" charset="0"/>
-              </a:rPr>
-              <a:t> “Vehicle”, de la </a:t>
-            </a:r>
-            <a:r>
-              <a:rPr lang="en-US" sz="2800" dirty="0" err="1" smtClean="0">
-                <a:latin typeface="Calibri" charset="0"/>
-              </a:rPr>
-              <a:t>cual</a:t>
-            </a:r>
-            <a:r>
-              <a:rPr lang="en-US" sz="2800" dirty="0" smtClean="0">
-                <a:latin typeface="Calibri" charset="0"/>
-              </a:rPr>
-              <a:t> </a:t>
-            </a:r>
-            <a:r>
-              <a:rPr lang="en-US" sz="2800" dirty="0" err="1" smtClean="0">
-                <a:latin typeface="Calibri" charset="0"/>
-              </a:rPr>
-              <a:t>hereda</a:t>
-            </a:r>
-            <a:r>
-              <a:rPr lang="en-US" sz="2800" dirty="0" smtClean="0">
-                <a:latin typeface="Calibri" charset="0"/>
-              </a:rPr>
-              <a:t> </a:t>
-            </a:r>
-            <a:r>
-              <a:rPr lang="en-US" sz="2800" dirty="0" err="1" smtClean="0">
-                <a:latin typeface="Calibri" charset="0"/>
-              </a:rPr>
-              <a:t>MyCar</a:t>
-            </a:r>
-            <a:r>
-              <a:rPr lang="en-US" sz="2800" dirty="0" smtClean="0">
-                <a:latin typeface="Calibri" charset="0"/>
-              </a:rPr>
-              <a:t>. Se </a:t>
-            </a:r>
-            <a:r>
-              <a:rPr lang="en-US" sz="2800" dirty="0" err="1" smtClean="0">
-                <a:latin typeface="Calibri" charset="0"/>
-              </a:rPr>
-              <a:t>debe</a:t>
-            </a:r>
-            <a:r>
-              <a:rPr lang="en-US" sz="2800" dirty="0" smtClean="0">
-                <a:latin typeface="Calibri" charset="0"/>
-              </a:rPr>
-              <a:t> de mover a </a:t>
-            </a:r>
-            <a:r>
-              <a:rPr lang="en-US" sz="2800" dirty="0" err="1" smtClean="0">
-                <a:latin typeface="Calibri" charset="0"/>
-              </a:rPr>
-              <a:t>esta</a:t>
-            </a:r>
-            <a:r>
-              <a:rPr lang="en-US" sz="2800" dirty="0" smtClean="0">
-                <a:latin typeface="Calibri" charset="0"/>
-              </a:rPr>
-              <a:t> </a:t>
-            </a:r>
-            <a:r>
-              <a:rPr lang="en-US" sz="2800" dirty="0" err="1" smtClean="0">
-                <a:latin typeface="Calibri" charset="0"/>
-              </a:rPr>
-              <a:t>clase</a:t>
-            </a:r>
-            <a:r>
-              <a:rPr lang="en-US" sz="2800" dirty="0" smtClean="0">
-                <a:latin typeface="Calibri" charset="0"/>
-              </a:rPr>
-              <a:t> los </a:t>
-            </a:r>
-            <a:r>
-              <a:rPr lang="en-US" sz="2800" dirty="0" err="1" smtClean="0">
-                <a:latin typeface="Calibri" charset="0"/>
-              </a:rPr>
-              <a:t>comportamientos</a:t>
-            </a:r>
-            <a:r>
-              <a:rPr lang="en-US" sz="2800" dirty="0" smtClean="0">
-                <a:latin typeface="Calibri" charset="0"/>
-              </a:rPr>
-              <a:t> no </a:t>
-            </a:r>
-            <a:r>
-              <a:rPr lang="en-US" sz="2800" dirty="0" err="1" smtClean="0">
-                <a:latin typeface="Calibri" charset="0"/>
-              </a:rPr>
-              <a:t>específicos</a:t>
-            </a:r>
-            <a:r>
-              <a:rPr lang="en-US" sz="2800" dirty="0" smtClean="0">
-                <a:latin typeface="Calibri" charset="0"/>
-              </a:rPr>
-              <a:t> de </a:t>
-            </a:r>
-            <a:r>
-              <a:rPr lang="en-US" sz="2800" dirty="0" err="1" smtClean="0">
-                <a:latin typeface="Calibri" charset="0"/>
-              </a:rPr>
-              <a:t>MyCar</a:t>
-            </a:r>
-            <a:r>
-              <a:rPr lang="en-US" sz="2800" dirty="0" smtClean="0">
-                <a:latin typeface="Calibri" charset="0"/>
-              </a:rPr>
-              <a:t>. </a:t>
-            </a:r>
-            <a:r>
-              <a:rPr lang="en-US" sz="2800" dirty="0" err="1" smtClean="0">
-                <a:latin typeface="Calibri" charset="0"/>
-              </a:rPr>
-              <a:t>Además</a:t>
-            </a:r>
-            <a:r>
-              <a:rPr lang="en-US" sz="2800" dirty="0" smtClean="0">
-                <a:latin typeface="Calibri" charset="0"/>
-              </a:rPr>
-              <a:t> se </a:t>
-            </a:r>
-            <a:r>
-              <a:rPr lang="en-US" sz="2800" dirty="0" err="1" smtClean="0">
-                <a:latin typeface="Calibri" charset="0"/>
-              </a:rPr>
-              <a:t>debe</a:t>
-            </a:r>
-            <a:r>
-              <a:rPr lang="en-US" sz="2800" dirty="0" smtClean="0">
-                <a:latin typeface="Calibri" charset="0"/>
-              </a:rPr>
-              <a:t> de </a:t>
-            </a:r>
-            <a:r>
-              <a:rPr lang="en-US" sz="2800" dirty="0" err="1" smtClean="0">
-                <a:latin typeface="Calibri" charset="0"/>
-              </a:rPr>
-              <a:t>crear</a:t>
-            </a:r>
-            <a:r>
-              <a:rPr lang="en-US" sz="2800" dirty="0" smtClean="0">
-                <a:latin typeface="Calibri" charset="0"/>
-              </a:rPr>
-              <a:t> </a:t>
-            </a:r>
-            <a:r>
-              <a:rPr lang="en-US" sz="2800" dirty="0" err="1" smtClean="0">
-                <a:latin typeface="Calibri" charset="0"/>
-              </a:rPr>
-              <a:t>una</a:t>
-            </a:r>
-            <a:r>
-              <a:rPr lang="en-US" sz="2800" dirty="0" smtClean="0">
-                <a:latin typeface="Calibri" charset="0"/>
-              </a:rPr>
-              <a:t> </a:t>
-            </a:r>
-            <a:r>
-              <a:rPr lang="en-US" sz="2800" dirty="0" err="1" smtClean="0">
-                <a:latin typeface="Calibri" charset="0"/>
-              </a:rPr>
-              <a:t>Constante</a:t>
-            </a:r>
-            <a:r>
-              <a:rPr lang="en-US" sz="2800" dirty="0" smtClean="0">
-                <a:latin typeface="Calibri" charset="0"/>
-              </a:rPr>
-              <a:t> </a:t>
-            </a:r>
-            <a:r>
-              <a:rPr lang="en-US" sz="2800" dirty="0" err="1" smtClean="0">
-                <a:latin typeface="Calibri" charset="0"/>
-              </a:rPr>
-              <a:t>que</a:t>
-            </a:r>
-            <a:r>
-              <a:rPr lang="en-US" sz="2800" dirty="0" smtClean="0">
-                <a:latin typeface="Calibri" charset="0"/>
-              </a:rPr>
-              <a:t> </a:t>
-            </a:r>
-            <a:r>
-              <a:rPr lang="en-US" sz="2800" dirty="0" err="1" smtClean="0">
-                <a:latin typeface="Calibri" charset="0"/>
-              </a:rPr>
-              <a:t>diferencie</a:t>
-            </a:r>
-            <a:r>
-              <a:rPr lang="en-US" sz="2800" dirty="0" smtClean="0">
-                <a:latin typeface="Calibri" charset="0"/>
-              </a:rPr>
-              <a:t> a </a:t>
-            </a:r>
-            <a:r>
-              <a:rPr lang="en-US" sz="2800" dirty="0" err="1" smtClean="0">
-                <a:latin typeface="Calibri" charset="0"/>
-              </a:rPr>
-              <a:t>MyCar</a:t>
-            </a:r>
-            <a:r>
-              <a:rPr lang="en-US" sz="2800" dirty="0" smtClean="0">
-                <a:latin typeface="Calibri" charset="0"/>
-              </a:rPr>
-              <a:t> de </a:t>
-            </a:r>
-            <a:r>
-              <a:rPr lang="en-US" sz="2800" dirty="0" err="1" smtClean="0">
-                <a:latin typeface="Calibri" charset="0"/>
-              </a:rPr>
-              <a:t>otros</a:t>
-            </a:r>
-            <a:r>
-              <a:rPr lang="en-US" sz="2800" dirty="0" smtClean="0">
-                <a:latin typeface="Calibri" charset="0"/>
-              </a:rPr>
-              <a:t> </a:t>
-            </a:r>
-            <a:r>
-              <a:rPr lang="en-US" sz="2800" dirty="0" err="1" smtClean="0">
-                <a:latin typeface="Calibri" charset="0"/>
-              </a:rPr>
-              <a:t>tipos</a:t>
-            </a:r>
-            <a:r>
-              <a:rPr lang="en-US" sz="2800" dirty="0" smtClean="0">
-                <a:latin typeface="Calibri" charset="0"/>
-              </a:rPr>
-              <a:t> de </a:t>
-            </a:r>
-            <a:r>
-              <a:rPr lang="en-US" sz="2800" dirty="0" err="1" smtClean="0">
-                <a:latin typeface="Calibri" charset="0"/>
-              </a:rPr>
-              <a:t>vehículos</a:t>
-            </a:r>
-            <a:r>
-              <a:rPr lang="en-US" sz="2800" dirty="0" smtClean="0">
-                <a:latin typeface="Calibri" charset="0"/>
-              </a:rPr>
-              <a:t> y un </a:t>
-            </a:r>
-            <a:r>
-              <a:rPr lang="en-US" sz="2800" dirty="0" err="1" smtClean="0">
-                <a:latin typeface="Calibri" charset="0"/>
-              </a:rPr>
-              <a:t>método</a:t>
-            </a:r>
-            <a:r>
-              <a:rPr lang="en-US" sz="2800" dirty="0" smtClean="0">
-                <a:latin typeface="Calibri" charset="0"/>
-              </a:rPr>
-              <a:t> </a:t>
-            </a:r>
-            <a:r>
-              <a:rPr lang="en-US" sz="2800" dirty="0" err="1" smtClean="0">
-                <a:latin typeface="Calibri" charset="0"/>
-              </a:rPr>
-              <a:t>que</a:t>
-            </a:r>
-            <a:r>
-              <a:rPr lang="en-US" sz="2800" dirty="0" smtClean="0">
-                <a:latin typeface="Calibri" charset="0"/>
-              </a:rPr>
-              <a:t> </a:t>
-            </a:r>
-            <a:r>
-              <a:rPr lang="en-US" sz="2800" dirty="0" err="1" smtClean="0">
-                <a:latin typeface="Calibri" charset="0"/>
-              </a:rPr>
-              <a:t>permita</a:t>
-            </a:r>
-            <a:r>
-              <a:rPr lang="en-US" sz="2800" dirty="0" smtClean="0">
-                <a:latin typeface="Calibri" charset="0"/>
-              </a:rPr>
-              <a:t> </a:t>
-            </a:r>
-            <a:r>
-              <a:rPr lang="en-US" sz="2800" dirty="0" err="1" smtClean="0">
-                <a:latin typeface="Calibri" charset="0"/>
-              </a:rPr>
-              <a:t>imprimirla</a:t>
-            </a:r>
-            <a:r>
-              <a:rPr lang="en-US" sz="2800" dirty="0" smtClean="0">
-                <a:latin typeface="Calibri" charset="0"/>
-              </a:rPr>
-              <a:t> (Vehicle). </a:t>
-            </a:r>
-            <a:r>
-              <a:rPr lang="en-US" sz="2800" dirty="0" err="1" smtClean="0">
-                <a:latin typeface="Calibri" charset="0"/>
-              </a:rPr>
-              <a:t>Además</a:t>
-            </a:r>
-            <a:r>
-              <a:rPr lang="en-US" sz="2800" dirty="0" smtClean="0">
-                <a:latin typeface="Calibri" charset="0"/>
-              </a:rPr>
-              <a:t>, </a:t>
-            </a:r>
-            <a:r>
-              <a:rPr lang="en-US" sz="2800" dirty="0" err="1" smtClean="0">
-                <a:latin typeface="Calibri" charset="0"/>
-              </a:rPr>
-              <a:t>crear</a:t>
-            </a:r>
-            <a:r>
-              <a:rPr lang="en-US" sz="2800" dirty="0" smtClean="0">
-                <a:latin typeface="Calibri" charset="0"/>
-              </a:rPr>
-              <a:t> la </a:t>
-            </a:r>
-            <a:r>
-              <a:rPr lang="en-US" sz="2800" dirty="0" err="1" smtClean="0">
-                <a:latin typeface="Calibri" charset="0"/>
-              </a:rPr>
-              <a:t>clase</a:t>
-            </a:r>
-            <a:r>
-              <a:rPr lang="en-US" sz="2800" dirty="0" smtClean="0">
-                <a:latin typeface="Calibri" charset="0"/>
-              </a:rPr>
-              <a:t> </a:t>
-            </a:r>
-            <a:r>
-              <a:rPr lang="en-US" sz="2800" dirty="0" err="1" smtClean="0">
-                <a:latin typeface="Calibri" charset="0"/>
-              </a:rPr>
-              <a:t>MyTruck</a:t>
-            </a:r>
-            <a:r>
-              <a:rPr lang="en-US" sz="2800" dirty="0" smtClean="0">
-                <a:latin typeface="Calibri" charset="0"/>
-              </a:rPr>
-              <a:t> </a:t>
-            </a:r>
-            <a:r>
-              <a:rPr lang="en-US" sz="2800" dirty="0" err="1" smtClean="0">
-                <a:latin typeface="Calibri" charset="0"/>
-              </a:rPr>
-              <a:t>que</a:t>
-            </a:r>
-            <a:r>
-              <a:rPr lang="en-US" sz="2800" dirty="0" smtClean="0">
-                <a:latin typeface="Calibri" charset="0"/>
-              </a:rPr>
-              <a:t> </a:t>
-            </a:r>
-            <a:r>
-              <a:rPr lang="en-US" sz="2800" dirty="0" err="1" smtClean="0">
-                <a:latin typeface="Calibri" charset="0"/>
-              </a:rPr>
-              <a:t>hereda</a:t>
-            </a:r>
-            <a:r>
-              <a:rPr lang="en-US" sz="2800" dirty="0" smtClean="0">
-                <a:latin typeface="Calibri" charset="0"/>
-              </a:rPr>
-              <a:t> de </a:t>
-            </a:r>
-            <a:r>
-              <a:rPr lang="en-US" sz="2800" dirty="0" err="1" smtClean="0">
-                <a:latin typeface="Calibri" charset="0"/>
-              </a:rPr>
-              <a:t>vehículo</a:t>
-            </a:r>
-            <a:r>
-              <a:rPr lang="en-US" sz="2800" dirty="0" smtClean="0">
-                <a:latin typeface="Calibri" charset="0"/>
-              </a:rPr>
-              <a:t> y </a:t>
-            </a:r>
-            <a:r>
-              <a:rPr lang="en-US" sz="2800" dirty="0" err="1" smtClean="0">
-                <a:latin typeface="Calibri" charset="0"/>
-              </a:rPr>
-              <a:t>tiene</a:t>
-            </a:r>
-            <a:r>
-              <a:rPr lang="en-US" sz="2800" dirty="0" smtClean="0">
-                <a:latin typeface="Calibri" charset="0"/>
-              </a:rPr>
-              <a:t> </a:t>
-            </a:r>
-            <a:r>
-              <a:rPr lang="en-US" sz="2800" dirty="0" err="1" smtClean="0">
-                <a:latin typeface="Calibri" charset="0"/>
-              </a:rPr>
-              <a:t>su</a:t>
-            </a:r>
-            <a:r>
-              <a:rPr lang="en-US" sz="2800" dirty="0" smtClean="0">
-                <a:latin typeface="Calibri" charset="0"/>
-              </a:rPr>
-              <a:t> </a:t>
-            </a:r>
-            <a:r>
-              <a:rPr lang="en-US" sz="2800" dirty="0" err="1" smtClean="0">
-                <a:latin typeface="Calibri" charset="0"/>
-              </a:rPr>
-              <a:t>propia</a:t>
-            </a:r>
-            <a:r>
-              <a:rPr lang="en-US" sz="2800" dirty="0" smtClean="0">
-                <a:latin typeface="Calibri" charset="0"/>
-              </a:rPr>
-              <a:t> </a:t>
-            </a:r>
-            <a:r>
-              <a:rPr lang="en-US" sz="2800" dirty="0" err="1" smtClean="0">
-                <a:latin typeface="Calibri" charset="0"/>
-              </a:rPr>
-              <a:t>constante</a:t>
-            </a:r>
-            <a:r>
-              <a:rPr lang="en-US" sz="2800" dirty="0" smtClean="0">
-                <a:latin typeface="Calibri" charset="0"/>
-              </a:rPr>
-              <a:t> </a:t>
-            </a:r>
-            <a:r>
-              <a:rPr lang="en-US" sz="2800" dirty="0" err="1" smtClean="0">
-                <a:latin typeface="Calibri" charset="0"/>
-              </a:rPr>
-              <a:t>que</a:t>
-            </a:r>
-            <a:r>
-              <a:rPr lang="en-US" sz="2800" dirty="0" smtClean="0">
-                <a:latin typeface="Calibri" charset="0"/>
-              </a:rPr>
-              <a:t> la </a:t>
-            </a:r>
-            <a:r>
-              <a:rPr lang="en-US" sz="2800" dirty="0" err="1" smtClean="0">
-                <a:latin typeface="Calibri" charset="0"/>
-              </a:rPr>
-              <a:t>diferencia</a:t>
-            </a:r>
-            <a:r>
-              <a:rPr lang="en-US" sz="2800" dirty="0" smtClean="0">
-                <a:latin typeface="Calibri" charset="0"/>
-              </a:rPr>
-              <a:t> de </a:t>
-            </a:r>
-            <a:r>
-              <a:rPr lang="en-US" sz="2800" dirty="0" err="1" smtClean="0">
-                <a:latin typeface="Calibri" charset="0"/>
-              </a:rPr>
-              <a:t>otros</a:t>
-            </a:r>
-            <a:r>
-              <a:rPr lang="en-US" sz="2800" dirty="0" smtClean="0">
-                <a:latin typeface="Calibri" charset="0"/>
-              </a:rPr>
-              <a:t> </a:t>
-            </a:r>
-            <a:r>
-              <a:rPr lang="en-US" sz="2800" dirty="0" err="1" smtClean="0">
-                <a:latin typeface="Calibri" charset="0"/>
-              </a:rPr>
-              <a:t>vehículos</a:t>
-            </a:r>
-            <a:r>
-              <a:rPr lang="en-US" sz="2800" dirty="0" smtClean="0">
-                <a:latin typeface="Calibri" charset="0"/>
-              </a:rPr>
-              <a:t>.</a:t>
-            </a:r>
-            <a:endParaRPr lang="en-US" sz="2800" dirty="0">
-              <a:latin typeface="Calibri" charset="0"/>
-            </a:endParaRPr>
-          </a:p>
-        </p:txBody>
-      </p:sp>
-    </p:spTree>
-    <p:extLst>
-      <p:ext uri="{BB962C8B-B14F-4D97-AF65-F5344CB8AC3E}">
-        <p14:creationId xmlns:p14="http://schemas.microsoft.com/office/powerpoint/2010/main" val="242033861"/>
-      </p:ext>
-    </p:extLst>
-  </p:cSld>
-  <p:clrMapOvr>
-    <a:masterClrMapping/>
-  </p:clrMapOvr>
-</p:sld>
-</file>
-
-<file path=ppt/slides/slide61.xml><?xml version="1.0" encoding="utf-8"?>
-<p:sld xmlns:a="http://schemas.openxmlformats.org/drawingml/2006/main" xmlns:r="http://schemas.openxmlformats.org/officeDocument/2006/relationships" xmlns:p="http://schemas.openxmlformats.org/presentationml/2006/main">
-  <p:cSld>
-    <p:spTree>
-      <p:nvGrpSpPr>
-        <p:cNvPr id="1" name=""/>
-        <p:cNvGrpSpPr/>
-        <p:nvPr/>
-      </p:nvGrpSpPr>
-      <p:grpSpPr>
-        <a:xfrm>
-          <a:off x="0" y="0"/>
-          <a:ext cx="0" cy="0"/>
-          <a:chOff x="0" y="0"/>
-          <a:chExt cx="0" cy="0"/>
-        </a:xfrm>
-      </p:grpSpPr>
-      <p:sp>
-        <p:nvSpPr>
-          <p:cNvPr id="8194" name="Title 1"/>
-          <p:cNvSpPr>
-            <a:spLocks noGrp="1"/>
-          </p:cNvSpPr>
-          <p:nvPr>
-            <p:ph type="title"/>
-          </p:nvPr>
-        </p:nvSpPr>
-        <p:spPr>
-          <a:xfrm>
-            <a:off x="457200" y="-171450"/>
-            <a:ext cx="8229600" cy="1143000"/>
-          </a:xfrm>
-        </p:spPr>
-        <p:txBody>
-          <a:bodyPr/>
-          <a:lstStyle/>
-          <a:p>
-            <a:r>
-              <a:rPr lang="es-ES" dirty="0" smtClean="0">
-                <a:latin typeface="Calibri" charset="0"/>
-              </a:rPr>
-              <a:t>Trabajo 11: Clases</a:t>
-            </a:r>
-            <a:endParaRPr lang="en-US" dirty="0">
-              <a:latin typeface="Calibri" charset="0"/>
-            </a:endParaRPr>
-          </a:p>
-        </p:txBody>
-      </p:sp>
-      <p:sp>
-        <p:nvSpPr>
-          <p:cNvPr id="8195" name="Content Placeholder 2"/>
-          <p:cNvSpPr>
-            <a:spLocks noGrp="1"/>
-          </p:cNvSpPr>
-          <p:nvPr>
-            <p:ph idx="1"/>
-          </p:nvPr>
-        </p:nvSpPr>
-        <p:spPr>
-          <a:xfrm>
-            <a:off x="467544" y="1124744"/>
-            <a:ext cx="8229600" cy="4525963"/>
-          </a:xfrm>
-        </p:spPr>
-        <p:txBody>
-          <a:bodyPr/>
-          <a:lstStyle/>
-          <a:p>
-            <a:pPr marL="514350" indent="-514350">
-              <a:buFont typeface="+mj-lt"/>
-              <a:buAutoNum type="arabicPeriod" startAt="4"/>
-            </a:pPr>
-            <a:r>
-              <a:rPr lang="en-US" sz="2800" dirty="0" smtClean="0">
-                <a:latin typeface="Calibri" charset="0"/>
-              </a:rPr>
-              <a:t> </a:t>
-            </a:r>
-            <a:r>
-              <a:rPr lang="en-US" sz="2800" dirty="0" err="1" smtClean="0">
-                <a:latin typeface="Calibri" charset="0"/>
-              </a:rPr>
-              <a:t>Agregar</a:t>
-            </a:r>
-            <a:r>
-              <a:rPr lang="en-US" sz="2800" dirty="0" smtClean="0">
-                <a:latin typeface="Calibri" charset="0"/>
-              </a:rPr>
-              <a:t> a la </a:t>
-            </a:r>
-            <a:r>
-              <a:rPr lang="en-US" sz="2800" dirty="0" err="1" smtClean="0">
-                <a:latin typeface="Calibri" charset="0"/>
-              </a:rPr>
-              <a:t>superclase</a:t>
-            </a:r>
-            <a:r>
-              <a:rPr lang="en-US" sz="2800" dirty="0" smtClean="0">
-                <a:latin typeface="Calibri" charset="0"/>
-              </a:rPr>
-              <a:t> </a:t>
-            </a:r>
-            <a:r>
-              <a:rPr lang="en-US" sz="2800" dirty="0" err="1" smtClean="0">
-                <a:latin typeface="Calibri" charset="0"/>
-              </a:rPr>
-              <a:t>alguna</a:t>
-            </a:r>
-            <a:r>
-              <a:rPr lang="en-US" sz="2800" dirty="0" smtClean="0">
-                <a:latin typeface="Calibri" charset="0"/>
-              </a:rPr>
-              <a:t> </a:t>
-            </a:r>
-            <a:r>
-              <a:rPr lang="en-US" sz="2800" dirty="0" err="1" smtClean="0">
-                <a:latin typeface="Calibri" charset="0"/>
-              </a:rPr>
-              <a:t>manera</a:t>
-            </a:r>
-            <a:r>
-              <a:rPr lang="en-US" sz="2800" dirty="0" smtClean="0">
-                <a:latin typeface="Calibri" charset="0"/>
-              </a:rPr>
-              <a:t> </a:t>
-            </a:r>
-            <a:r>
-              <a:rPr lang="en-US" sz="2800" dirty="0" err="1" smtClean="0">
-                <a:latin typeface="Calibri" charset="0"/>
-              </a:rPr>
-              <a:t>para</a:t>
-            </a:r>
-            <a:r>
-              <a:rPr lang="en-US" sz="2800" dirty="0" smtClean="0">
-                <a:latin typeface="Calibri" charset="0"/>
-              </a:rPr>
-              <a:t> </a:t>
-            </a:r>
-            <a:r>
-              <a:rPr lang="en-US" sz="2800" dirty="0" err="1" smtClean="0">
-                <a:latin typeface="Calibri" charset="0"/>
-              </a:rPr>
-              <a:t>llevar</a:t>
-            </a:r>
-            <a:r>
-              <a:rPr lang="en-US" sz="2800" dirty="0" smtClean="0">
-                <a:latin typeface="Calibri" charset="0"/>
-              </a:rPr>
-              <a:t> control de la </a:t>
-            </a:r>
-            <a:r>
-              <a:rPr lang="en-US" sz="2800" dirty="0" err="1" smtClean="0">
-                <a:latin typeface="Calibri" charset="0"/>
-              </a:rPr>
-              <a:t>cantidad</a:t>
-            </a:r>
-            <a:r>
-              <a:rPr lang="en-US" sz="2800" dirty="0" smtClean="0">
-                <a:latin typeface="Calibri" charset="0"/>
-              </a:rPr>
-              <a:t> de </a:t>
-            </a:r>
-            <a:r>
-              <a:rPr lang="en-US" sz="2800" dirty="0" err="1" smtClean="0">
-                <a:latin typeface="Calibri" charset="0"/>
-              </a:rPr>
-              <a:t>vehículos</a:t>
-            </a:r>
-            <a:r>
-              <a:rPr lang="en-US" sz="2800" dirty="0" smtClean="0">
-                <a:latin typeface="Calibri" charset="0"/>
-              </a:rPr>
-              <a:t> </a:t>
-            </a:r>
-            <a:r>
-              <a:rPr lang="en-US" sz="2800" dirty="0" err="1" smtClean="0">
-                <a:latin typeface="Calibri" charset="0"/>
-              </a:rPr>
-              <a:t>creados</a:t>
-            </a:r>
-            <a:r>
-              <a:rPr lang="en-US" sz="2800" dirty="0" smtClean="0">
-                <a:latin typeface="Calibri" charset="0"/>
-              </a:rPr>
-              <a:t> (sin </a:t>
-            </a:r>
-            <a:r>
-              <a:rPr lang="en-US" sz="2800" dirty="0" err="1" smtClean="0">
-                <a:latin typeface="Calibri" charset="0"/>
-              </a:rPr>
-              <a:t>importar</a:t>
-            </a:r>
-            <a:r>
-              <a:rPr lang="en-US" sz="2800" dirty="0" smtClean="0">
-                <a:latin typeface="Calibri" charset="0"/>
-              </a:rPr>
-              <a:t> la </a:t>
-            </a:r>
-            <a:r>
-              <a:rPr lang="en-US" sz="2800" dirty="0" err="1" smtClean="0">
-                <a:latin typeface="Calibri" charset="0"/>
-              </a:rPr>
-              <a:t>subclase</a:t>
-            </a:r>
-            <a:r>
-              <a:rPr lang="en-US" sz="2800" dirty="0" smtClean="0">
-                <a:latin typeface="Calibri" charset="0"/>
-              </a:rPr>
-              <a:t> </a:t>
-            </a:r>
-            <a:r>
-              <a:rPr lang="en-US" sz="2800" dirty="0" err="1" smtClean="0">
-                <a:latin typeface="Calibri" charset="0"/>
-              </a:rPr>
-              <a:t>que</a:t>
-            </a:r>
-            <a:r>
-              <a:rPr lang="en-US" sz="2800" dirty="0" smtClean="0">
-                <a:latin typeface="Calibri" charset="0"/>
-              </a:rPr>
-              <a:t> </a:t>
-            </a:r>
-            <a:r>
-              <a:rPr lang="en-US" sz="2800" dirty="0" err="1" smtClean="0">
-                <a:latin typeface="Calibri" charset="0"/>
-              </a:rPr>
-              <a:t>corresponda</a:t>
-            </a:r>
-            <a:r>
-              <a:rPr lang="en-US" sz="2800" dirty="0" smtClean="0">
-                <a:latin typeface="Calibri" charset="0"/>
-              </a:rPr>
-              <a:t>) y a la </a:t>
-            </a:r>
-            <a:r>
-              <a:rPr lang="en-US" sz="2800" dirty="0" err="1" smtClean="0">
-                <a:latin typeface="Calibri" charset="0"/>
-              </a:rPr>
-              <a:t>vez</a:t>
-            </a:r>
-            <a:r>
-              <a:rPr lang="en-US" sz="2800" dirty="0" smtClean="0">
-                <a:latin typeface="Calibri" charset="0"/>
-              </a:rPr>
-              <a:t> </a:t>
-            </a:r>
-            <a:r>
-              <a:rPr lang="en-US" sz="2800" dirty="0" err="1" smtClean="0">
-                <a:latin typeface="Calibri" charset="0"/>
-              </a:rPr>
-              <a:t>crear</a:t>
-            </a:r>
-            <a:r>
-              <a:rPr lang="en-US" sz="2800" dirty="0" smtClean="0">
-                <a:latin typeface="Calibri" charset="0"/>
-              </a:rPr>
-              <a:t> un </a:t>
-            </a:r>
-            <a:r>
-              <a:rPr lang="en-US" sz="2800" dirty="0" err="1" smtClean="0">
-                <a:latin typeface="Calibri" charset="0"/>
-              </a:rPr>
-              <a:t>método</a:t>
-            </a:r>
-            <a:r>
-              <a:rPr lang="en-US" sz="2800" dirty="0" smtClean="0">
-                <a:latin typeface="Calibri" charset="0"/>
-              </a:rPr>
-              <a:t> </a:t>
-            </a:r>
-            <a:r>
-              <a:rPr lang="en-US" sz="2800" dirty="0" err="1" smtClean="0">
-                <a:latin typeface="Calibri" charset="0"/>
-              </a:rPr>
-              <a:t>para</a:t>
-            </a:r>
-            <a:r>
-              <a:rPr lang="en-US" sz="2800" dirty="0" smtClean="0">
-                <a:latin typeface="Calibri" charset="0"/>
-              </a:rPr>
-              <a:t> </a:t>
-            </a:r>
-            <a:r>
-              <a:rPr lang="en-US" sz="2800" dirty="0" err="1" smtClean="0">
-                <a:latin typeface="Calibri" charset="0"/>
-              </a:rPr>
-              <a:t>imprimir</a:t>
-            </a:r>
-            <a:r>
-              <a:rPr lang="en-US" sz="2800" dirty="0" smtClean="0">
-                <a:latin typeface="Calibri" charset="0"/>
-              </a:rPr>
-              <a:t> </a:t>
-            </a:r>
-            <a:r>
-              <a:rPr lang="en-US" sz="2800" dirty="0" err="1" smtClean="0">
-                <a:latin typeface="Calibri" charset="0"/>
-              </a:rPr>
-              <a:t>dicho</a:t>
-            </a:r>
-            <a:r>
-              <a:rPr lang="en-US" sz="2800" dirty="0" smtClean="0">
-                <a:latin typeface="Calibri" charset="0"/>
-              </a:rPr>
-              <a:t> valor en </a:t>
-            </a:r>
-            <a:r>
-              <a:rPr lang="en-US" sz="2800" dirty="0" err="1" smtClean="0">
-                <a:latin typeface="Calibri" charset="0"/>
-              </a:rPr>
-              <a:t>pantalla</a:t>
-            </a:r>
-            <a:r>
-              <a:rPr lang="en-US" sz="2800" dirty="0" smtClean="0">
-                <a:latin typeface="Calibri" charset="0"/>
-              </a:rPr>
-              <a:t>.</a:t>
-            </a:r>
-            <a:endParaRPr lang="en-US" sz="2800" dirty="0">
-              <a:latin typeface="Calibri" charset="0"/>
-            </a:endParaRPr>
-          </a:p>
-        </p:txBody>
-      </p:sp>
-    </p:spTree>
-    <p:extLst>
-      <p:ext uri="{BB962C8B-B14F-4D97-AF65-F5344CB8AC3E}">
-        <p14:creationId xmlns:p14="http://schemas.microsoft.com/office/powerpoint/2010/main" val="3418430375"/>
-      </p:ext>
-    </p:extLst>
-  </p:cSld>
-  <p:clrMapOvr>
-    <a:masterClrMapping/>
-  </p:clrMapOvr>
-</p:sld>
-</file>
-
-<file path=ppt/slides/slide62.xml><?xml version="1.0" encoding="utf-8"?>
-<p:sld xmlns:a="http://schemas.openxmlformats.org/drawingml/2006/main" xmlns:r="http://schemas.openxmlformats.org/officeDocument/2006/relationships" xmlns:p="http://schemas.openxmlformats.org/presentationml/2006/main">
-  <p:cSld>
-    <p:spTree>
-      <p:nvGrpSpPr>
-        <p:cNvPr id="1" name=""/>
-        <p:cNvGrpSpPr/>
-        <p:nvPr/>
-      </p:nvGrpSpPr>
-      <p:grpSpPr>
-        <a:xfrm>
-          <a:off x="0" y="0"/>
-          <a:ext cx="0" cy="0"/>
-          <a:chOff x="0" y="0"/>
-          <a:chExt cx="0" cy="0"/>
-        </a:xfrm>
-      </p:grpSpPr>
-      <p:sp>
-        <p:nvSpPr>
-          <p:cNvPr id="13314" name="1 Título"/>
-          <p:cNvSpPr>
-            <a:spLocks noGrp="1"/>
-          </p:cNvSpPr>
-          <p:nvPr>
-            <p:ph type="title"/>
-          </p:nvPr>
-        </p:nvSpPr>
-        <p:spPr>
-          <a:xfrm>
-            <a:off x="457200" y="-171450"/>
-            <a:ext cx="8229600" cy="1143000"/>
-          </a:xfrm>
-        </p:spPr>
-        <p:txBody>
-          <a:bodyPr/>
-          <a:lstStyle/>
-          <a:p>
-            <a:r>
-              <a:rPr lang="es-CR" dirty="0" smtClean="0">
-                <a:latin typeface="Calibri" charset="0"/>
-              </a:rPr>
-              <a:t>Expresiones regulares</a:t>
-            </a:r>
-            <a:endParaRPr lang="es-CR" dirty="0">
-              <a:latin typeface="Calibri" charset="0"/>
-            </a:endParaRPr>
-          </a:p>
-        </p:txBody>
-      </p:sp>
-      <p:sp>
-        <p:nvSpPr>
-          <p:cNvPr id="13315" name="2 Marcador de contenido"/>
-          <p:cNvSpPr>
-            <a:spLocks noGrp="1"/>
-          </p:cNvSpPr>
-          <p:nvPr>
-            <p:ph idx="1"/>
-          </p:nvPr>
-        </p:nvSpPr>
-        <p:spPr/>
-        <p:txBody>
-          <a:bodyPr/>
-          <a:lstStyle/>
-          <a:p>
-            <a:r>
-              <a:rPr lang="es-CR" dirty="0" smtClean="0">
-                <a:latin typeface="Calibri" charset="0"/>
-              </a:rPr>
-              <a:t>Permite reconocer patrones en un texto</a:t>
-            </a:r>
-            <a:endParaRPr lang="es-CR" dirty="0">
-              <a:latin typeface="Calibri" charset="0"/>
-            </a:endParaRPr>
-          </a:p>
-          <a:p>
-            <a:endParaRPr lang="es-CR" dirty="0">
-              <a:latin typeface="Calibri" charset="0"/>
-            </a:endParaRPr>
-          </a:p>
-          <a:p>
-            <a:r>
-              <a:rPr lang="es-CR" dirty="0" smtClean="0">
-                <a:latin typeface="Calibri" charset="0"/>
-              </a:rPr>
-              <a:t>Si se desea encontrar un patrón en un texto, se haría:</a:t>
-            </a:r>
-            <a:endParaRPr lang="es-CR" dirty="0">
-              <a:latin typeface="Calibri" charset="0"/>
-            </a:endParaRPr>
-          </a:p>
-          <a:p>
-            <a:pPr lvl="1"/>
-            <a:r>
-              <a:rPr lang="es-CR" dirty="0">
-                <a:latin typeface="Calibri" charset="0"/>
-              </a:rPr>
-              <a:t>m1 = "Ruby: a powerful language".match /Ruby/</a:t>
-            </a:r>
-          </a:p>
-          <a:p>
-            <a:pPr lvl="2"/>
-            <a:r>
-              <a:rPr lang="es-CR" dirty="0" smtClean="0">
-                <a:latin typeface="Calibri" charset="0"/>
-              </a:rPr>
-              <a:t>M1 va a tener un elemento de tipo “MatchData” con el texto que coincide con lo buscado</a:t>
-            </a:r>
-          </a:p>
-          <a:p>
-            <a:pPr lvl="1"/>
-            <a:r>
-              <a:rPr lang="es-CR" dirty="0" smtClean="0">
-                <a:latin typeface="Calibri" charset="0"/>
-              </a:rPr>
-              <a:t>m2 </a:t>
-            </a:r>
-            <a:r>
-              <a:rPr lang="es-CR" dirty="0">
-                <a:latin typeface="Calibri" charset="0"/>
-              </a:rPr>
-              <a:t>= "El futuro es Ruby" =~ /Ruby/</a:t>
-            </a:r>
-          </a:p>
-          <a:p>
-            <a:pPr lvl="2"/>
-            <a:r>
-              <a:rPr lang="es-CR" dirty="0">
-                <a:latin typeface="Calibri" charset="0"/>
-              </a:rPr>
-              <a:t>#m2 contains the position of the expression</a:t>
-            </a:r>
-          </a:p>
-          <a:p>
-            <a:pPr lvl="1"/>
-            <a:endParaRPr lang="es-CR" dirty="0">
-              <a:latin typeface="Calibri" charset="0"/>
-            </a:endParaRPr>
-          </a:p>
-        </p:txBody>
-      </p:sp>
-    </p:spTree>
-    <p:extLst>
-      <p:ext uri="{BB962C8B-B14F-4D97-AF65-F5344CB8AC3E}">
-        <p14:creationId xmlns:p14="http://schemas.microsoft.com/office/powerpoint/2010/main" val="3910915098"/>
-      </p:ext>
-    </p:extLst>
-  </p:cSld>
-  <p:clrMapOvr>
-    <a:masterClrMapping/>
-  </p:clrMapOvr>
-</p:sld>
-</file>
-
-<file path=ppt/slides/slide63.xml><?xml version="1.0" encoding="utf-8"?>
-<p:sld xmlns:a="http://schemas.openxmlformats.org/drawingml/2006/main" xmlns:r="http://schemas.openxmlformats.org/officeDocument/2006/relationships" xmlns:p="http://schemas.openxmlformats.org/presentationml/2006/main">
-  <p:cSld>
-    <p:spTree>
-      <p:nvGrpSpPr>
-        <p:cNvPr id="1" name=""/>
-        <p:cNvGrpSpPr/>
-        <p:nvPr/>
-      </p:nvGrpSpPr>
-      <p:grpSpPr>
-        <a:xfrm>
-          <a:off x="0" y="0"/>
-          <a:ext cx="0" cy="0"/>
-          <a:chOff x="0" y="0"/>
-          <a:chExt cx="0" cy="0"/>
-        </a:xfrm>
-      </p:grpSpPr>
-      <p:sp>
-        <p:nvSpPr>
-          <p:cNvPr id="14338" name="1 Título"/>
-          <p:cNvSpPr>
-            <a:spLocks noGrp="1"/>
-          </p:cNvSpPr>
-          <p:nvPr>
-            <p:ph type="title"/>
-          </p:nvPr>
-        </p:nvSpPr>
-        <p:spPr>
-          <a:xfrm>
-            <a:off x="457200" y="-171450"/>
-            <a:ext cx="8229600" cy="1143000"/>
-          </a:xfrm>
-        </p:spPr>
-        <p:txBody>
-          <a:bodyPr/>
-          <a:lstStyle/>
-          <a:p>
-            <a:r>
-              <a:rPr lang="es-CR">
-                <a:latin typeface="Calibri" charset="0"/>
-              </a:rPr>
-              <a:t>Regular Expressions</a:t>
-            </a:r>
-          </a:p>
-        </p:txBody>
-      </p:sp>
-      <p:graphicFrame>
-        <p:nvGraphicFramePr>
-          <p:cNvPr id="4" name="3 Marcador de contenido"/>
-          <p:cNvGraphicFramePr>
-            <a:graphicFrameLocks noGrp="1"/>
-          </p:cNvGraphicFramePr>
-          <p:nvPr>
-            <p:ph idx="1"/>
-            <p:extLst>
-              <p:ext uri="{D42A27DB-BD31-4B8C-83A1-F6EECF244321}">
-                <p14:modId xmlns:p14="http://schemas.microsoft.com/office/powerpoint/2010/main" val="3174803687"/>
-              </p:ext>
-            </p:extLst>
-          </p:nvPr>
-        </p:nvGraphicFramePr>
-        <p:xfrm>
-          <a:off x="1104900" y="1196975"/>
-          <a:ext cx="6851650" cy="5399443"/>
-        </p:xfrm>
-        <a:graphic>
-          <a:graphicData uri="http://schemas.openxmlformats.org/drawingml/2006/table">
-            <a:tbl>
-              <a:tblPr firstRow="1" bandRow="1">
-                <a:tableStyleId>{8A107856-5554-42FB-B03E-39F5DBC370BA}</a:tableStyleId>
-              </a:tblPr>
-              <a:tblGrid>
-                <a:gridCol w="2818881"/>
-                <a:gridCol w="4032769"/>
-              </a:tblGrid>
-              <a:tr h="370795">
-                <a:tc>
-                  <a:txBody>
-                    <a:bodyPr/>
-                    <a:lstStyle/>
-                    <a:p>
-                      <a:r>
-                        <a:rPr lang="en-US" sz="1600" noProof="0" dirty="0" smtClean="0"/>
-                        <a:t>Expression</a:t>
-                      </a:r>
-                      <a:endParaRPr lang="en-US" sz="1600" noProof="0" dirty="0"/>
-                    </a:p>
-                  </a:txBody>
-                  <a:tcPr marL="91447" marR="91447" marT="45714" marB="45714"/>
-                </a:tc>
-                <a:tc>
-                  <a:txBody>
-                    <a:bodyPr/>
-                    <a:lstStyle/>
-                    <a:p>
-                      <a:r>
-                        <a:rPr lang="en-US" sz="1600" noProof="0" smtClean="0"/>
-                        <a:t>Meanning</a:t>
-                      </a:r>
-                      <a:endParaRPr lang="en-US" sz="1600" noProof="0"/>
-                    </a:p>
-                  </a:txBody>
-                  <a:tcPr marL="91447" marR="91447" marT="45714" marB="45714"/>
-                </a:tc>
-              </a:tr>
-              <a:tr h="370795">
-                <a:tc>
-                  <a:txBody>
-                    <a:bodyPr/>
-                    <a:lstStyle/>
-                    <a:p>
-                      <a:r>
-                        <a:rPr lang="en-US" sz="1600" noProof="0" smtClean="0"/>
-                        <a:t>.</a:t>
-                      </a:r>
-                      <a:endParaRPr lang="en-US" sz="1600" noProof="0"/>
-                    </a:p>
-                  </a:txBody>
-                  <a:tcPr marL="91447" marR="91447" marT="45714" marB="45714"/>
-                </a:tc>
-                <a:tc>
-                  <a:txBody>
-                    <a:bodyPr/>
-                    <a:lstStyle/>
-                    <a:p>
-                      <a:r>
-                        <a:rPr lang="en-US" sz="1600" noProof="0" dirty="0" err="1" smtClean="0"/>
-                        <a:t>Cualquier</a:t>
-                      </a:r>
-                      <a:r>
-                        <a:rPr lang="en-US" sz="1600" noProof="0" dirty="0" smtClean="0"/>
-                        <a:t> </a:t>
-                      </a:r>
-                      <a:r>
-                        <a:rPr lang="en-US" sz="1600" noProof="0" dirty="0" err="1" smtClean="0"/>
-                        <a:t>caracter</a:t>
-                      </a:r>
-                      <a:endParaRPr lang="en-US" sz="1600" noProof="0" dirty="0"/>
-                    </a:p>
-                  </a:txBody>
-                  <a:tcPr marL="91447" marR="91447" marT="45714" marB="45714"/>
-                </a:tc>
-              </a:tr>
-              <a:tr h="370795">
-                <a:tc>
-                  <a:txBody>
-                    <a:bodyPr/>
-                    <a:lstStyle/>
-                    <a:p>
-                      <a:r>
-                        <a:rPr lang="en-US" sz="1600" noProof="0" smtClean="0"/>
-                        <a:t>[]</a:t>
-                      </a:r>
-                      <a:endParaRPr lang="en-US" sz="1600" noProof="0"/>
-                    </a:p>
-                  </a:txBody>
-                  <a:tcPr marL="91447" marR="91447" marT="45714" marB="45714"/>
-                </a:tc>
-                <a:tc>
-                  <a:txBody>
-                    <a:bodyPr/>
-                    <a:lstStyle/>
-                    <a:p>
-                      <a:r>
-                        <a:rPr lang="en-US" sz="1600" noProof="0" dirty="0" err="1" smtClean="0"/>
-                        <a:t>Especificar</a:t>
-                      </a:r>
-                      <a:r>
-                        <a:rPr lang="en-US" sz="1600" noProof="0" dirty="0" smtClean="0"/>
-                        <a:t> </a:t>
-                      </a:r>
-                      <a:r>
-                        <a:rPr lang="en-US" sz="1600" noProof="0" dirty="0" err="1" smtClean="0"/>
-                        <a:t>rangos</a:t>
-                      </a:r>
-                      <a:endParaRPr lang="en-US" sz="1600" noProof="0" dirty="0"/>
-                    </a:p>
-                  </a:txBody>
-                  <a:tcPr marL="91447" marR="91447" marT="45714" marB="45714"/>
-                </a:tc>
-              </a:tr>
-              <a:tr h="370795">
-                <a:tc>
-                  <a:txBody>
-                    <a:bodyPr/>
-                    <a:lstStyle/>
-                    <a:p>
-                      <a:r>
-                        <a:rPr lang="en-US" sz="1600" noProof="0" dirty="0" smtClean="0"/>
-                        <a:t>\w</a:t>
-                      </a:r>
-                      <a:endParaRPr lang="en-US" sz="1600" noProof="0" dirty="0"/>
-                    </a:p>
-                  </a:txBody>
-                  <a:tcPr marL="91447" marR="91447" marT="45714" marB="45714"/>
-                </a:tc>
-                <a:tc>
-                  <a:txBody>
-                    <a:bodyPr/>
-                    <a:lstStyle/>
-                    <a:p>
-                      <a:r>
-                        <a:rPr lang="en-US" sz="1600" noProof="0" dirty="0" err="1" smtClean="0"/>
-                        <a:t>Letra</a:t>
-                      </a:r>
-                      <a:r>
-                        <a:rPr lang="en-US" sz="1600" noProof="0" dirty="0" smtClean="0"/>
-                        <a:t> o </a:t>
-                      </a:r>
-                      <a:r>
-                        <a:rPr lang="en-US" sz="1600" noProof="0" dirty="0" err="1" smtClean="0"/>
-                        <a:t>número</a:t>
-                      </a:r>
-                      <a:endParaRPr lang="en-US" sz="1600" noProof="0" dirty="0"/>
-                    </a:p>
-                  </a:txBody>
-                  <a:tcPr marL="91447" marR="91447" marT="45714" marB="45714"/>
-                </a:tc>
-              </a:tr>
-              <a:tr h="370795">
-                <a:tc>
-                  <a:txBody>
-                    <a:bodyPr/>
-                    <a:lstStyle/>
-                    <a:p>
-                      <a:r>
-                        <a:rPr lang="en-US" sz="1600" noProof="0" dirty="0" smtClean="0"/>
-                        <a:t>\W</a:t>
-                      </a:r>
-                      <a:endParaRPr lang="en-US" sz="1600" noProof="0" dirty="0"/>
-                    </a:p>
-                  </a:txBody>
-                  <a:tcPr marL="91447" marR="91447" marT="45714" marB="45714"/>
-                </a:tc>
-                <a:tc>
-                  <a:txBody>
-                    <a:bodyPr/>
-                    <a:lstStyle/>
-                    <a:p>
-                      <a:r>
-                        <a:rPr lang="en-US" sz="1600" noProof="0" dirty="0" err="1" smtClean="0"/>
-                        <a:t>Cualquier</a:t>
-                      </a:r>
-                      <a:r>
-                        <a:rPr lang="en-US" sz="1600" noProof="0" dirty="0" smtClean="0"/>
-                        <a:t> </a:t>
-                      </a:r>
-                      <a:r>
-                        <a:rPr lang="en-US" sz="1600" noProof="0" dirty="0" err="1" smtClean="0"/>
-                        <a:t>caracter</a:t>
-                      </a:r>
-                      <a:r>
-                        <a:rPr lang="en-US" sz="1600" noProof="0" dirty="0" smtClean="0"/>
-                        <a:t> </a:t>
-                      </a:r>
-                      <a:r>
-                        <a:rPr lang="en-US" sz="1600" noProof="0" dirty="0" err="1" smtClean="0"/>
-                        <a:t>que</a:t>
-                      </a:r>
-                      <a:r>
-                        <a:rPr lang="en-US" sz="1600" noProof="0" dirty="0" smtClean="0"/>
-                        <a:t> no </a:t>
-                      </a:r>
-                      <a:r>
-                        <a:rPr lang="en-US" sz="1600" noProof="0" dirty="0" err="1" smtClean="0"/>
-                        <a:t>sean</a:t>
-                      </a:r>
-                      <a:r>
-                        <a:rPr lang="en-US" sz="1600" baseline="0" noProof="0" dirty="0" smtClean="0"/>
-                        <a:t> </a:t>
-                      </a:r>
-                      <a:r>
-                        <a:rPr lang="en-US" sz="1600" baseline="0" noProof="0" dirty="0" err="1" smtClean="0"/>
-                        <a:t>letras</a:t>
-                      </a:r>
-                      <a:r>
-                        <a:rPr lang="en-US" sz="1600" baseline="0" noProof="0" dirty="0" smtClean="0"/>
-                        <a:t> o </a:t>
-                      </a:r>
-                      <a:r>
-                        <a:rPr lang="en-US" sz="1600" baseline="0" noProof="0" dirty="0" err="1" smtClean="0"/>
-                        <a:t>números</a:t>
-                      </a:r>
-                      <a:endParaRPr lang="en-US" sz="1600" noProof="0" dirty="0"/>
-                    </a:p>
-                  </a:txBody>
-                  <a:tcPr marL="91447" marR="91447" marT="45714" marB="45714"/>
-                </a:tc>
-              </a:tr>
-              <a:tr h="370795">
-                <a:tc>
-                  <a:txBody>
-                    <a:bodyPr/>
-                    <a:lstStyle/>
-                    <a:p>
-                      <a:r>
-                        <a:rPr lang="en-US" sz="1600" noProof="0" dirty="0" smtClean="0"/>
-                        <a:t>\s</a:t>
-                      </a:r>
-                      <a:endParaRPr lang="en-US" sz="1600" noProof="0" dirty="0"/>
-                    </a:p>
-                  </a:txBody>
-                  <a:tcPr marL="91447" marR="91447" marT="45714" marB="45714"/>
-                </a:tc>
-                <a:tc>
-                  <a:txBody>
-                    <a:bodyPr/>
-                    <a:lstStyle/>
-                    <a:p>
-                      <a:r>
-                        <a:rPr lang="en-US" sz="1600" noProof="0" dirty="0" smtClean="0"/>
-                        <a:t>Un </a:t>
-                      </a:r>
-                      <a:r>
-                        <a:rPr lang="en-US" sz="1600" noProof="0" dirty="0" err="1" smtClean="0"/>
-                        <a:t>caracter</a:t>
-                      </a:r>
-                      <a:r>
-                        <a:rPr lang="en-US" sz="1600" baseline="0" noProof="0" dirty="0" smtClean="0"/>
-                        <a:t> de </a:t>
-                      </a:r>
-                      <a:r>
-                        <a:rPr lang="en-US" sz="1600" baseline="0" noProof="0" dirty="0" err="1" smtClean="0"/>
-                        <a:t>espacio</a:t>
-                      </a:r>
-                      <a:r>
-                        <a:rPr lang="en-US" sz="1600" baseline="0" noProof="0" dirty="0" smtClean="0"/>
-                        <a:t> [ </a:t>
-                      </a:r>
-                      <a:r>
-                        <a:rPr lang="es-CR" sz="1600" dirty="0" smtClean="0"/>
-                        <a:t>\t\n\r\f</a:t>
-                      </a:r>
-                      <a:r>
-                        <a:rPr lang="en-US" sz="1600" baseline="0" noProof="0" dirty="0" smtClean="0"/>
-                        <a:t>]</a:t>
-                      </a:r>
-                      <a:endParaRPr lang="en-US" sz="1600" noProof="0" dirty="0"/>
-                    </a:p>
-                  </a:txBody>
-                  <a:tcPr marL="91447" marR="91447" marT="45714" marB="45714"/>
-                </a:tc>
-              </a:tr>
-              <a:tr h="370795">
-                <a:tc>
-                  <a:txBody>
-                    <a:bodyPr/>
-                    <a:lstStyle/>
-                    <a:p>
-                      <a:r>
-                        <a:rPr lang="en-US" sz="1600" noProof="0" dirty="0" smtClean="0"/>
-                        <a:t>\S</a:t>
-                      </a:r>
-                      <a:endParaRPr lang="en-US" sz="1600" noProof="0" dirty="0"/>
-                    </a:p>
-                  </a:txBody>
-                  <a:tcPr marL="91447" marR="91447" marT="45714" marB="45714"/>
-                </a:tc>
-                <a:tc>
-                  <a:txBody>
-                    <a:bodyPr/>
-                    <a:lstStyle/>
-                    <a:p>
-                      <a:r>
-                        <a:rPr lang="en-US" sz="1600" noProof="0" dirty="0" err="1" smtClean="0"/>
-                        <a:t>Cualquier</a:t>
-                      </a:r>
-                      <a:r>
-                        <a:rPr lang="en-US" sz="1600" noProof="0" dirty="0" smtClean="0"/>
-                        <a:t> </a:t>
-                      </a:r>
-                      <a:r>
-                        <a:rPr lang="en-US" sz="1600" noProof="0" dirty="0" err="1" smtClean="0"/>
-                        <a:t>caracter</a:t>
-                      </a:r>
-                      <a:r>
-                        <a:rPr lang="en-US" sz="1600" noProof="0" dirty="0" smtClean="0"/>
-                        <a:t> </a:t>
-                      </a:r>
-                      <a:r>
-                        <a:rPr lang="en-US" sz="1600" noProof="0" dirty="0" err="1" smtClean="0"/>
-                        <a:t>que</a:t>
-                      </a:r>
-                      <a:r>
-                        <a:rPr lang="en-US" sz="1600" baseline="0" noProof="0" dirty="0" smtClean="0"/>
-                        <a:t> no sea un </a:t>
-                      </a:r>
-                      <a:r>
-                        <a:rPr lang="en-US" sz="1600" baseline="0" noProof="0" dirty="0" err="1" smtClean="0"/>
-                        <a:t>espacio</a:t>
-                      </a:r>
-                      <a:endParaRPr lang="en-US" sz="1600" noProof="0" dirty="0"/>
-                    </a:p>
-                  </a:txBody>
-                  <a:tcPr marL="91447" marR="91447" marT="45714" marB="45714"/>
-                </a:tc>
-              </a:tr>
-              <a:tr h="370795">
-                <a:tc>
-                  <a:txBody>
-                    <a:bodyPr/>
-                    <a:lstStyle/>
-                    <a:p>
-                      <a:r>
-                        <a:rPr lang="en-US" sz="1600" noProof="0" dirty="0" smtClean="0"/>
-                        <a:t>\d</a:t>
-                      </a:r>
-                      <a:endParaRPr lang="en-US" sz="1600" noProof="0" dirty="0"/>
-                    </a:p>
-                  </a:txBody>
-                  <a:tcPr marL="91447" marR="91447" marT="45714" marB="45714"/>
-                </a:tc>
-                <a:tc>
-                  <a:txBody>
-                    <a:bodyPr/>
-                    <a:lstStyle/>
-                    <a:p>
-                      <a:r>
-                        <a:rPr lang="en-US" sz="1600" noProof="0" dirty="0" err="1" smtClean="0"/>
-                        <a:t>Número</a:t>
-                      </a:r>
-                      <a:endParaRPr lang="en-US" sz="1600" noProof="0" dirty="0"/>
-                    </a:p>
-                  </a:txBody>
-                  <a:tcPr marL="91447" marR="91447" marT="45714" marB="45714"/>
-                </a:tc>
-              </a:tr>
-              <a:tr h="370795">
-                <a:tc>
-                  <a:txBody>
-                    <a:bodyPr/>
-                    <a:lstStyle/>
-                    <a:p>
-                      <a:r>
-                        <a:rPr lang="en-US" sz="1600" noProof="0" dirty="0" smtClean="0"/>
-                        <a:t>*, ?</a:t>
-                      </a:r>
-                      <a:endParaRPr lang="en-US" sz="1600" noProof="0" dirty="0"/>
-                    </a:p>
-                  </a:txBody>
-                  <a:tcPr marL="91447" marR="91447" marT="45714" marB="45714"/>
-                </a:tc>
-                <a:tc>
-                  <a:txBody>
-                    <a:bodyPr/>
-                    <a:lstStyle/>
-                    <a:p>
-                      <a:r>
-                        <a:rPr lang="en-US" sz="1600" noProof="0" dirty="0" smtClean="0"/>
-                        <a:t>Cero o </a:t>
-                      </a:r>
-                      <a:r>
-                        <a:rPr lang="en-US" sz="1600" noProof="0" dirty="0" err="1" smtClean="0"/>
-                        <a:t>más</a:t>
-                      </a:r>
-                      <a:r>
-                        <a:rPr lang="en-US" sz="1600" noProof="0" dirty="0" smtClean="0"/>
-                        <a:t> </a:t>
-                      </a:r>
-                      <a:r>
-                        <a:rPr lang="en-US" sz="1600" noProof="0" dirty="0" err="1" smtClean="0"/>
-                        <a:t>repeticiones</a:t>
-                      </a:r>
-                      <a:endParaRPr lang="en-US" sz="1600" noProof="0" dirty="0"/>
-                    </a:p>
-                  </a:txBody>
-                  <a:tcPr marL="91447" marR="91447" marT="45714" marB="45714"/>
-                </a:tc>
-              </a:tr>
-              <a:tr h="370795">
-                <a:tc>
-                  <a:txBody>
-                    <a:bodyPr/>
-                    <a:lstStyle/>
-                    <a:p>
-                      <a:r>
-                        <a:rPr lang="en-US" sz="1600" noProof="0" dirty="0" smtClean="0"/>
-                        <a:t>+</a:t>
-                      </a:r>
-                      <a:endParaRPr lang="en-US" sz="1600" noProof="0" dirty="0"/>
-                    </a:p>
-                  </a:txBody>
-                  <a:tcPr marL="91447" marR="91447" marT="45714" marB="45714"/>
-                </a:tc>
-                <a:tc>
-                  <a:txBody>
-                    <a:bodyPr/>
-                    <a:lstStyle/>
-                    <a:p>
-                      <a:r>
-                        <a:rPr lang="en-US" sz="1600" noProof="0" dirty="0" err="1" smtClean="0"/>
-                        <a:t>Una</a:t>
-                      </a:r>
-                      <a:r>
-                        <a:rPr lang="en-US" sz="1600" noProof="0" dirty="0" smtClean="0"/>
-                        <a:t> o </a:t>
-                      </a:r>
-                      <a:r>
-                        <a:rPr lang="en-US" sz="1600" noProof="0" dirty="0" err="1" smtClean="0"/>
-                        <a:t>más</a:t>
-                      </a:r>
-                      <a:r>
-                        <a:rPr lang="en-US" sz="1600" noProof="0" dirty="0" smtClean="0"/>
-                        <a:t> </a:t>
-                      </a:r>
-                      <a:r>
-                        <a:rPr lang="en-US" sz="1600" noProof="0" dirty="0" err="1" smtClean="0"/>
-                        <a:t>repeticiones</a:t>
-                      </a:r>
-                      <a:endParaRPr lang="en-US" sz="1600" noProof="0" dirty="0"/>
-                    </a:p>
-                  </a:txBody>
-                  <a:tcPr marL="91447" marR="91447" marT="45714" marB="45714"/>
-                </a:tc>
-              </a:tr>
-              <a:tr h="370795">
-                <a:tc>
-                  <a:txBody>
-                    <a:bodyPr/>
-                    <a:lstStyle/>
-                    <a:p>
-                      <a:r>
-                        <a:rPr lang="en-US" sz="1600" noProof="0" dirty="0" smtClean="0"/>
-                        <a:t>$ - \z</a:t>
-                      </a:r>
-                      <a:endParaRPr lang="en-US" sz="1600" noProof="0" dirty="0"/>
-                    </a:p>
-                  </a:txBody>
-                  <a:tcPr marL="91447" marR="91447" marT="45714" marB="45714"/>
-                </a:tc>
-                <a:tc>
-                  <a:txBody>
-                    <a:bodyPr/>
-                    <a:lstStyle/>
-                    <a:p>
-                      <a:r>
-                        <a:rPr lang="en-US" sz="1600" noProof="0" dirty="0" smtClean="0"/>
-                        <a:t>Fin de </a:t>
-                      </a:r>
-                      <a:r>
-                        <a:rPr lang="en-US" sz="1600" noProof="0" dirty="0" err="1" smtClean="0"/>
-                        <a:t>línea</a:t>
-                      </a:r>
-                      <a:endParaRPr lang="en-US" sz="1600" noProof="0" dirty="0"/>
-                    </a:p>
-                  </a:txBody>
-                  <a:tcPr marL="91447" marR="91447" marT="45714" marB="45714"/>
-                </a:tc>
-              </a:tr>
-              <a:tr h="370795">
-                <a:tc>
-                  <a:txBody>
-                    <a:bodyPr/>
-                    <a:lstStyle/>
-                    <a:p>
-                      <a:r>
-                        <a:rPr lang="en-US" sz="1600" noProof="0" dirty="0" smtClean="0"/>
-                        <a:t>{</a:t>
-                      </a:r>
-                      <a:r>
-                        <a:rPr lang="en-US" sz="1600" noProof="0" dirty="0" err="1" smtClean="0"/>
-                        <a:t>m,n</a:t>
-                      </a:r>
-                      <a:r>
-                        <a:rPr lang="en-US" sz="1600" noProof="0" dirty="0" smtClean="0"/>
-                        <a:t>}</a:t>
-                      </a:r>
-                      <a:endParaRPr lang="en-US" sz="1600" noProof="0" dirty="0"/>
-                    </a:p>
-                  </a:txBody>
-                  <a:tcPr marL="91447" marR="91447" marT="45714" marB="45714"/>
-                </a:tc>
-                <a:tc>
-                  <a:txBody>
-                    <a:bodyPr/>
-                    <a:lstStyle/>
-                    <a:p>
-                      <a:r>
-                        <a:rPr lang="en-US" sz="1600" noProof="0" dirty="0" smtClean="0"/>
-                        <a:t>Al </a:t>
-                      </a:r>
-                      <a:r>
-                        <a:rPr lang="en-US" sz="1600" noProof="0" dirty="0" err="1" smtClean="0"/>
-                        <a:t>menos</a:t>
-                      </a:r>
-                      <a:r>
-                        <a:rPr lang="en-US" sz="1600" noProof="0" dirty="0" smtClean="0"/>
-                        <a:t> M </a:t>
-                      </a:r>
-                      <a:r>
-                        <a:rPr lang="en-US" sz="1600" noProof="0" dirty="0" err="1" smtClean="0"/>
-                        <a:t>elementos</a:t>
-                      </a:r>
-                      <a:r>
-                        <a:rPr lang="en-US" sz="1600" noProof="0" dirty="0" smtClean="0"/>
-                        <a:t> y </a:t>
-                      </a:r>
-                      <a:r>
-                        <a:rPr lang="en-US" sz="1600" noProof="0" dirty="0" err="1" smtClean="0"/>
-                        <a:t>máximo</a:t>
-                      </a:r>
-                      <a:r>
-                        <a:rPr lang="en-US" sz="1600" noProof="0" dirty="0" smtClean="0"/>
-                        <a:t> N</a:t>
-                      </a:r>
-                      <a:endParaRPr lang="en-US" sz="1600" noProof="0" dirty="0"/>
-                    </a:p>
-                  </a:txBody>
-                  <a:tcPr marL="91447" marR="91447" marT="45714" marB="45714"/>
-                </a:tc>
-              </a:tr>
-              <a:tr h="370795">
-                <a:tc>
-                  <a:txBody>
-                    <a:bodyPr/>
-                    <a:lstStyle/>
-                    <a:p>
-                      <a:r>
-                        <a:rPr lang="es-CR" sz="1600" dirty="0" smtClean="0"/>
-                        <a:t>()</a:t>
-                      </a:r>
-                      <a:endParaRPr lang="en-US" sz="1600" noProof="0" dirty="0"/>
-                    </a:p>
-                  </a:txBody>
-                  <a:tcPr marL="91447" marR="91447" marT="45714" marB="45714"/>
-                </a:tc>
-                <a:tc>
-                  <a:txBody>
-                    <a:bodyPr/>
-                    <a:lstStyle/>
-                    <a:p>
-                      <a:r>
-                        <a:rPr lang="en-US" sz="1600" noProof="0" dirty="0" err="1" smtClean="0"/>
-                        <a:t>Agrupar</a:t>
-                      </a:r>
-                      <a:r>
-                        <a:rPr lang="en-US" sz="1600" baseline="0" noProof="0" dirty="0" smtClean="0"/>
-                        <a:t> </a:t>
-                      </a:r>
-                      <a:r>
-                        <a:rPr lang="en-US" sz="1600" baseline="0" noProof="0" dirty="0" err="1" smtClean="0"/>
-                        <a:t>Elementos</a:t>
-                      </a:r>
-                      <a:endParaRPr lang="en-US" sz="1600" noProof="0" dirty="0"/>
-                    </a:p>
-                  </a:txBody>
-                  <a:tcPr marL="91447" marR="91447" marT="45714" marB="45714"/>
-                </a:tc>
-              </a:tr>
-              <a:tr h="370795">
-                <a:tc>
-                  <a:txBody>
-                    <a:bodyPr/>
-                    <a:lstStyle/>
-                    <a:p>
-                      <a:r>
-                        <a:rPr lang="es-CR" sz="1600" dirty="0" smtClean="0"/>
-                        <a:t>||</a:t>
-                      </a:r>
-                      <a:endParaRPr lang="en-US" sz="1600" noProof="0" dirty="0"/>
-                    </a:p>
-                  </a:txBody>
-                  <a:tcPr marL="91447" marR="91447" marT="45714" marB="45714"/>
-                </a:tc>
-                <a:tc>
-                  <a:txBody>
-                    <a:bodyPr/>
-                    <a:lstStyle/>
-                    <a:p>
-                      <a:r>
-                        <a:rPr lang="en-US" sz="1600" noProof="0" dirty="0" err="1" smtClean="0"/>
-                        <a:t>Operador</a:t>
-                      </a:r>
-                      <a:r>
-                        <a:rPr lang="en-US" sz="1600" baseline="0" noProof="0" dirty="0" smtClean="0"/>
-                        <a:t> </a:t>
-                      </a:r>
-                      <a:r>
-                        <a:rPr lang="en-US" sz="1600" baseline="0" noProof="0" dirty="0" err="1" smtClean="0"/>
-                        <a:t>lógico</a:t>
-                      </a:r>
-                      <a:r>
-                        <a:rPr lang="en-US" sz="1600" baseline="0" noProof="0" dirty="0" smtClean="0"/>
-                        <a:t> OR</a:t>
-                      </a:r>
-                      <a:endParaRPr lang="en-US" sz="1600" noProof="0" dirty="0"/>
-                    </a:p>
-                  </a:txBody>
-                  <a:tcPr marL="91447" marR="91447" marT="45714" marB="45714"/>
-                </a:tc>
-              </a:tr>
-            </a:tbl>
-          </a:graphicData>
-        </a:graphic>
-      </p:graphicFrame>
-    </p:spTree>
-    <p:extLst>
-      <p:ext uri="{BB962C8B-B14F-4D97-AF65-F5344CB8AC3E}">
-        <p14:creationId xmlns:p14="http://schemas.microsoft.com/office/powerpoint/2010/main" val="4104612834"/>
-      </p:ext>
-    </p:extLst>
-  </p:cSld>
-  <p:clrMapOvr>
-    <a:masterClrMapping/>
-  </p:clrMapOvr>
-</p:sld>
-</file>
-
-<file path=ppt/slides/slide64.xml><?xml version="1.0" encoding="utf-8"?>
-<p:sld xmlns:a="http://schemas.openxmlformats.org/drawingml/2006/main" xmlns:r="http://schemas.openxmlformats.org/officeDocument/2006/relationships" xmlns:p="http://schemas.openxmlformats.org/presentationml/2006/main">
-  <p:cSld>
-    <p:spTree>
-      <p:nvGrpSpPr>
-        <p:cNvPr id="1" name=""/>
-        <p:cNvGrpSpPr/>
-        <p:nvPr/>
-      </p:nvGrpSpPr>
-      <p:grpSpPr>
-        <a:xfrm>
-          <a:off x="0" y="0"/>
-          <a:ext cx="0" cy="0"/>
-          <a:chOff x="0" y="0"/>
-          <a:chExt cx="0" cy="0"/>
-        </a:xfrm>
-      </p:grpSpPr>
-      <p:sp>
-        <p:nvSpPr>
-          <p:cNvPr id="3074" name="1 Título"/>
-          <p:cNvSpPr>
-            <a:spLocks noGrp="1"/>
-          </p:cNvSpPr>
-          <p:nvPr>
-            <p:ph type="title"/>
-          </p:nvPr>
-        </p:nvSpPr>
-        <p:spPr>
-          <a:xfrm>
-            <a:off x="457200" y="-100013"/>
-            <a:ext cx="8229600" cy="1143001"/>
-          </a:xfrm>
-        </p:spPr>
-        <p:txBody>
-          <a:bodyPr/>
-          <a:lstStyle/>
-          <a:p>
-            <a:r>
-              <a:rPr lang="es-CR" dirty="0" smtClean="0">
-                <a:latin typeface="Calibri" charset="0"/>
-              </a:rPr>
-              <a:t>Bloques de código </a:t>
-            </a:r>
-            <a:r>
-              <a:rPr lang="es-CR" sz="2000" dirty="0" smtClean="0">
-                <a:latin typeface="Calibri" charset="0"/>
-              </a:rPr>
-              <a:t>(1/3)</a:t>
-            </a:r>
-            <a:endParaRPr lang="es-CR" dirty="0">
-              <a:latin typeface="Calibri" charset="0"/>
-            </a:endParaRPr>
-          </a:p>
-        </p:txBody>
-      </p:sp>
-      <p:sp>
-        <p:nvSpPr>
-          <p:cNvPr id="3075" name="2 Marcador de contenido"/>
-          <p:cNvSpPr>
-            <a:spLocks noGrp="1"/>
-          </p:cNvSpPr>
-          <p:nvPr>
-            <p:ph idx="1"/>
-          </p:nvPr>
-        </p:nvSpPr>
-        <p:spPr/>
-        <p:txBody>
-          <a:bodyPr/>
-          <a:lstStyle/>
-          <a:p>
-            <a:r>
-              <a:rPr lang="es-CR" dirty="0" smtClean="0">
-                <a:latin typeface="Calibri" charset="0"/>
-              </a:rPr>
-              <a:t>Un bloque es una sección de código entre “{}” o “do</a:t>
-            </a:r>
-            <a:r>
-              <a:rPr lang="es-CR" dirty="0">
-                <a:latin typeface="Calibri" charset="0"/>
-              </a:rPr>
-              <a:t>..</a:t>
-            </a:r>
-            <a:r>
-              <a:rPr lang="es-CR" dirty="0" smtClean="0">
-                <a:latin typeface="Calibri" charset="0"/>
-              </a:rPr>
-              <a:t>end”</a:t>
-            </a:r>
-            <a:endParaRPr lang="es-CR" dirty="0">
-              <a:latin typeface="Calibri" charset="0"/>
-            </a:endParaRPr>
-          </a:p>
-          <a:p>
-            <a:endParaRPr lang="es-CR" dirty="0">
-              <a:latin typeface="Calibri" charset="0"/>
-            </a:endParaRPr>
-          </a:p>
-          <a:p>
-            <a:r>
-              <a:rPr lang="es-CR" dirty="0" smtClean="0">
-                <a:latin typeface="Calibri" charset="0"/>
-              </a:rPr>
-              <a:t>Bloques de código pueden recibir parámetros</a:t>
-            </a:r>
-          </a:p>
-          <a:p>
-            <a:endParaRPr lang="es-CR" dirty="0">
-              <a:latin typeface="Calibri" charset="0"/>
-            </a:endParaRPr>
-          </a:p>
-          <a:p>
-            <a:r>
-              <a:rPr lang="es-CR" dirty="0" smtClean="0">
-                <a:latin typeface="Calibri" charset="0"/>
-              </a:rPr>
-              <a:t>Cualquier método puede recibir un bloque de código (por ejemplo, ya vimos que el delete_if y select reciben un bloque con las condiciones)</a:t>
-            </a:r>
-            <a:endParaRPr lang="es-CR" dirty="0">
-              <a:latin typeface="Calibri" charset="0"/>
-            </a:endParaRPr>
-          </a:p>
-          <a:p>
-            <a:endParaRPr lang="es-CR" dirty="0">
-              <a:latin typeface="Calibri" charset="0"/>
-            </a:endParaRPr>
-          </a:p>
-        </p:txBody>
-      </p:sp>
-    </p:spTree>
-    <p:extLst>
-      <p:ext uri="{BB962C8B-B14F-4D97-AF65-F5344CB8AC3E}">
-        <p14:creationId xmlns:p14="http://schemas.microsoft.com/office/powerpoint/2010/main" val="166629089"/>
-      </p:ext>
-    </p:extLst>
-  </p:cSld>
-  <p:clrMapOvr>
-    <a:masterClrMapping/>
-  </p:clrMapOvr>
-  <p:timing>
-    <p:tnLst>
-      <p:par>
-        <p:cTn xmlns:p14="http://schemas.microsoft.com/office/powerpoint/2010/main" id="1" dur="indefinite" restart="never" nodeType="tmRoot"/>
-      </p:par>
-    </p:tnLst>
-  </p:timing>
-</p:sld>
-</file>
-
-<file path=ppt/slides/slide65.xml><?xml version="1.0" encoding="utf-8"?>
-<p:sld xmlns:a="http://schemas.openxmlformats.org/drawingml/2006/main" xmlns:r="http://schemas.openxmlformats.org/officeDocument/2006/relationships" xmlns:p="http://schemas.openxmlformats.org/presentationml/2006/main">
-  <p:cSld>
-    <p:spTree>
-      <p:nvGrpSpPr>
-        <p:cNvPr id="1" name=""/>
-        <p:cNvGrpSpPr/>
-        <p:nvPr/>
-      </p:nvGrpSpPr>
-      <p:grpSpPr>
-        <a:xfrm>
-          <a:off x="0" y="0"/>
-          <a:ext cx="0" cy="0"/>
-          <a:chOff x="0" y="0"/>
-          <a:chExt cx="0" cy="0"/>
-        </a:xfrm>
-      </p:grpSpPr>
-      <p:sp>
-        <p:nvSpPr>
-          <p:cNvPr id="16386" name="1 Título"/>
-          <p:cNvSpPr>
-            <a:spLocks noGrp="1"/>
-          </p:cNvSpPr>
-          <p:nvPr>
-            <p:ph type="title"/>
-          </p:nvPr>
-        </p:nvSpPr>
-        <p:spPr>
-          <a:xfrm>
-            <a:off x="457200" y="-171450"/>
-            <a:ext cx="8229600" cy="1143000"/>
-          </a:xfrm>
-        </p:spPr>
-        <p:txBody>
-          <a:bodyPr/>
-          <a:lstStyle/>
-          <a:p>
-            <a:r>
-              <a:rPr lang="es-CR">
-                <a:latin typeface="Calibri" charset="0"/>
-              </a:rPr>
-              <a:t>Using libraries</a:t>
-            </a:r>
-          </a:p>
-        </p:txBody>
-      </p:sp>
-      <p:sp>
-        <p:nvSpPr>
-          <p:cNvPr id="16387" name="2 Marcador de contenido"/>
-          <p:cNvSpPr>
-            <a:spLocks noGrp="1"/>
-          </p:cNvSpPr>
-          <p:nvPr>
-            <p:ph idx="1"/>
-          </p:nvPr>
-        </p:nvSpPr>
-        <p:spPr/>
-        <p:txBody>
-          <a:bodyPr/>
-          <a:lstStyle/>
-          <a:p>
-            <a:r>
-              <a:rPr lang="es-CR">
-                <a:latin typeface="Calibri" charset="0"/>
-              </a:rPr>
-              <a:t>Loading libraries in Ruby requires the usage of </a:t>
-            </a:r>
-            <a:r>
-              <a:rPr lang="es-CR" b="1">
-                <a:latin typeface="Calibri" charset="0"/>
-              </a:rPr>
-              <a:t>require</a:t>
-            </a:r>
-            <a:r>
-              <a:rPr lang="es-CR">
-                <a:latin typeface="Calibri" charset="0"/>
-              </a:rPr>
-              <a:t> or </a:t>
-            </a:r>
-            <a:r>
-              <a:rPr lang="es-CR" b="1">
-                <a:latin typeface="Calibri" charset="0"/>
-              </a:rPr>
-              <a:t>load</a:t>
-            </a:r>
-          </a:p>
-          <a:p>
-            <a:r>
-              <a:rPr lang="es-CR" b="1">
-                <a:latin typeface="Calibri" charset="0"/>
-              </a:rPr>
-              <a:t>Require</a:t>
-            </a:r>
-            <a:r>
-              <a:rPr lang="es-CR">
-                <a:latin typeface="Calibri" charset="0"/>
-              </a:rPr>
-              <a:t> loads the file just once, it doesn’t matter if we add the same instruction more than 2 times.</a:t>
-            </a:r>
-          </a:p>
-          <a:p>
-            <a:r>
-              <a:rPr lang="es-CR" b="1">
-                <a:latin typeface="Calibri" charset="0"/>
-              </a:rPr>
-              <a:t>Load</a:t>
-            </a:r>
-            <a:r>
-              <a:rPr lang="es-CR">
-                <a:latin typeface="Calibri" charset="0"/>
-              </a:rPr>
-              <a:t> reads the file each time that we use the load statement.</a:t>
-            </a:r>
-          </a:p>
-          <a:p>
-            <a:endParaRPr lang="es-CR">
-              <a:latin typeface="Calibri" charset="0"/>
-            </a:endParaRPr>
-          </a:p>
-        </p:txBody>
-      </p:sp>
-    </p:spTree>
-    <p:extLst>
-      <p:ext uri="{BB962C8B-B14F-4D97-AF65-F5344CB8AC3E}">
-        <p14:creationId xmlns:p14="http://schemas.microsoft.com/office/powerpoint/2010/main" val="750292984"/>
-      </p:ext>
-    </p:extLst>
-  </p:cSld>
-  <p:clrMapOvr>
-    <a:masterClrMapping/>
-  </p:clrMapOvr>
-  <p:timing>
-    <p:tnLst>
-      <p:par>
-        <p:cTn xmlns:p14="http://schemas.microsoft.com/office/powerpoint/2010/main" id="1" dur="indefinite" restart="never" nodeType="tmRoot"/>
-      </p:par>
-    </p:tnLst>
-  </p:timing>
-</p:sld>
-</file>
-
-<file path=ppt/slides/slide66.xml><?xml version="1.0" encoding="utf-8"?>
-<p:sld xmlns:a="http://schemas.openxmlformats.org/drawingml/2006/main" xmlns:r="http://schemas.openxmlformats.org/officeDocument/2006/relationships" xmlns:p="http://schemas.openxmlformats.org/presentationml/2006/main">
-  <p:cSld>
-    <p:spTree>
-      <p:nvGrpSpPr>
-        <p:cNvPr id="1" name=""/>
-        <p:cNvGrpSpPr/>
-        <p:nvPr/>
-      </p:nvGrpSpPr>
-      <p:grpSpPr>
-        <a:xfrm>
-          <a:off x="0" y="0"/>
-          <a:ext cx="0" cy="0"/>
-          <a:chOff x="0" y="0"/>
-          <a:chExt cx="0" cy="0"/>
-        </a:xfrm>
-      </p:grpSpPr>
-      <p:sp>
-        <p:nvSpPr>
-          <p:cNvPr id="17410" name="1 Título"/>
-          <p:cNvSpPr>
-            <a:spLocks noGrp="1"/>
-          </p:cNvSpPr>
-          <p:nvPr>
-            <p:ph type="title"/>
-          </p:nvPr>
-        </p:nvSpPr>
-        <p:spPr>
-          <a:xfrm>
-            <a:off x="457200" y="-171450"/>
-            <a:ext cx="8229600" cy="1143000"/>
-          </a:xfrm>
-        </p:spPr>
-        <p:txBody>
-          <a:bodyPr/>
-          <a:lstStyle/>
-          <a:p>
-            <a:r>
-              <a:rPr lang="es-CR">
-                <a:latin typeface="Calibri" charset="0"/>
-              </a:rPr>
-              <a:t>Modules</a:t>
-            </a:r>
-          </a:p>
-        </p:txBody>
-      </p:sp>
-      <p:sp>
-        <p:nvSpPr>
-          <p:cNvPr id="17411" name="2 Marcador de contenido"/>
-          <p:cNvSpPr>
-            <a:spLocks noGrp="1"/>
-          </p:cNvSpPr>
-          <p:nvPr>
-            <p:ph idx="1"/>
-          </p:nvPr>
-        </p:nvSpPr>
-        <p:spPr/>
-        <p:txBody>
-          <a:bodyPr/>
-          <a:lstStyle/>
-          <a:p>
-            <a:r>
-              <a:rPr lang="es-CR">
-                <a:latin typeface="Calibri" charset="0"/>
-              </a:rPr>
-              <a:t>Are similar to classes, can contain methods, variables, constants and other elements.</a:t>
-            </a:r>
-          </a:p>
-          <a:p>
-            <a:r>
-              <a:rPr lang="es-CR">
-                <a:latin typeface="Calibri" charset="0"/>
-              </a:rPr>
-              <a:t>However it’s not possible to create inherit modules/classes from them</a:t>
-            </a:r>
-          </a:p>
-          <a:p>
-            <a:r>
-              <a:rPr lang="es-CR">
-                <a:latin typeface="Calibri" charset="0"/>
-              </a:rPr>
-              <a:t>Modules are mainly used in the enhancement of classes (by adding additional functionality) or for declaring libraries</a:t>
-            </a:r>
-          </a:p>
-        </p:txBody>
-      </p:sp>
-    </p:spTree>
-    <p:extLst>
-      <p:ext uri="{BB962C8B-B14F-4D97-AF65-F5344CB8AC3E}">
-        <p14:creationId xmlns:p14="http://schemas.microsoft.com/office/powerpoint/2010/main" val="3758000107"/>
-      </p:ext>
-    </p:extLst>
-  </p:cSld>
-  <p:clrMapOvr>
-    <a:masterClrMapping/>
-  </p:clrMapOvr>
-  <p:timing>
-    <p:tnLst>
-      <p:par>
-        <p:cTn xmlns:p14="http://schemas.microsoft.com/office/powerpoint/2010/main" id="1" dur="indefinite" restart="never" nodeType="tmRoot"/>
-      </p:par>
-    </p:tnLst>
-  </p:timing>
-</p:sld>
-</file>
-
-<file path=ppt/slides/slide67.xml><?xml version="1.0" encoding="utf-8"?>
-<p:sld xmlns:a="http://schemas.openxmlformats.org/drawingml/2006/main" xmlns:r="http://schemas.openxmlformats.org/officeDocument/2006/relationships" xmlns:p="http://schemas.openxmlformats.org/presentationml/2006/main">
-  <p:cSld>
-    <p:spTree>
-      <p:nvGrpSpPr>
-        <p:cNvPr id="1" name=""/>
-        <p:cNvGrpSpPr/>
-        <p:nvPr/>
-      </p:nvGrpSpPr>
-      <p:grpSpPr>
-        <a:xfrm>
-          <a:off x="0" y="0"/>
-          <a:ext cx="0" cy="0"/>
-          <a:chOff x="0" y="0"/>
-          <a:chExt cx="0" cy="0"/>
-        </a:xfrm>
-      </p:grpSpPr>
-      <p:sp>
-        <p:nvSpPr>
-          <p:cNvPr id="18434" name="1 Título"/>
-          <p:cNvSpPr>
-            <a:spLocks noGrp="1"/>
-          </p:cNvSpPr>
-          <p:nvPr>
-            <p:ph type="title"/>
-          </p:nvPr>
-        </p:nvSpPr>
-        <p:spPr>
-          <a:xfrm>
-            <a:off x="457200" y="-171450"/>
-            <a:ext cx="8229600" cy="1143000"/>
-          </a:xfrm>
-        </p:spPr>
-        <p:txBody>
-          <a:bodyPr/>
-          <a:lstStyle/>
-          <a:p>
-            <a:r>
-              <a:rPr lang="es-CR">
-                <a:latin typeface="Calibri" charset="0"/>
-              </a:rPr>
-              <a:t>Exceptions</a:t>
-            </a:r>
-          </a:p>
-        </p:txBody>
-      </p:sp>
-      <p:sp>
-        <p:nvSpPr>
-          <p:cNvPr id="18435" name="2 Marcador de contenido"/>
-          <p:cNvSpPr>
-            <a:spLocks noGrp="1"/>
-          </p:cNvSpPr>
-          <p:nvPr>
-            <p:ph idx="1"/>
-          </p:nvPr>
-        </p:nvSpPr>
-        <p:spPr>
-          <a:xfrm>
-            <a:off x="457200" y="1412875"/>
-            <a:ext cx="4691063" cy="4525963"/>
-          </a:xfrm>
-        </p:spPr>
-        <p:txBody>
-          <a:bodyPr/>
-          <a:lstStyle/>
-          <a:p>
-            <a:r>
-              <a:rPr lang="es-CR">
-                <a:latin typeface="Calibri" charset="0"/>
-              </a:rPr>
-              <a:t>Every exception inherit from a common Exception class</a:t>
-            </a:r>
-          </a:p>
-          <a:p>
-            <a:r>
-              <a:rPr lang="es-CR">
-                <a:latin typeface="Calibri" charset="0"/>
-              </a:rPr>
-              <a:t>Throwing exceptions in ruby can be done by using “raise”</a:t>
-            </a:r>
-          </a:p>
-          <a:p>
-            <a:r>
-              <a:rPr lang="es-CR">
-                <a:latin typeface="Calibri" charset="0"/>
-              </a:rPr>
-              <a:t>The default exception in Ruby is “Runtime Exception”</a:t>
-            </a:r>
-          </a:p>
-        </p:txBody>
-      </p:sp>
-      <p:sp>
-        <p:nvSpPr>
-          <p:cNvPr id="18436" name="3 CuadroTexto"/>
-          <p:cNvSpPr txBox="1">
-            <a:spLocks noChangeArrowheads="1"/>
-          </p:cNvSpPr>
-          <p:nvPr/>
-        </p:nvSpPr>
-        <p:spPr bwMode="auto">
-          <a:xfrm>
-            <a:off x="5219700" y="1824038"/>
-            <a:ext cx="3686175" cy="3970337"/>
-          </a:xfrm>
-          <a:prstGeom prst="rect">
-            <a:avLst/>
-          </a:prstGeom>
-          <a:noFill/>
-          <a:ln>
-            <a:noFill/>
-          </a:ln>
-          <a:extLst>
-            <a:ext uri="{909E8E84-426E-40dd-AFC4-6F175D3DCCD1}">
-              <a14:hiddenFill xmlns:a14="http://schemas.microsoft.com/office/drawing/2010/main">
-                <a:solidFill>
-                  <a:srgbClr val="FFFFFF"/>
-                </a:solidFill>
-              </a14:hiddenFill>
-            </a:ext>
-            <a:ext uri="{91240B29-F687-4f45-9708-019B960494DF}">
-              <a14:hiddenLine xmlns:a14="http://schemas.microsoft.com/office/drawing/2010/main" w="9525">
-                <a:solidFill>
-                  <a:srgbClr val="000000"/>
-                </a:solidFill>
-                <a:miter lim="800000"/>
-                <a:headEnd/>
-                <a:tailEnd/>
-              </a14:hiddenLine>
-            </a:ext>
-          </a:extLst>
-        </p:spPr>
-        <p:txBody>
-          <a:bodyPr wrap="none">
-            <a:spAutoFit/>
-          </a:bodyPr>
-          <a:lstStyle>
-            <a:lvl1pPr eaLnBrk="0" hangingPunct="0">
-              <a:defRPr>
-                <a:solidFill>
-                  <a:schemeClr val="tx1"/>
-                </a:solidFill>
-                <a:latin typeface="Arial" charset="0"/>
-                <a:ea typeface="ＭＳ Ｐゴシック" charset="0"/>
-              </a:defRPr>
-            </a:lvl1pPr>
-            <a:lvl2pPr marL="742950" indent="-285750" eaLnBrk="0" hangingPunct="0">
-              <a:defRPr>
-                <a:solidFill>
-                  <a:schemeClr val="tx1"/>
-                </a:solidFill>
-                <a:latin typeface="Arial" charset="0"/>
-                <a:ea typeface="ＭＳ Ｐゴシック" charset="0"/>
-              </a:defRPr>
-            </a:lvl2pPr>
-            <a:lvl3pPr marL="1143000" indent="-228600" eaLnBrk="0" hangingPunct="0">
-              <a:defRPr>
-                <a:solidFill>
-                  <a:schemeClr val="tx1"/>
-                </a:solidFill>
-                <a:latin typeface="Arial" charset="0"/>
-                <a:ea typeface="ＭＳ Ｐゴシック" charset="0"/>
-              </a:defRPr>
-            </a:lvl3pPr>
-            <a:lvl4pPr marL="1600200" indent="-228600" eaLnBrk="0" hangingPunct="0">
-              <a:defRPr>
-                <a:solidFill>
-                  <a:schemeClr val="tx1"/>
-                </a:solidFill>
-                <a:latin typeface="Arial" charset="0"/>
-                <a:ea typeface="ＭＳ Ｐゴシック" charset="0"/>
-              </a:defRPr>
-            </a:lvl4pPr>
-            <a:lvl5pPr marL="2057400" indent="-228600" eaLnBrk="0" hangingPunct="0">
-              <a:defRPr>
-                <a:solidFill>
-                  <a:schemeClr val="tx1"/>
-                </a:solidFill>
-                <a:latin typeface="Arial" charset="0"/>
-                <a:ea typeface="ＭＳ Ｐゴシック" charset="0"/>
-              </a:defRPr>
-            </a:lvl5pPr>
-            <a:lvl6pPr marL="2514600" indent="-228600" eaLnBrk="0" fontAlgn="base" hangingPunct="0">
-              <a:spcBef>
-                <a:spcPct val="0"/>
-              </a:spcBef>
-              <a:spcAft>
-                <a:spcPct val="0"/>
-              </a:spcAft>
-              <a:defRPr>
-                <a:solidFill>
-                  <a:schemeClr val="tx1"/>
-                </a:solidFill>
-                <a:latin typeface="Arial" charset="0"/>
-                <a:ea typeface="ＭＳ Ｐゴシック" charset="0"/>
-              </a:defRPr>
-            </a:lvl6pPr>
-            <a:lvl7pPr marL="2971800" indent="-228600" eaLnBrk="0" fontAlgn="base" hangingPunct="0">
-              <a:spcBef>
-                <a:spcPct val="0"/>
-              </a:spcBef>
-              <a:spcAft>
-                <a:spcPct val="0"/>
-              </a:spcAft>
-              <a:defRPr>
-                <a:solidFill>
-                  <a:schemeClr val="tx1"/>
-                </a:solidFill>
-                <a:latin typeface="Arial" charset="0"/>
-                <a:ea typeface="ＭＳ Ｐゴシック" charset="0"/>
-              </a:defRPr>
-            </a:lvl7pPr>
-            <a:lvl8pPr marL="3429000" indent="-228600" eaLnBrk="0" fontAlgn="base" hangingPunct="0">
-              <a:spcBef>
-                <a:spcPct val="0"/>
-              </a:spcBef>
-              <a:spcAft>
-                <a:spcPct val="0"/>
-              </a:spcAft>
-              <a:defRPr>
-                <a:solidFill>
-                  <a:schemeClr val="tx1"/>
-                </a:solidFill>
-                <a:latin typeface="Arial" charset="0"/>
-                <a:ea typeface="ＭＳ Ｐゴシック" charset="0"/>
-              </a:defRPr>
-            </a:lvl8pPr>
-            <a:lvl9pPr marL="3886200" indent="-228600" eaLnBrk="0" fontAlgn="base" hangingPunct="0">
-              <a:spcBef>
-                <a:spcPct val="0"/>
-              </a:spcBef>
-              <a:spcAft>
-                <a:spcPct val="0"/>
-              </a:spcAft>
-              <a:defRPr>
-                <a:solidFill>
-                  <a:schemeClr val="tx1"/>
-                </a:solidFill>
-                <a:latin typeface="Arial" charset="0"/>
-                <a:ea typeface="ＭＳ Ｐゴシック" charset="0"/>
-              </a:defRPr>
-            </a:lvl9pPr>
-          </a:lstStyle>
-          <a:p>
-            <a:pPr eaLnBrk="1" hangingPunct="1"/>
-            <a:r>
-              <a:rPr lang="es-CR"/>
-              <a:t>f = File.open("testfile") </a:t>
-            </a:r>
-          </a:p>
-          <a:p>
-            <a:pPr eaLnBrk="1" hangingPunct="1"/>
-            <a:r>
-              <a:rPr lang="es-CR"/>
-              <a:t>begin   </a:t>
-            </a:r>
-          </a:p>
-          <a:p>
-            <a:pPr eaLnBrk="1" hangingPunct="1"/>
-            <a:r>
-              <a:rPr lang="es-CR"/>
-              <a:t>  # .. process </a:t>
-            </a:r>
-          </a:p>
-          <a:p>
-            <a:pPr eaLnBrk="1" hangingPunct="1"/>
-            <a:r>
-              <a:rPr lang="es-CR"/>
-              <a:t>  raise Exception, “FAIL here!!”</a:t>
-            </a:r>
-          </a:p>
-          <a:p>
-            <a:pPr eaLnBrk="1" hangingPunct="1"/>
-            <a:r>
-              <a:rPr lang="es-CR"/>
-              <a:t>rescue OneTypeOfException</a:t>
-            </a:r>
-          </a:p>
-          <a:p>
-            <a:pPr eaLnBrk="1" hangingPunct="1"/>
-            <a:r>
-              <a:rPr lang="es-CR"/>
-              <a:t>  # Handle one Exception</a:t>
-            </a:r>
-          </a:p>
-          <a:p>
-            <a:pPr eaLnBrk="1" hangingPunct="1"/>
-            <a:r>
-              <a:rPr lang="es-CR"/>
-              <a:t>rescue AnotherTypeOfException   </a:t>
-            </a:r>
-          </a:p>
-          <a:p>
-            <a:pPr eaLnBrk="1" hangingPunct="1"/>
-            <a:r>
-              <a:rPr lang="es-CR"/>
-              <a:t>  retry</a:t>
-            </a:r>
-          </a:p>
-          <a:p>
-            <a:pPr eaLnBrk="1" hangingPunct="1"/>
-            <a:r>
-              <a:rPr lang="es-CR"/>
-              <a:t>else</a:t>
-            </a:r>
-          </a:p>
-          <a:p>
-            <a:pPr eaLnBrk="1" hangingPunct="1"/>
-            <a:r>
-              <a:rPr lang="es-CR"/>
-              <a:t>  # Any other exception</a:t>
-            </a:r>
-          </a:p>
-          <a:p>
-            <a:pPr eaLnBrk="1" hangingPunct="1"/>
-            <a:r>
-              <a:rPr lang="es-CR"/>
-              <a:t>ensure   </a:t>
-            </a:r>
-          </a:p>
-          <a:p>
-            <a:pPr eaLnBrk="1" hangingPunct="1"/>
-            <a:r>
-              <a:rPr lang="es-CR"/>
-              <a:t>  # execute always this method</a:t>
-            </a:r>
-          </a:p>
-          <a:p>
-            <a:pPr eaLnBrk="1" hangingPunct="1"/>
-            <a:r>
-              <a:rPr lang="es-CR"/>
-              <a:t>  f.close unless f.nil? </a:t>
-            </a:r>
-          </a:p>
-          <a:p>
-            <a:pPr eaLnBrk="1" hangingPunct="1"/>
-            <a:r>
-              <a:rPr lang="es-CR"/>
-              <a:t>end</a:t>
-            </a:r>
-          </a:p>
-        </p:txBody>
-      </p:sp>
-    </p:spTree>
-    <p:extLst>
-      <p:ext uri="{BB962C8B-B14F-4D97-AF65-F5344CB8AC3E}">
-        <p14:creationId xmlns:p14="http://schemas.microsoft.com/office/powerpoint/2010/main" val="3864563191"/>
-      </p:ext>
-    </p:extLst>
-  </p:cSld>
-  <p:clrMapOvr>
-    <a:masterClrMapping/>
-  </p:clrMapOvr>
-</p:sld>
-</file>
-
-<file path=ppt/slides/slide68.xml><?xml version="1.0" encoding="utf-8"?>
-<p:sld xmlns:a="http://schemas.openxmlformats.org/drawingml/2006/main" xmlns:r="http://schemas.openxmlformats.org/officeDocument/2006/relationships" xmlns:p="http://schemas.openxmlformats.org/presentationml/2006/main">
-  <p:cSld>
-    <p:spTree>
-      <p:nvGrpSpPr>
-        <p:cNvPr id="1" name=""/>
-        <p:cNvGrpSpPr/>
-        <p:nvPr/>
-      </p:nvGrpSpPr>
-      <p:grpSpPr>
-        <a:xfrm>
-          <a:off x="0" y="0"/>
-          <a:ext cx="0" cy="0"/>
-          <a:chOff x="0" y="0"/>
-          <a:chExt cx="0" cy="0"/>
-        </a:xfrm>
-      </p:grpSpPr>
-      <p:sp>
-        <p:nvSpPr>
-          <p:cNvPr id="19458" name="1 Título"/>
-          <p:cNvSpPr>
-            <a:spLocks noGrp="1"/>
-          </p:cNvSpPr>
-          <p:nvPr>
-            <p:ph type="title"/>
-          </p:nvPr>
-        </p:nvSpPr>
-        <p:spPr>
-          <a:xfrm>
-            <a:off x="457200" y="-100013"/>
-            <a:ext cx="8229600" cy="1143001"/>
-          </a:xfrm>
-        </p:spPr>
-        <p:txBody>
-          <a:bodyPr/>
-          <a:lstStyle/>
-          <a:p>
-            <a:r>
-              <a:rPr lang="es-CR">
-                <a:latin typeface="Calibri" charset="0"/>
-              </a:rPr>
-              <a:t>Classwork 3: Objects</a:t>
-            </a:r>
-          </a:p>
-        </p:txBody>
-      </p:sp>
-      <p:sp>
-        <p:nvSpPr>
-          <p:cNvPr id="19459" name="2 Marcador de contenido"/>
-          <p:cNvSpPr>
-            <a:spLocks noGrp="1"/>
-          </p:cNvSpPr>
-          <p:nvPr>
-            <p:ph idx="1"/>
-          </p:nvPr>
-        </p:nvSpPr>
-        <p:spPr/>
-        <p:txBody>
-          <a:bodyPr/>
-          <a:lstStyle/>
-          <a:p>
-            <a:r>
-              <a:rPr lang="es-CR">
-                <a:latin typeface="Calibri" charset="0"/>
-              </a:rPr>
-              <a:t>Build a simple Class called “ShoppingCart” that contains the following methods:</a:t>
-            </a:r>
-          </a:p>
-          <a:p>
-            <a:pPr lvl="1"/>
-            <a:r>
-              <a:rPr lang="es-CR">
-                <a:latin typeface="Calibri" charset="0"/>
-              </a:rPr>
-              <a:t>add_product(product)</a:t>
-            </a:r>
-          </a:p>
-          <a:p>
-            <a:pPr lvl="1"/>
-            <a:r>
-              <a:rPr lang="es-CR">
-                <a:latin typeface="Calibri" charset="0"/>
-              </a:rPr>
-              <a:t>show_products</a:t>
-            </a:r>
-          </a:p>
-          <a:p>
-            <a:pPr lvl="1"/>
-            <a:r>
-              <a:rPr lang="es-CR">
-                <a:latin typeface="Calibri" charset="0"/>
-              </a:rPr>
-              <a:t>order_amount</a:t>
-            </a:r>
-          </a:p>
-          <a:p>
-            <a:r>
-              <a:rPr lang="es-CR">
-                <a:latin typeface="Calibri" charset="0"/>
-              </a:rPr>
-              <a:t>This class should interact with two additional classes Product and User.</a:t>
-            </a:r>
-          </a:p>
-          <a:p>
-            <a:r>
-              <a:rPr lang="es-CR">
-                <a:latin typeface="Calibri" charset="0"/>
-              </a:rPr>
-              <a:t>The shopping cart belongs to a User.</a:t>
-            </a:r>
-          </a:p>
-        </p:txBody>
-      </p:sp>
-    </p:spTree>
-    <p:extLst>
-      <p:ext uri="{BB962C8B-B14F-4D97-AF65-F5344CB8AC3E}">
-        <p14:creationId xmlns:p14="http://schemas.microsoft.com/office/powerpoint/2010/main" val="1295913432"/>
-      </p:ext>
-    </p:extLst>
-  </p:cSld>
-  <p:clrMapOvr>
-    <a:masterClrMapping/>
-  </p:clrMapOvr>
-  <p:timing>
-    <p:tnLst>
-      <p:par>
-        <p:cTn xmlns:p14="http://schemas.microsoft.com/office/powerpoint/2010/main" id="1" dur="indefinite" restart="never" nodeType="tmRoot"/>
-      </p:par>
-    </p:tnLst>
-  </p:timing>
-</p:sld>
-</file>
-
-<file path=ppt/slides/slide69.xml><?xml version="1.0" encoding="utf-8"?>
-<p:sld xmlns:a="http://schemas.openxmlformats.org/drawingml/2006/main" xmlns:r="http://schemas.openxmlformats.org/officeDocument/2006/relationships" xmlns:p="http://schemas.openxmlformats.org/presentationml/2006/main">
-  <p:cSld>
-    <p:spTree>
-      <p:nvGrpSpPr>
-        <p:cNvPr id="1" name=""/>
-        <p:cNvGrpSpPr/>
-        <p:nvPr/>
-      </p:nvGrpSpPr>
-      <p:grpSpPr>
-        <a:xfrm>
-          <a:off x="0" y="0"/>
-          <a:ext cx="0" cy="0"/>
-          <a:chOff x="0" y="0"/>
-          <a:chExt cx="0" cy="0"/>
-        </a:xfrm>
-      </p:grpSpPr>
-      <p:sp>
-        <p:nvSpPr>
-          <p:cNvPr id="20482" name="3 Título"/>
-          <p:cNvSpPr>
-            <a:spLocks noGrp="1"/>
-          </p:cNvSpPr>
-          <p:nvPr>
-            <p:ph type="ctrTitle"/>
-          </p:nvPr>
-        </p:nvSpPr>
-        <p:spPr/>
-        <p:txBody>
-          <a:bodyPr/>
-          <a:lstStyle/>
-          <a:p>
-            <a:r>
-              <a:rPr lang="es-CR">
-                <a:latin typeface="Calibri" charset="0"/>
-              </a:rPr>
-              <a:t>Ruby Homework</a:t>
-            </a:r>
-          </a:p>
-        </p:txBody>
-      </p:sp>
-      <p:sp>
-        <p:nvSpPr>
-          <p:cNvPr id="5" name="4 Subtítulo"/>
-          <p:cNvSpPr>
-            <a:spLocks noGrp="1"/>
-          </p:cNvSpPr>
-          <p:nvPr>
-            <p:ph type="subTitle" idx="1"/>
-          </p:nvPr>
-        </p:nvSpPr>
-        <p:spPr>
-          <a:xfrm>
-            <a:off x="1011238" y="3886200"/>
-            <a:ext cx="7016750" cy="1752600"/>
-          </a:xfrm>
-        </p:spPr>
-        <p:txBody>
-          <a:bodyPr/>
-          <a:lstStyle/>
-          <a:p>
-            <a:pPr>
-              <a:defRPr/>
-            </a:pPr>
-            <a:r>
-              <a:rPr lang="en-US" dirty="0" smtClean="0">
-                <a:ea typeface="+mn-ea"/>
-              </a:rPr>
-              <a:t>July 28</a:t>
-            </a:r>
-            <a:r>
-              <a:rPr lang="en-US" baseline="30000" dirty="0" smtClean="0">
-                <a:ea typeface="+mn-ea"/>
-              </a:rPr>
-              <a:t>th</a:t>
-            </a:r>
-            <a:endParaRPr lang="en-US" dirty="0" smtClean="0">
-              <a:ea typeface="+mn-ea"/>
-            </a:endParaRPr>
-          </a:p>
-          <a:p>
-            <a:pPr>
-              <a:defRPr/>
-            </a:pPr>
-            <a:endParaRPr lang="en-US" dirty="0" smtClean="0">
-              <a:ea typeface="+mn-ea"/>
-            </a:endParaRPr>
-          </a:p>
-          <a:p>
-            <a:pPr>
-              <a:defRPr/>
-            </a:pPr>
-            <a:r>
-              <a:rPr lang="en-US" dirty="0" smtClean="0">
-                <a:ea typeface="+mn-ea"/>
-              </a:rPr>
-              <a:t>See Training Web page for more details</a:t>
-            </a:r>
-            <a:endParaRPr lang="en-US" dirty="0">
-              <a:ea typeface="+mn-ea"/>
-            </a:endParaRPr>
-          </a:p>
-        </p:txBody>
-      </p:sp>
-    </p:spTree>
-    <p:extLst>
-      <p:ext uri="{BB962C8B-B14F-4D97-AF65-F5344CB8AC3E}">
-        <p14:creationId xmlns:p14="http://schemas.microsoft.com/office/powerpoint/2010/main" val="1396892980"/>
-      </p:ext>
-    </p:extLst>
   </p:cSld>
   <p:clrMapOvr>
     <a:masterClrMapping/>
@@ -32064,143 +24566,6 @@
       <p:bldP spid="4" grpId="0"/>
       <p:bldP spid="5" grpId="0"/>
     </p:bldLst>
-  </p:timing>
-</p:sld>
-</file>
-
-<file path=ppt/slides/slide70.xml><?xml version="1.0" encoding="utf-8"?>
-<p:sld xmlns:a="http://schemas.openxmlformats.org/drawingml/2006/main" xmlns:r="http://schemas.openxmlformats.org/officeDocument/2006/relationships" xmlns:p="http://schemas.openxmlformats.org/presentationml/2006/main">
-  <p:cSld>
-    <p:spTree>
-      <p:nvGrpSpPr>
-        <p:cNvPr id="1" name=""/>
-        <p:cNvGrpSpPr/>
-        <p:nvPr/>
-      </p:nvGrpSpPr>
-      <p:grpSpPr>
-        <a:xfrm>
-          <a:off x="0" y="0"/>
-          <a:ext cx="0" cy="0"/>
-          <a:chOff x="0" y="0"/>
-          <a:chExt cx="0" cy="0"/>
-        </a:xfrm>
-      </p:grpSpPr>
-      <p:sp>
-        <p:nvSpPr>
-          <p:cNvPr id="21506" name="1 Título"/>
-          <p:cNvSpPr>
-            <a:spLocks noGrp="1"/>
-          </p:cNvSpPr>
-          <p:nvPr>
-            <p:ph type="title"/>
-          </p:nvPr>
-        </p:nvSpPr>
-        <p:spPr>
-          <a:xfrm>
-            <a:off x="457200" y="-100013"/>
-            <a:ext cx="8229600" cy="1143001"/>
-          </a:xfrm>
-        </p:spPr>
-        <p:txBody>
-          <a:bodyPr/>
-          <a:lstStyle/>
-          <a:p>
-            <a:r>
-              <a:rPr lang="es-CR">
-                <a:latin typeface="Calibri" charset="0"/>
-              </a:rPr>
-              <a:t>Related Documents</a:t>
-            </a:r>
-          </a:p>
-        </p:txBody>
-      </p:sp>
-      <p:sp>
-        <p:nvSpPr>
-          <p:cNvPr id="21507" name="2 Marcador de contenido"/>
-          <p:cNvSpPr>
-            <a:spLocks noGrp="1"/>
-          </p:cNvSpPr>
-          <p:nvPr>
-            <p:ph idx="1"/>
-          </p:nvPr>
-        </p:nvSpPr>
-        <p:spPr/>
-        <p:txBody>
-          <a:bodyPr/>
-          <a:lstStyle/>
-          <a:p>
-            <a:r>
-              <a:rPr lang="es-CR" dirty="0">
-                <a:latin typeface="Calibri" charset="0"/>
-                <a:hlinkClick r:id="rId2"/>
-              </a:rPr>
-              <a:t>http://en.wikipedia.org/wiki/Rake_%28software%29</a:t>
-            </a:r>
-            <a:endParaRPr lang="es-CR" dirty="0">
-              <a:latin typeface="Calibri" charset="0"/>
-            </a:endParaRPr>
-          </a:p>
-          <a:p>
-            <a:r>
-              <a:rPr lang="es-CR" dirty="0">
-                <a:latin typeface="Calibri" charset="0"/>
-                <a:hlinkClick r:id="rId3"/>
-              </a:rPr>
-              <a:t>http://en.wikipedia.org/wiki/Ruby_%28programming_language%29</a:t>
-            </a:r>
-            <a:endParaRPr lang="es-CR" dirty="0">
-              <a:latin typeface="Calibri" charset="0"/>
-            </a:endParaRPr>
-          </a:p>
-          <a:p>
-            <a:r>
-              <a:rPr lang="es-CR" dirty="0">
-                <a:latin typeface="Calibri" charset="0"/>
-                <a:hlinkClick r:id="rId4"/>
-              </a:rPr>
-              <a:t>http://www.ruby-doc.org/docs/Tutorial/</a:t>
-            </a:r>
-            <a:endParaRPr lang="es-CR" dirty="0">
-              <a:latin typeface="Calibri" charset="0"/>
-            </a:endParaRPr>
-          </a:p>
-          <a:p>
-            <a:r>
-              <a:rPr lang="es-CR" dirty="0">
-                <a:latin typeface="Calibri" charset="0"/>
-                <a:hlinkClick r:id="rId5"/>
-              </a:rPr>
-              <a:t>http://rubytutorial.wikidot.com</a:t>
-            </a:r>
-            <a:r>
-              <a:rPr lang="es-CR" dirty="0" smtClean="0">
-                <a:latin typeface="Calibri" charset="0"/>
-                <a:hlinkClick r:id="rId5"/>
-              </a:rPr>
-              <a:t>/</a:t>
-            </a:r>
-            <a:endParaRPr lang="es-CR" dirty="0">
-              <a:latin typeface="Calibri" charset="0"/>
-            </a:endParaRPr>
-          </a:p>
-        </p:txBody>
-      </p:sp>
-    </p:spTree>
-    <p:extLst>
-      <p:ext uri="{BB962C8B-B14F-4D97-AF65-F5344CB8AC3E}">
-        <p14:creationId xmlns:p14="http://schemas.microsoft.com/office/powerpoint/2010/main" val="4122584895"/>
-      </p:ext>
-    </p:extLst>
-  </p:cSld>
-  <p:clrMapOvr>
-    <a:masterClrMapping/>
-  </p:clrMapOvr>
-  <p:timing>
-    <p:tnLst>
-      <p:par>
-        <p:cTn xmlns:p14="http://schemas.microsoft.com/office/powerpoint/2010/main" id="1" dur="indefinite" restart="never" nodeType="tmRoot"/>
-      </p:par>
-    </p:tnLst>
   </p:timing>
 </p:sld>
 </file>
